--- a/현황.pptx
+++ b/현황.pptx
@@ -5,10 +5,10 @@
     <p:sldMasterId id="2147483660" r:id="rId1"/>
   </p:sldMasterIdLst>
   <p:notesMasterIdLst>
-    <p:notesMasterId r:id="rId10"/>
+    <p:notesMasterId r:id="rId13"/>
   </p:notesMasterIdLst>
   <p:handoutMasterIdLst>
-    <p:handoutMasterId r:id="rId11"/>
+    <p:handoutMasterId r:id="rId14"/>
   </p:handoutMasterIdLst>
   <p:sldIdLst>
     <p:sldId id="261" r:id="rId2"/>
@@ -18,7 +18,10 @@
     <p:sldId id="272" r:id="rId6"/>
     <p:sldId id="275" r:id="rId7"/>
     <p:sldId id="276" r:id="rId8"/>
-    <p:sldId id="273" r:id="rId9"/>
+    <p:sldId id="277" r:id="rId9"/>
+    <p:sldId id="278" r:id="rId10"/>
+    <p:sldId id="279" r:id="rId11"/>
+    <p:sldId id="273" r:id="rId12"/>
   </p:sldIdLst>
   <p:sldSz cx="10160000" cy="5715000"/>
   <p:notesSz cx="6735763" cy="9866313"/>
@@ -256,7 +259,7 @@
           <a:p>
             <a:fld id="{63392E0B-5CE5-4FC8-9D1C-1E8A2F57AC48}" type="datetimeFigureOut">
               <a:rPr lang="ko-KR" altLang="en-US" smtClean="0"/>
-              <a:t>2020-08-27</a:t>
+              <a:t>2020-09-16</a:t>
             </a:fld>
             <a:endParaRPr lang="ko-KR" altLang="en-US"/>
           </a:p>
@@ -434,7 +437,7 @@
             <a:fld id="{01A1901C-D79B-4BFB-BBC4-D9BF7A97245F}" type="datetimeFigureOut">
               <a:rPr lang="ko-KR" altLang="en-US" smtClean="0"/>
               <a:pPr/>
-              <a:t>2020-08-27</a:t>
+              <a:t>2020-09-16</a:t>
             </a:fld>
             <a:endParaRPr lang="ko-KR" altLang="en-US"/>
           </a:p>
@@ -1669,7 +1672,7 @@
           <a:p>
             <a:fld id="{C530DBA3-E3E4-40D1-90CC-DD4F14F82D2B}" type="datetime5">
               <a:rPr lang="ko-KR" altLang="en-US" smtClean="0"/>
-              <a:t>2020/8/27</a:t>
+              <a:t>2020/9/16</a:t>
             </a:fld>
             <a:endParaRPr lang="ko-KR" altLang="en-US" dirty="0"/>
           </a:p>
@@ -2400,6 +2403,605 @@
 </p:sld>
 </file>
 
+<file path=ppt/slides/slide10.xml><?xml version="1.0" encoding="utf-8"?>
+<p:sld xmlns:a="http://schemas.openxmlformats.org/drawingml/2006/main" xmlns:r="http://schemas.openxmlformats.org/officeDocument/2006/relationships" xmlns:p="http://schemas.openxmlformats.org/presentationml/2006/main">
+  <p:cSld>
+    <p:spTree>
+      <p:nvGrpSpPr>
+        <p:cNvPr id="1" name=""/>
+        <p:cNvGrpSpPr/>
+        <p:nvPr/>
+      </p:nvGrpSpPr>
+      <p:grpSpPr>
+        <a:xfrm>
+          <a:off x="0" y="0"/>
+          <a:ext cx="0" cy="0"/>
+          <a:chOff x="0" y="0"/>
+          <a:chExt cx="0" cy="0"/>
+        </a:xfrm>
+      </p:grpSpPr>
+      <p:sp>
+        <p:nvSpPr>
+          <p:cNvPr id="2" name="제목 1">
+            <a:extLst>
+              <a:ext uri="{FF2B5EF4-FFF2-40B4-BE49-F238E27FC236}">
+                <a16:creationId xmlns:a16="http://schemas.microsoft.com/office/drawing/2014/main" id="{8D6F68CF-6FD2-41A5-8205-552ED88B6888}"/>
+              </a:ext>
+            </a:extLst>
+          </p:cNvPr>
+          <p:cNvSpPr>
+            <a:spLocks noGrp="1"/>
+          </p:cNvSpPr>
+          <p:nvPr>
+            <p:ph type="title"/>
+          </p:nvPr>
+        </p:nvSpPr>
+        <p:spPr/>
+        <p:txBody>
+          <a:bodyPr/>
+          <a:lstStyle/>
+          <a:p>
+            <a:r>
+              <a:rPr lang="en-US" altLang="ko-KR" dirty="0"/>
+              <a:t>Cycle</a:t>
+            </a:r>
+            <a:r>
+              <a:rPr lang="ko-KR" altLang="en-US" dirty="0"/>
+              <a:t> 정의</a:t>
+            </a:r>
+          </a:p>
+        </p:txBody>
+      </p:sp>
+      <p:sp>
+        <p:nvSpPr>
+          <p:cNvPr id="3" name="슬라이드 번호 개체 틀 2">
+            <a:extLst>
+              <a:ext uri="{FF2B5EF4-FFF2-40B4-BE49-F238E27FC236}">
+                <a16:creationId xmlns:a16="http://schemas.microsoft.com/office/drawing/2014/main" id="{993EFEB3-D56C-4388-A869-5BDB662F4C8F}"/>
+              </a:ext>
+            </a:extLst>
+          </p:cNvPr>
+          <p:cNvSpPr>
+            <a:spLocks noGrp="1"/>
+          </p:cNvSpPr>
+          <p:nvPr>
+            <p:ph type="sldNum" sz="quarter" idx="12"/>
+          </p:nvPr>
+        </p:nvSpPr>
+        <p:spPr/>
+        <p:txBody>
+          <a:bodyPr/>
+          <a:lstStyle/>
+          <a:p>
+            <a:fld id="{FE07106B-9139-4E7D-9251-E6A3203F00D4}" type="slidenum">
+              <a:rPr lang="ko-KR" altLang="en-US" smtClean="0"/>
+              <a:pPr/>
+              <a:t>10</a:t>
+            </a:fld>
+            <a:endParaRPr lang="ko-KR" altLang="en-US" dirty="0"/>
+          </a:p>
+        </p:txBody>
+      </p:sp>
+      <p:sp>
+        <p:nvSpPr>
+          <p:cNvPr id="4" name="내용 개체 틀 3">
+            <a:extLst>
+              <a:ext uri="{FF2B5EF4-FFF2-40B4-BE49-F238E27FC236}">
+                <a16:creationId xmlns:a16="http://schemas.microsoft.com/office/drawing/2014/main" id="{02B3E49C-7CF9-49BA-9E46-5AFFF69C8745}"/>
+              </a:ext>
+            </a:extLst>
+          </p:cNvPr>
+          <p:cNvSpPr>
+            <a:spLocks noGrp="1"/>
+          </p:cNvSpPr>
+          <p:nvPr>
+            <p:ph sz="quarter" idx="1"/>
+          </p:nvPr>
+        </p:nvSpPr>
+        <p:spPr/>
+        <p:txBody>
+          <a:bodyPr>
+            <a:normAutofit/>
+          </a:bodyPr>
+          <a:lstStyle/>
+          <a:p>
+            <a:pPr lvl="1"/>
+            <a:endParaRPr lang="en-US" altLang="ko-KR" dirty="0"/>
+          </a:p>
+          <a:p>
+            <a:pPr lvl="1"/>
+            <a:endParaRPr lang="en-US" altLang="ko-KR" dirty="0"/>
+          </a:p>
+          <a:p>
+            <a:pPr lvl="1"/>
+            <a:endParaRPr lang="en-US" altLang="ko-KR" dirty="0"/>
+          </a:p>
+          <a:p>
+            <a:pPr lvl="1"/>
+            <a:endParaRPr lang="en-US" altLang="ko-KR" dirty="0"/>
+          </a:p>
+          <a:p>
+            <a:pPr lvl="1"/>
+            <a:endParaRPr lang="en-US" altLang="ko-KR" dirty="0"/>
+          </a:p>
+          <a:p>
+            <a:pPr marL="176212" lvl="1" indent="0">
+              <a:buNone/>
+            </a:pPr>
+            <a:endParaRPr lang="en-US" altLang="ko-KR" dirty="0"/>
+          </a:p>
+        </p:txBody>
+      </p:sp>
+      <p:pic>
+        <p:nvPicPr>
+          <p:cNvPr id="7" name="그림 6">
+            <a:extLst>
+              <a:ext uri="{FF2B5EF4-FFF2-40B4-BE49-F238E27FC236}">
+                <a16:creationId xmlns:a16="http://schemas.microsoft.com/office/drawing/2014/main" id="{B4D8E7E7-2B0D-4391-9F61-4C1ADC52C7D0}"/>
+              </a:ext>
+            </a:extLst>
+          </p:cNvPr>
+          <p:cNvPicPr>
+            <a:picLocks noChangeAspect="1"/>
+          </p:cNvPicPr>
+          <p:nvPr/>
+        </p:nvPicPr>
+        <p:blipFill>
+          <a:blip r:embed="rId2"/>
+          <a:stretch>
+            <a:fillRect/>
+          </a:stretch>
+        </p:blipFill>
+        <p:spPr>
+          <a:xfrm>
+            <a:off x="965200" y="1104919"/>
+            <a:ext cx="3233201" cy="1665588"/>
+          </a:xfrm>
+          <a:prstGeom prst="rect">
+            <a:avLst/>
+          </a:prstGeom>
+        </p:spPr>
+      </p:pic>
+      <p:pic>
+        <p:nvPicPr>
+          <p:cNvPr id="8" name="그림 7">
+            <a:extLst>
+              <a:ext uri="{FF2B5EF4-FFF2-40B4-BE49-F238E27FC236}">
+                <a16:creationId xmlns:a16="http://schemas.microsoft.com/office/drawing/2014/main" id="{181A9507-3217-40DC-98D2-318F7E909295}"/>
+              </a:ext>
+            </a:extLst>
+          </p:cNvPr>
+          <p:cNvPicPr>
+            <a:picLocks noChangeAspect="1"/>
+          </p:cNvPicPr>
+          <p:nvPr/>
+        </p:nvPicPr>
+        <p:blipFill>
+          <a:blip r:embed="rId3"/>
+          <a:stretch>
+            <a:fillRect/>
+          </a:stretch>
+        </p:blipFill>
+        <p:spPr>
+          <a:xfrm>
+            <a:off x="5384801" y="1075006"/>
+            <a:ext cx="3429000" cy="1781803"/>
+          </a:xfrm>
+          <a:prstGeom prst="rect">
+            <a:avLst/>
+          </a:prstGeom>
+        </p:spPr>
+      </p:pic>
+      <p:sp>
+        <p:nvSpPr>
+          <p:cNvPr id="9" name="TextBox 8">
+            <a:extLst>
+              <a:ext uri="{FF2B5EF4-FFF2-40B4-BE49-F238E27FC236}">
+                <a16:creationId xmlns:a16="http://schemas.microsoft.com/office/drawing/2014/main" id="{F3F875E8-5E94-49E9-BF39-EB35154D14AF}"/>
+              </a:ext>
+            </a:extLst>
+          </p:cNvPr>
+          <p:cNvSpPr txBox="1"/>
+          <p:nvPr/>
+        </p:nvSpPr>
+        <p:spPr>
+          <a:xfrm>
+            <a:off x="-64282" y="2876610"/>
+            <a:ext cx="5292163" cy="246221"/>
+          </a:xfrm>
+          <a:prstGeom prst="rect">
+            <a:avLst/>
+          </a:prstGeom>
+          <a:noFill/>
+        </p:spPr>
+        <p:txBody>
+          <a:bodyPr wrap="square" rtlCol="0">
+            <a:spAutoFit/>
+          </a:bodyPr>
+          <a:lstStyle/>
+          <a:p>
+            <a:pPr algn="ctr"/>
+            <a:r>
+              <a:rPr lang="en-US" altLang="ko-KR" sz="1000" b="1" dirty="0"/>
+              <a:t>- Normalized close </a:t>
+            </a:r>
+            <a:r>
+              <a:rPr lang="en-US" altLang="ko-KR" sz="1000" b="1" dirty="0" err="1"/>
+              <a:t>diffrential</a:t>
+            </a:r>
+            <a:r>
+              <a:rPr lang="en-US" altLang="ko-KR" sz="1000" b="1" dirty="0"/>
+              <a:t> ma10 -</a:t>
+            </a:r>
+            <a:endParaRPr lang="ko-KR" altLang="en-US" sz="1000" b="1" dirty="0"/>
+          </a:p>
+        </p:txBody>
+      </p:sp>
+      <p:sp>
+        <p:nvSpPr>
+          <p:cNvPr id="10" name="TextBox 9">
+            <a:extLst>
+              <a:ext uri="{FF2B5EF4-FFF2-40B4-BE49-F238E27FC236}">
+                <a16:creationId xmlns:a16="http://schemas.microsoft.com/office/drawing/2014/main" id="{9A1C2802-2230-4706-8D05-0517C40B985D}"/>
+              </a:ext>
+            </a:extLst>
+          </p:cNvPr>
+          <p:cNvSpPr txBox="1"/>
+          <p:nvPr/>
+        </p:nvSpPr>
+        <p:spPr>
+          <a:xfrm>
+            <a:off x="4499311" y="2922160"/>
+            <a:ext cx="5292163" cy="246221"/>
+          </a:xfrm>
+          <a:prstGeom prst="rect">
+            <a:avLst/>
+          </a:prstGeom>
+          <a:noFill/>
+        </p:spPr>
+        <p:txBody>
+          <a:bodyPr wrap="square" rtlCol="0">
+            <a:spAutoFit/>
+          </a:bodyPr>
+          <a:lstStyle/>
+          <a:p>
+            <a:pPr algn="ctr"/>
+            <a:r>
+              <a:rPr lang="en-US" altLang="ko-KR" sz="1000" b="1" dirty="0"/>
+              <a:t>- Close differential ma10 -</a:t>
+            </a:r>
+            <a:endParaRPr lang="ko-KR" altLang="en-US" sz="1000" b="1" dirty="0"/>
+          </a:p>
+        </p:txBody>
+      </p:sp>
+      <p:pic>
+        <p:nvPicPr>
+          <p:cNvPr id="12" name="그림 11" descr="텍스트, 지도, 테이블이(가) 표시된 사진&#10;&#10;자동 생성된 설명">
+            <a:extLst>
+              <a:ext uri="{FF2B5EF4-FFF2-40B4-BE49-F238E27FC236}">
+                <a16:creationId xmlns:a16="http://schemas.microsoft.com/office/drawing/2014/main" id="{EB4CF596-81EC-45FD-BEE9-5D5A07E4E4FA}"/>
+              </a:ext>
+            </a:extLst>
+          </p:cNvPr>
+          <p:cNvPicPr>
+            <a:picLocks noChangeAspect="1"/>
+          </p:cNvPicPr>
+          <p:nvPr/>
+        </p:nvPicPr>
+        <p:blipFill>
+          <a:blip r:embed="rId4">
+            <a:extLst>
+              <a:ext uri="{28A0092B-C50C-407E-A947-70E740481C1C}">
+                <a14:useLocalDpi xmlns:a14="http://schemas.microsoft.com/office/drawing/2010/main" val="0"/>
+              </a:ext>
+            </a:extLst>
+          </a:blip>
+          <a:stretch>
+            <a:fillRect/>
+          </a:stretch>
+        </p:blipFill>
+        <p:spPr>
+          <a:xfrm>
+            <a:off x="5080000" y="3159003"/>
+            <a:ext cx="4114800" cy="2102406"/>
+          </a:xfrm>
+          <a:prstGeom prst="rect">
+            <a:avLst/>
+          </a:prstGeom>
+        </p:spPr>
+      </p:pic>
+      <p:sp>
+        <p:nvSpPr>
+          <p:cNvPr id="13" name="TextBox 12">
+            <a:extLst>
+              <a:ext uri="{FF2B5EF4-FFF2-40B4-BE49-F238E27FC236}">
+                <a16:creationId xmlns:a16="http://schemas.microsoft.com/office/drawing/2014/main" id="{22CC0B17-2267-417F-8F00-190319146DCA}"/>
+              </a:ext>
+            </a:extLst>
+          </p:cNvPr>
+          <p:cNvSpPr txBox="1"/>
+          <p:nvPr/>
+        </p:nvSpPr>
+        <p:spPr>
+          <a:xfrm>
+            <a:off x="4491318" y="5150506"/>
+            <a:ext cx="5292163" cy="246221"/>
+          </a:xfrm>
+          <a:prstGeom prst="rect">
+            <a:avLst/>
+          </a:prstGeom>
+          <a:noFill/>
+        </p:spPr>
+        <p:txBody>
+          <a:bodyPr wrap="square" rtlCol="0">
+            <a:spAutoFit/>
+          </a:bodyPr>
+          <a:lstStyle/>
+          <a:p>
+            <a:pPr algn="ctr"/>
+            <a:r>
+              <a:rPr lang="en-US" altLang="ko-KR" sz="1000" b="1" dirty="0"/>
+              <a:t>- Close ma10 -</a:t>
+            </a:r>
+            <a:endParaRPr lang="ko-KR" altLang="en-US" sz="1000" b="1" dirty="0"/>
+          </a:p>
+        </p:txBody>
+      </p:sp>
+      <p:pic>
+        <p:nvPicPr>
+          <p:cNvPr id="15" name="그림 14">
+            <a:extLst>
+              <a:ext uri="{FF2B5EF4-FFF2-40B4-BE49-F238E27FC236}">
+                <a16:creationId xmlns:a16="http://schemas.microsoft.com/office/drawing/2014/main" id="{D41A29C7-FCCC-4B6C-B463-1276E9E21260}"/>
+              </a:ext>
+            </a:extLst>
+          </p:cNvPr>
+          <p:cNvPicPr>
+            <a:picLocks noChangeAspect="1"/>
+          </p:cNvPicPr>
+          <p:nvPr/>
+        </p:nvPicPr>
+        <p:blipFill>
+          <a:blip r:embed="rId5">
+            <a:extLst>
+              <a:ext uri="{28A0092B-C50C-407E-A947-70E740481C1C}">
+                <a14:useLocalDpi xmlns:a14="http://schemas.microsoft.com/office/drawing/2010/main" val="0"/>
+              </a:ext>
+            </a:extLst>
+          </a:blip>
+          <a:stretch>
+            <a:fillRect/>
+          </a:stretch>
+        </p:blipFill>
+        <p:spPr>
+          <a:xfrm>
+            <a:off x="524399" y="3179390"/>
+            <a:ext cx="4022201" cy="2055094"/>
+          </a:xfrm>
+          <a:prstGeom prst="rect">
+            <a:avLst/>
+          </a:prstGeom>
+        </p:spPr>
+      </p:pic>
+      <p:sp>
+        <p:nvSpPr>
+          <p:cNvPr id="16" name="TextBox 15">
+            <a:extLst>
+              <a:ext uri="{FF2B5EF4-FFF2-40B4-BE49-F238E27FC236}">
+                <a16:creationId xmlns:a16="http://schemas.microsoft.com/office/drawing/2014/main" id="{010B3FCC-429B-4D92-92A4-4616775D1896}"/>
+              </a:ext>
+            </a:extLst>
+          </p:cNvPr>
+          <p:cNvSpPr txBox="1"/>
+          <p:nvPr/>
+        </p:nvSpPr>
+        <p:spPr>
+          <a:xfrm>
+            <a:off x="-64283" y="5161787"/>
+            <a:ext cx="5292163" cy="246221"/>
+          </a:xfrm>
+          <a:prstGeom prst="rect">
+            <a:avLst/>
+          </a:prstGeom>
+          <a:noFill/>
+        </p:spPr>
+        <p:txBody>
+          <a:bodyPr wrap="square" rtlCol="0">
+            <a:spAutoFit/>
+          </a:bodyPr>
+          <a:lstStyle/>
+          <a:p>
+            <a:pPr algn="ctr"/>
+            <a:r>
+              <a:rPr lang="en-US" altLang="ko-KR" sz="1000" b="1" dirty="0"/>
+              <a:t>- Normalized close ma10 -</a:t>
+            </a:r>
+            <a:endParaRPr lang="ko-KR" altLang="en-US" sz="1000" b="1" dirty="0"/>
+          </a:p>
+        </p:txBody>
+      </p:sp>
+    </p:spTree>
+    <p:extLst>
+      <p:ext uri="{BB962C8B-B14F-4D97-AF65-F5344CB8AC3E}">
+        <p14:creationId xmlns:p14="http://schemas.microsoft.com/office/powerpoint/2010/main" val="11411122"/>
+      </p:ext>
+    </p:extLst>
+  </p:cSld>
+  <p:clrMapOvr>
+    <a:masterClrMapping/>
+  </p:clrMapOvr>
+</p:sld>
+</file>
+
+<file path=ppt/slides/slide11.xml><?xml version="1.0" encoding="utf-8"?>
+<p:sld xmlns:a="http://schemas.openxmlformats.org/drawingml/2006/main" xmlns:r="http://schemas.openxmlformats.org/officeDocument/2006/relationships" xmlns:p="http://schemas.openxmlformats.org/presentationml/2006/main">
+  <p:cSld>
+    <p:spTree>
+      <p:nvGrpSpPr>
+        <p:cNvPr id="1" name=""/>
+        <p:cNvGrpSpPr/>
+        <p:nvPr/>
+      </p:nvGrpSpPr>
+      <p:grpSpPr>
+        <a:xfrm>
+          <a:off x="0" y="0"/>
+          <a:ext cx="0" cy="0"/>
+          <a:chOff x="0" y="0"/>
+          <a:chExt cx="0" cy="0"/>
+        </a:xfrm>
+      </p:grpSpPr>
+      <p:sp>
+        <p:nvSpPr>
+          <p:cNvPr id="2" name="제목 1">
+            <a:extLst>
+              <a:ext uri="{FF2B5EF4-FFF2-40B4-BE49-F238E27FC236}">
+                <a16:creationId xmlns:a16="http://schemas.microsoft.com/office/drawing/2014/main" id="{8D6F68CF-6FD2-41A5-8205-552ED88B6888}"/>
+              </a:ext>
+            </a:extLst>
+          </p:cNvPr>
+          <p:cNvSpPr>
+            <a:spLocks noGrp="1"/>
+          </p:cNvSpPr>
+          <p:nvPr>
+            <p:ph type="title"/>
+          </p:nvPr>
+        </p:nvSpPr>
+        <p:spPr/>
+        <p:txBody>
+          <a:bodyPr/>
+          <a:lstStyle/>
+          <a:p>
+            <a:r>
+              <a:rPr lang="ko-KR" altLang="en-US" dirty="0"/>
+              <a:t>종목 별 </a:t>
+            </a:r>
+            <a:r>
+              <a:rPr lang="en-US" altLang="ko-KR" dirty="0"/>
+              <a:t>rank </a:t>
+            </a:r>
+            <a:r>
+              <a:rPr lang="ko-KR" altLang="en-US" dirty="0"/>
+              <a:t>및 다음 </a:t>
+            </a:r>
+            <a:r>
+              <a:rPr lang="en-US" altLang="ko-KR" dirty="0"/>
+              <a:t>cycle </a:t>
+            </a:r>
+            <a:r>
+              <a:rPr lang="ko-KR" altLang="en-US" dirty="0"/>
+              <a:t>예측</a:t>
+            </a:r>
+          </a:p>
+        </p:txBody>
+      </p:sp>
+      <p:sp>
+        <p:nvSpPr>
+          <p:cNvPr id="3" name="슬라이드 번호 개체 틀 2">
+            <a:extLst>
+              <a:ext uri="{FF2B5EF4-FFF2-40B4-BE49-F238E27FC236}">
+                <a16:creationId xmlns:a16="http://schemas.microsoft.com/office/drawing/2014/main" id="{993EFEB3-D56C-4388-A869-5BDB662F4C8F}"/>
+              </a:ext>
+            </a:extLst>
+          </p:cNvPr>
+          <p:cNvSpPr>
+            <a:spLocks noGrp="1"/>
+          </p:cNvSpPr>
+          <p:nvPr>
+            <p:ph type="sldNum" sz="quarter" idx="12"/>
+          </p:nvPr>
+        </p:nvSpPr>
+        <p:spPr/>
+        <p:txBody>
+          <a:bodyPr/>
+          <a:lstStyle/>
+          <a:p>
+            <a:fld id="{FE07106B-9139-4E7D-9251-E6A3203F00D4}" type="slidenum">
+              <a:rPr lang="ko-KR" altLang="en-US" smtClean="0"/>
+              <a:pPr/>
+              <a:t>11</a:t>
+            </a:fld>
+            <a:endParaRPr lang="ko-KR" altLang="en-US" dirty="0"/>
+          </a:p>
+        </p:txBody>
+      </p:sp>
+      <p:sp>
+        <p:nvSpPr>
+          <p:cNvPr id="4" name="내용 개체 틀 3">
+            <a:extLst>
+              <a:ext uri="{FF2B5EF4-FFF2-40B4-BE49-F238E27FC236}">
+                <a16:creationId xmlns:a16="http://schemas.microsoft.com/office/drawing/2014/main" id="{02B3E49C-7CF9-49BA-9E46-5AFFF69C8745}"/>
+              </a:ext>
+            </a:extLst>
+          </p:cNvPr>
+          <p:cNvSpPr>
+            <a:spLocks noGrp="1"/>
+          </p:cNvSpPr>
+          <p:nvPr>
+            <p:ph sz="quarter" idx="1"/>
+          </p:nvPr>
+        </p:nvSpPr>
+        <p:spPr/>
+        <p:txBody>
+          <a:bodyPr>
+            <a:normAutofit/>
+          </a:bodyPr>
+          <a:lstStyle/>
+          <a:p>
+            <a:r>
+              <a:rPr lang="ko-KR" altLang="en-US" dirty="0"/>
+              <a:t>테마의 거래대금 그래프 및 </a:t>
+            </a:r>
+            <a:r>
+              <a:rPr lang="en-US" altLang="ko-KR" dirty="0"/>
+              <a:t>cycle</a:t>
+            </a:r>
+            <a:r>
+              <a:rPr lang="ko-KR" altLang="en-US" dirty="0"/>
+              <a:t>이 정의되고 난 후 진행</a:t>
+            </a:r>
+            <a:endParaRPr lang="en-US" altLang="ko-KR" dirty="0"/>
+          </a:p>
+          <a:p>
+            <a:pPr lvl="1"/>
+            <a:endParaRPr lang="en-US" altLang="ko-KR" dirty="0"/>
+          </a:p>
+          <a:p>
+            <a:pPr lvl="1"/>
+            <a:endParaRPr lang="en-US" altLang="ko-KR" dirty="0"/>
+          </a:p>
+          <a:p>
+            <a:pPr lvl="1"/>
+            <a:endParaRPr lang="en-US" altLang="ko-KR" dirty="0"/>
+          </a:p>
+          <a:p>
+            <a:pPr lvl="1"/>
+            <a:endParaRPr lang="en-US" altLang="ko-KR" dirty="0"/>
+          </a:p>
+          <a:p>
+            <a:pPr lvl="1"/>
+            <a:endParaRPr lang="en-US" altLang="ko-KR" dirty="0"/>
+          </a:p>
+          <a:p>
+            <a:pPr marL="176212" lvl="1" indent="0">
+              <a:buNone/>
+            </a:pPr>
+            <a:endParaRPr lang="en-US" altLang="ko-KR" dirty="0"/>
+          </a:p>
+        </p:txBody>
+      </p:sp>
+    </p:spTree>
+    <p:extLst>
+      <p:ext uri="{BB962C8B-B14F-4D97-AF65-F5344CB8AC3E}">
+        <p14:creationId xmlns:p14="http://schemas.microsoft.com/office/powerpoint/2010/main" val="539279110"/>
+      </p:ext>
+    </p:extLst>
+  </p:cSld>
+  <p:clrMapOvr>
+    <a:masterClrMapping/>
+  </p:clrMapOvr>
+</p:sld>
+</file>
+
 <file path=ppt/slides/slide2.xml><?xml version="1.0" encoding="utf-8"?>
 <p:sld xmlns:a="http://schemas.openxmlformats.org/drawingml/2006/main" xmlns:r="http://schemas.openxmlformats.org/officeDocument/2006/relationships" xmlns:p="http://schemas.openxmlformats.org/presentationml/2006/main">
   <p:cSld>
@@ -2931,8 +3533,8 @@
           </a:p>
         </p:txBody>
       </p:sp>
-      <mc:AlternateContent xmlns:mc="http://schemas.openxmlformats.org/markup-compatibility/2006">
-        <mc:Choice xmlns:a14="http://schemas.microsoft.com/office/drawing/2010/main" Requires="a14">
+      <mc:AlternateContent xmlns:mc="http://schemas.openxmlformats.org/markup-compatibility/2006" xmlns:a14="http://schemas.microsoft.com/office/drawing/2010/main">
+        <mc:Choice Requires="a14">
           <p:sp>
             <p:nvSpPr>
               <p:cNvPr id="4" name="내용 개체 틀 3">
@@ -3326,7 +3928,7 @@
             </p:txBody>
           </p:sp>
         </mc:Choice>
-        <mc:Fallback>
+        <mc:Fallback xmlns="">
           <p:sp>
             <p:nvSpPr>
               <p:cNvPr id="4" name="내용 개체 틀 3">
@@ -4582,24 +5184,12 @@
           <a:lstStyle/>
           <a:p>
             <a:r>
-              <a:rPr lang="ko-KR" altLang="en-US" dirty="0"/>
-              <a:t>종목 별 </a:t>
-            </a:r>
-            <a:r>
               <a:rPr lang="en-US" altLang="ko-KR" dirty="0"/>
-              <a:t>rank </a:t>
-            </a:r>
-            <a:r>
-              <a:rPr lang="ko-KR" altLang="en-US" dirty="0"/>
-              <a:t>및 다음 </a:t>
-            </a:r>
-            <a:r>
-              <a:rPr lang="en-US" altLang="ko-KR" dirty="0"/>
-              <a:t>cycle </a:t>
-            </a:r>
-            <a:r>
-              <a:rPr lang="ko-KR" altLang="en-US" dirty="0"/>
-              <a:t>예측</a:t>
+              <a:t>Cycle</a:t>
+            </a:r>
+            <a:r>
+              <a:rPr lang="ko-KR" altLang="en-US" dirty="0"/>
+              <a:t> 정의</a:t>
             </a:r>
           </a:p>
         </p:txBody>
@@ -4658,17 +5248,122 @@
           <a:lstStyle/>
           <a:p>
             <a:r>
-              <a:rPr lang="ko-KR" altLang="en-US" dirty="0"/>
-              <a:t>테마의 거래대금 그래프 및 </a:t>
-            </a:r>
-            <a:r>
               <a:rPr lang="en-US" altLang="ko-KR" dirty="0"/>
-              <a:t>cycle</a:t>
-            </a:r>
-            <a:r>
-              <a:rPr lang="ko-KR" altLang="en-US" dirty="0"/>
-              <a:t>이 정의되고 난 후 진행</a:t>
-            </a:r>
+              <a:t>Cycle</a:t>
+            </a:r>
+            <a:r>
+              <a:rPr lang="ko-KR" altLang="en-US" dirty="0"/>
+              <a:t> 정의</a:t>
+            </a:r>
+            <a:endParaRPr lang="en-US" altLang="ko-KR" dirty="0"/>
+          </a:p>
+          <a:p>
+            <a:pPr lvl="1"/>
+            <a:r>
+              <a:rPr lang="ko-KR" altLang="en-US" dirty="0"/>
+              <a:t>어느 시점에서 쭉 올라가서 원상복구 </a:t>
+            </a:r>
+            <a:r>
+              <a:rPr lang="ko-KR" altLang="en-US" dirty="0" err="1"/>
+              <a:t>되기까지가</a:t>
+            </a:r>
+            <a:r>
+              <a:rPr lang="ko-KR" altLang="en-US" dirty="0"/>
+              <a:t> 아니라 최고점을 찍었을 때 까지를 </a:t>
+            </a:r>
+            <a:r>
+              <a:rPr lang="en-US" altLang="ko-KR" dirty="0"/>
+              <a:t>1 cycle</a:t>
+            </a:r>
+            <a:r>
+              <a:rPr lang="ko-KR" altLang="en-US" dirty="0"/>
+              <a:t>로 잡는다</a:t>
+            </a:r>
+            <a:r>
+              <a:rPr lang="en-US" altLang="ko-KR" dirty="0"/>
+              <a:t>.</a:t>
+            </a:r>
+          </a:p>
+          <a:p>
+            <a:pPr lvl="1"/>
+            <a:r>
+              <a:rPr lang="ko-KR" altLang="en-US" dirty="0"/>
+              <a:t>방법 </a:t>
+            </a:r>
+            <a:r>
+              <a:rPr lang="en-US" altLang="ko-KR" dirty="0"/>
+              <a:t>1: </a:t>
+            </a:r>
+            <a:r>
+              <a:rPr lang="ko-KR" altLang="en-US" dirty="0"/>
+              <a:t>미분</a:t>
+            </a:r>
+            <a:endParaRPr lang="en-US" altLang="ko-KR" dirty="0"/>
+          </a:p>
+          <a:p>
+            <a:pPr lvl="2"/>
+            <a:r>
+              <a:rPr lang="en-US" altLang="ko-KR" dirty="0"/>
+              <a:t>Y</a:t>
+            </a:r>
+            <a:r>
+              <a:rPr lang="ko-KR" altLang="en-US" dirty="0"/>
+              <a:t>값이 양수 </a:t>
+            </a:r>
+            <a:r>
+              <a:rPr lang="en-US" altLang="ko-KR" dirty="0"/>
+              <a:t>n </a:t>
+            </a:r>
+            <a:r>
+              <a:rPr lang="ko-KR" altLang="en-US" dirty="0"/>
+              <a:t>이상으로 유지되는 정도</a:t>
+            </a:r>
+            <a:endParaRPr lang="en-US" altLang="ko-KR" dirty="0"/>
+          </a:p>
+          <a:p>
+            <a:pPr lvl="3"/>
+            <a:r>
+              <a:rPr lang="ko-KR" altLang="en-US" dirty="0"/>
+              <a:t>이 과정 중 </a:t>
+            </a:r>
+            <a:r>
+              <a:rPr lang="en-US" altLang="ko-KR" dirty="0"/>
+              <a:t>y</a:t>
+            </a:r>
+            <a:r>
+              <a:rPr lang="ko-KR" altLang="en-US" dirty="0"/>
+              <a:t>값이 흔들릴 수밖에 </a:t>
+            </a:r>
+            <a:r>
+              <a:rPr lang="ko-KR" altLang="en-US" dirty="0" err="1"/>
+              <a:t>없을텐데</a:t>
+            </a:r>
+            <a:r>
+              <a:rPr lang="ko-KR" altLang="en-US" dirty="0"/>
+              <a:t> 이건 어떻게 처리할지</a:t>
+            </a:r>
+            <a:r>
+              <a:rPr lang="en-US" altLang="ko-KR" dirty="0"/>
+              <a:t>?</a:t>
+            </a:r>
+          </a:p>
+          <a:p>
+            <a:pPr lvl="2"/>
+            <a:r>
+              <a:rPr lang="en-US" altLang="ko-KR" dirty="0"/>
+              <a:t>Y</a:t>
+            </a:r>
+            <a:r>
+              <a:rPr lang="ko-KR" altLang="en-US" dirty="0"/>
+              <a:t>값이 음수로 바뀌는 순간</a:t>
+            </a:r>
+            <a:r>
+              <a:rPr lang="en-US" altLang="ko-KR" dirty="0"/>
+              <a:t>?</a:t>
+            </a:r>
+          </a:p>
+          <a:p>
+            <a:pPr lvl="1"/>
             <a:endParaRPr lang="en-US" altLang="ko-KR" dirty="0"/>
           </a:p>
           <a:p>
@@ -4702,7 +5397,297 @@
     </p:spTree>
     <p:extLst>
       <p:ext uri="{BB962C8B-B14F-4D97-AF65-F5344CB8AC3E}">
-        <p14:creationId xmlns:p14="http://schemas.microsoft.com/office/powerpoint/2010/main" val="539279110"/>
+        <p14:creationId xmlns:p14="http://schemas.microsoft.com/office/powerpoint/2010/main" val="3806878633"/>
+      </p:ext>
+    </p:extLst>
+  </p:cSld>
+  <p:clrMapOvr>
+    <a:masterClrMapping/>
+  </p:clrMapOvr>
+</p:sld>
+</file>
+
+<file path=ppt/slides/slide9.xml><?xml version="1.0" encoding="utf-8"?>
+<p:sld xmlns:a="http://schemas.openxmlformats.org/drawingml/2006/main" xmlns:r="http://schemas.openxmlformats.org/officeDocument/2006/relationships" xmlns:p="http://schemas.openxmlformats.org/presentationml/2006/main">
+  <p:cSld>
+    <p:spTree>
+      <p:nvGrpSpPr>
+        <p:cNvPr id="1" name=""/>
+        <p:cNvGrpSpPr/>
+        <p:nvPr/>
+      </p:nvGrpSpPr>
+      <p:grpSpPr>
+        <a:xfrm>
+          <a:off x="0" y="0"/>
+          <a:ext cx="0" cy="0"/>
+          <a:chOff x="0" y="0"/>
+          <a:chExt cx="0" cy="0"/>
+        </a:xfrm>
+      </p:grpSpPr>
+      <p:sp>
+        <p:nvSpPr>
+          <p:cNvPr id="2" name="제목 1">
+            <a:extLst>
+              <a:ext uri="{FF2B5EF4-FFF2-40B4-BE49-F238E27FC236}">
+                <a16:creationId xmlns:a16="http://schemas.microsoft.com/office/drawing/2014/main" id="{8D6F68CF-6FD2-41A5-8205-552ED88B6888}"/>
+              </a:ext>
+            </a:extLst>
+          </p:cNvPr>
+          <p:cNvSpPr>
+            <a:spLocks noGrp="1"/>
+          </p:cNvSpPr>
+          <p:nvPr>
+            <p:ph type="title"/>
+          </p:nvPr>
+        </p:nvSpPr>
+        <p:spPr/>
+        <p:txBody>
+          <a:bodyPr/>
+          <a:lstStyle/>
+          <a:p>
+            <a:r>
+              <a:rPr lang="en-US" altLang="ko-KR" dirty="0"/>
+              <a:t>Cycle</a:t>
+            </a:r>
+            <a:r>
+              <a:rPr lang="ko-KR" altLang="en-US" dirty="0"/>
+              <a:t> 정의</a:t>
+            </a:r>
+          </a:p>
+        </p:txBody>
+      </p:sp>
+      <p:sp>
+        <p:nvSpPr>
+          <p:cNvPr id="3" name="슬라이드 번호 개체 틀 2">
+            <a:extLst>
+              <a:ext uri="{FF2B5EF4-FFF2-40B4-BE49-F238E27FC236}">
+                <a16:creationId xmlns:a16="http://schemas.microsoft.com/office/drawing/2014/main" id="{993EFEB3-D56C-4388-A869-5BDB662F4C8F}"/>
+              </a:ext>
+            </a:extLst>
+          </p:cNvPr>
+          <p:cNvSpPr>
+            <a:spLocks noGrp="1"/>
+          </p:cNvSpPr>
+          <p:nvPr>
+            <p:ph type="sldNum" sz="quarter" idx="12"/>
+          </p:nvPr>
+        </p:nvSpPr>
+        <p:spPr/>
+        <p:txBody>
+          <a:bodyPr/>
+          <a:lstStyle/>
+          <a:p>
+            <a:fld id="{FE07106B-9139-4E7D-9251-E6A3203F00D4}" type="slidenum">
+              <a:rPr lang="ko-KR" altLang="en-US" smtClean="0"/>
+              <a:pPr/>
+              <a:t>9</a:t>
+            </a:fld>
+            <a:endParaRPr lang="ko-KR" altLang="en-US" dirty="0"/>
+          </a:p>
+        </p:txBody>
+      </p:sp>
+      <p:sp>
+        <p:nvSpPr>
+          <p:cNvPr id="4" name="내용 개체 틀 3">
+            <a:extLst>
+              <a:ext uri="{FF2B5EF4-FFF2-40B4-BE49-F238E27FC236}">
+                <a16:creationId xmlns:a16="http://schemas.microsoft.com/office/drawing/2014/main" id="{02B3E49C-7CF9-49BA-9E46-5AFFF69C8745}"/>
+              </a:ext>
+            </a:extLst>
+          </p:cNvPr>
+          <p:cNvSpPr>
+            <a:spLocks noGrp="1"/>
+          </p:cNvSpPr>
+          <p:nvPr>
+            <p:ph sz="quarter" idx="1"/>
+          </p:nvPr>
+        </p:nvSpPr>
+        <p:spPr/>
+        <p:txBody>
+          <a:bodyPr>
+            <a:normAutofit/>
+          </a:bodyPr>
+          <a:lstStyle/>
+          <a:p>
+            <a:r>
+              <a:rPr lang="ko-KR" altLang="en-US" dirty="0"/>
+              <a:t>미분</a:t>
+            </a:r>
+            <a:endParaRPr lang="en-US" altLang="ko-KR" dirty="0"/>
+          </a:p>
+          <a:p>
+            <a:pPr lvl="1"/>
+            <a:r>
+              <a:rPr lang="en-US" altLang="ko-KR" dirty="0"/>
+              <a:t>Normalization</a:t>
+            </a:r>
+            <a:r>
+              <a:rPr lang="ko-KR" altLang="en-US" dirty="0"/>
+              <a:t>된 종가 기준</a:t>
+            </a:r>
+            <a:endParaRPr lang="en-US" altLang="ko-KR" dirty="0"/>
+          </a:p>
+          <a:p>
+            <a:pPr lvl="1"/>
+            <a:r>
+              <a:rPr lang="ko-KR" altLang="en-US" dirty="0"/>
+              <a:t>현재 값에서 바로 다음 값을 뺀 값</a:t>
+            </a:r>
+            <a:endParaRPr lang="en-US" altLang="ko-KR" dirty="0"/>
+          </a:p>
+          <a:p>
+            <a:pPr lvl="2"/>
+            <a:r>
+              <a:rPr lang="en-US" altLang="ko-KR" sz="1200" dirty="0"/>
+              <a:t>X</a:t>
+            </a:r>
+            <a:r>
+              <a:rPr lang="ko-KR" altLang="en-US" sz="1200" dirty="0"/>
+              <a:t>축은 하루 단위로 기울기를 계산하므로</a:t>
+            </a:r>
+            <a:br>
+              <a:rPr lang="en-US" altLang="ko-KR" sz="1200" dirty="0"/>
+            </a:br>
+            <a:r>
+              <a:rPr lang="en-US" altLang="ko-KR" sz="1200" dirty="0"/>
+              <a:t>delta X</a:t>
+            </a:r>
+            <a:r>
+              <a:rPr lang="ko-KR" altLang="en-US" sz="1200" dirty="0"/>
+              <a:t>를 </a:t>
+            </a:r>
+            <a:r>
+              <a:rPr lang="en-US" altLang="ko-KR" sz="1200" dirty="0"/>
+              <a:t>1</a:t>
+            </a:r>
+            <a:r>
+              <a:rPr lang="ko-KR" altLang="en-US" sz="1200" dirty="0"/>
+              <a:t>로 두고 계산</a:t>
+            </a:r>
+            <a:endParaRPr lang="en-US" altLang="ko-KR" sz="1200" dirty="0"/>
+          </a:p>
+          <a:p>
+            <a:pPr lvl="1"/>
+            <a:r>
+              <a:rPr lang="ko-KR" altLang="en-US" dirty="0"/>
+              <a:t>그래프는 다음 페이지에서</a:t>
+            </a:r>
+            <a:endParaRPr lang="en-US" altLang="ko-KR" dirty="0"/>
+          </a:p>
+          <a:p>
+            <a:pPr lvl="2"/>
+            <a:r>
+              <a:rPr lang="ko-KR" altLang="en-US" sz="1200" dirty="0" err="1"/>
+              <a:t>정규화된</a:t>
+            </a:r>
+            <a:r>
+              <a:rPr lang="ko-KR" altLang="en-US" sz="1200" dirty="0"/>
+              <a:t> 그래프보다 그냥 그래프에서 더 확실한</a:t>
+            </a:r>
+            <a:br>
+              <a:rPr lang="en-US" altLang="ko-KR" sz="1200" dirty="0"/>
+            </a:br>
+            <a:r>
+              <a:rPr lang="ko-KR" altLang="en-US" sz="1200" dirty="0"/>
+              <a:t>기울기 차이를 나타냄</a:t>
+            </a:r>
+            <a:endParaRPr lang="en-US" altLang="ko-KR" sz="1200" dirty="0"/>
+          </a:p>
+          <a:p>
+            <a:pPr lvl="1"/>
+            <a:endParaRPr lang="en-US" altLang="ko-KR" dirty="0"/>
+          </a:p>
+          <a:p>
+            <a:pPr lvl="1"/>
+            <a:endParaRPr lang="en-US" altLang="ko-KR" dirty="0"/>
+          </a:p>
+          <a:p>
+            <a:pPr lvl="1"/>
+            <a:endParaRPr lang="en-US" altLang="ko-KR" dirty="0"/>
+          </a:p>
+          <a:p>
+            <a:pPr lvl="1"/>
+            <a:endParaRPr lang="en-US" altLang="ko-KR" dirty="0"/>
+          </a:p>
+          <a:p>
+            <a:pPr marL="176212" lvl="1" indent="0">
+              <a:buNone/>
+            </a:pPr>
+            <a:endParaRPr lang="en-US" altLang="ko-KR" dirty="0"/>
+          </a:p>
+        </p:txBody>
+      </p:sp>
+      <p:pic>
+        <p:nvPicPr>
+          <p:cNvPr id="5" name="그림 4">
+            <a:extLst>
+              <a:ext uri="{FF2B5EF4-FFF2-40B4-BE49-F238E27FC236}">
+                <a16:creationId xmlns:a16="http://schemas.microsoft.com/office/drawing/2014/main" id="{C47574B2-B976-4526-955B-C770794BA633}"/>
+              </a:ext>
+            </a:extLst>
+          </p:cNvPr>
+          <p:cNvPicPr>
+            <a:picLocks noChangeAspect="1"/>
+          </p:cNvPicPr>
+          <p:nvPr/>
+        </p:nvPicPr>
+        <p:blipFill>
+          <a:blip r:embed="rId2"/>
+          <a:stretch>
+            <a:fillRect/>
+          </a:stretch>
+        </p:blipFill>
+        <p:spPr>
+          <a:xfrm>
+            <a:off x="5613400" y="1209542"/>
+            <a:ext cx="3048000" cy="841075"/>
+          </a:xfrm>
+          <a:prstGeom prst="rect">
+            <a:avLst/>
+          </a:prstGeom>
+        </p:spPr>
+      </p:pic>
+      <p:sp>
+        <p:nvSpPr>
+          <p:cNvPr id="6" name="TextBox 5">
+            <a:extLst>
+              <a:ext uri="{FF2B5EF4-FFF2-40B4-BE49-F238E27FC236}">
+                <a16:creationId xmlns:a16="http://schemas.microsoft.com/office/drawing/2014/main" id="{6370C623-D24C-4182-81F4-4EDC9155B4FC}"/>
+              </a:ext>
+            </a:extLst>
+          </p:cNvPr>
+          <p:cNvSpPr txBox="1"/>
+          <p:nvPr/>
+        </p:nvSpPr>
+        <p:spPr>
+          <a:xfrm>
+            <a:off x="4483680" y="2096218"/>
+            <a:ext cx="5292163" cy="246221"/>
+          </a:xfrm>
+          <a:prstGeom prst="rect">
+            <a:avLst/>
+          </a:prstGeom>
+          <a:noFill/>
+        </p:spPr>
+        <p:txBody>
+          <a:bodyPr wrap="square" rtlCol="0">
+            <a:spAutoFit/>
+          </a:bodyPr>
+          <a:lstStyle/>
+          <a:p>
+            <a:pPr algn="ctr"/>
+            <a:r>
+              <a:rPr lang="en-US" altLang="ko-KR" sz="1000" b="1" dirty="0"/>
+              <a:t>- .diff(periods=-1): difference with following row-</a:t>
+            </a:r>
+            <a:endParaRPr lang="ko-KR" altLang="en-US" sz="1000" b="1" dirty="0"/>
+          </a:p>
+        </p:txBody>
+      </p:sp>
+    </p:spTree>
+    <p:extLst>
+      <p:ext uri="{BB962C8B-B14F-4D97-AF65-F5344CB8AC3E}">
+        <p14:creationId xmlns:p14="http://schemas.microsoft.com/office/powerpoint/2010/main" val="1064905360"/>
       </p:ext>
     </p:extLst>
   </p:cSld>

--- a/현황.pptx
+++ b/현황.pptx
@@ -5,10 +5,10 @@
     <p:sldMasterId id="2147483660" r:id="rId1"/>
   </p:sldMasterIdLst>
   <p:notesMasterIdLst>
-    <p:notesMasterId r:id="rId13"/>
+    <p:notesMasterId r:id="rId14"/>
   </p:notesMasterIdLst>
   <p:handoutMasterIdLst>
-    <p:handoutMasterId r:id="rId14"/>
+    <p:handoutMasterId r:id="rId15"/>
   </p:handoutMasterIdLst>
   <p:sldIdLst>
     <p:sldId id="261" r:id="rId2"/>
@@ -21,7 +21,8 @@
     <p:sldId id="277" r:id="rId9"/>
     <p:sldId id="278" r:id="rId10"/>
     <p:sldId id="279" r:id="rId11"/>
-    <p:sldId id="273" r:id="rId12"/>
+    <p:sldId id="280" r:id="rId12"/>
+    <p:sldId id="273" r:id="rId13"/>
   </p:sldIdLst>
   <p:sldSz cx="10160000" cy="5715000"/>
   <p:notesSz cx="6735763" cy="9866313"/>
@@ -2872,24 +2873,12 @@
           <a:lstStyle/>
           <a:p>
             <a:r>
+              <a:rPr lang="en-US" altLang="ko-KR" dirty="0"/>
+              <a:t>Cycle</a:t>
+            </a:r>
+            <a:r>
               <a:rPr lang="ko-KR" altLang="en-US" dirty="0"/>
-              <a:t>종목 별 </a:t>
-            </a:r>
-            <a:r>
-              <a:rPr lang="en-US" altLang="ko-KR" dirty="0"/>
-              <a:t>rank </a:t>
-            </a:r>
-            <a:r>
-              <a:rPr lang="ko-KR" altLang="en-US" dirty="0"/>
-              <a:t>및 다음 </a:t>
-            </a:r>
-            <a:r>
-              <a:rPr lang="en-US" altLang="ko-KR" dirty="0"/>
-              <a:t>cycle </a:t>
-            </a:r>
-            <a:r>
-              <a:rPr lang="ko-KR" altLang="en-US" dirty="0"/>
-              <a:t>예측</a:t>
+              <a:t> 정의</a:t>
             </a:r>
           </a:p>
         </p:txBody>
@@ -2919,6 +2908,322 @@
               <a:rPr lang="ko-KR" altLang="en-US" smtClean="0"/>
               <a:pPr/>
               <a:t>11</a:t>
+            </a:fld>
+            <a:endParaRPr lang="ko-KR" altLang="en-US" dirty="0"/>
+          </a:p>
+        </p:txBody>
+      </p:sp>
+      <p:sp>
+        <p:nvSpPr>
+          <p:cNvPr id="4" name="내용 개체 틀 3">
+            <a:extLst>
+              <a:ext uri="{FF2B5EF4-FFF2-40B4-BE49-F238E27FC236}">
+                <a16:creationId xmlns:a16="http://schemas.microsoft.com/office/drawing/2014/main" id="{02B3E49C-7CF9-49BA-9E46-5AFFF69C8745}"/>
+              </a:ext>
+            </a:extLst>
+          </p:cNvPr>
+          <p:cNvSpPr>
+            <a:spLocks noGrp="1"/>
+          </p:cNvSpPr>
+          <p:nvPr>
+            <p:ph sz="quarter" idx="1"/>
+          </p:nvPr>
+        </p:nvSpPr>
+        <p:spPr/>
+        <p:txBody>
+          <a:bodyPr>
+            <a:normAutofit/>
+          </a:bodyPr>
+          <a:lstStyle/>
+          <a:p>
+            <a:pPr lvl="1"/>
+            <a:endParaRPr lang="en-US" altLang="ko-KR" dirty="0"/>
+          </a:p>
+          <a:p>
+            <a:pPr lvl="1"/>
+            <a:endParaRPr lang="en-US" altLang="ko-KR" dirty="0"/>
+          </a:p>
+          <a:p>
+            <a:pPr lvl="1"/>
+            <a:endParaRPr lang="en-US" altLang="ko-KR" dirty="0"/>
+          </a:p>
+          <a:p>
+            <a:pPr lvl="1"/>
+            <a:endParaRPr lang="en-US" altLang="ko-KR" dirty="0"/>
+          </a:p>
+          <a:p>
+            <a:pPr lvl="1"/>
+            <a:endParaRPr lang="en-US" altLang="ko-KR" dirty="0"/>
+          </a:p>
+          <a:p>
+            <a:pPr marL="176212" lvl="1" indent="0">
+              <a:buNone/>
+            </a:pPr>
+            <a:endParaRPr lang="en-US" altLang="ko-KR" dirty="0"/>
+          </a:p>
+        </p:txBody>
+      </p:sp>
+      <p:sp>
+        <p:nvSpPr>
+          <p:cNvPr id="9" name="TextBox 8">
+            <a:extLst>
+              <a:ext uri="{FF2B5EF4-FFF2-40B4-BE49-F238E27FC236}">
+                <a16:creationId xmlns:a16="http://schemas.microsoft.com/office/drawing/2014/main" id="{F3F875E8-5E94-49E9-BF39-EB35154D14AF}"/>
+              </a:ext>
+            </a:extLst>
+          </p:cNvPr>
+          <p:cNvSpPr txBox="1"/>
+          <p:nvPr/>
+        </p:nvSpPr>
+        <p:spPr>
+          <a:xfrm>
+            <a:off x="-212163" y="3275411"/>
+            <a:ext cx="5292163" cy="246221"/>
+          </a:xfrm>
+          <a:prstGeom prst="rect">
+            <a:avLst/>
+          </a:prstGeom>
+          <a:noFill/>
+        </p:spPr>
+        <p:txBody>
+          <a:bodyPr wrap="square" rtlCol="0">
+            <a:spAutoFit/>
+          </a:bodyPr>
+          <a:lstStyle/>
+          <a:p>
+            <a:pPr algn="ctr"/>
+            <a:r>
+              <a:rPr lang="en-US" altLang="ko-KR" sz="1000" b="1" dirty="0"/>
+              <a:t>- Normalized close </a:t>
+            </a:r>
+            <a:r>
+              <a:rPr lang="en-US" altLang="ko-KR" sz="1000" b="1" dirty="0" err="1"/>
+              <a:t>diffrential</a:t>
+            </a:r>
+            <a:r>
+              <a:rPr lang="en-US" altLang="ko-KR" sz="1000" b="1" dirty="0"/>
+              <a:t> ma10 with n &lt; -0.2 or n &gt; 0.2 -</a:t>
+            </a:r>
+            <a:endParaRPr lang="ko-KR" altLang="en-US" sz="1000" b="1" dirty="0"/>
+          </a:p>
+        </p:txBody>
+      </p:sp>
+      <p:pic>
+        <p:nvPicPr>
+          <p:cNvPr id="11" name="그림 10">
+            <a:extLst>
+              <a:ext uri="{FF2B5EF4-FFF2-40B4-BE49-F238E27FC236}">
+                <a16:creationId xmlns:a16="http://schemas.microsoft.com/office/drawing/2014/main" id="{7733CDA9-3624-427A-8AC7-5BBB567558C9}"/>
+              </a:ext>
+            </a:extLst>
+          </p:cNvPr>
+          <p:cNvPicPr>
+            <a:picLocks noChangeAspect="1"/>
+          </p:cNvPicPr>
+          <p:nvPr/>
+        </p:nvPicPr>
+        <p:blipFill>
+          <a:blip r:embed="rId2">
+            <a:extLst>
+              <a:ext uri="{28A0092B-C50C-407E-A947-70E740481C1C}">
+                <a14:useLocalDpi xmlns:a14="http://schemas.microsoft.com/office/drawing/2010/main" val="0"/>
+              </a:ext>
+            </a:extLst>
+          </a:blip>
+          <a:stretch>
+            <a:fillRect/>
+          </a:stretch>
+        </p:blipFill>
+        <p:spPr>
+          <a:xfrm>
+            <a:off x="391156" y="1065018"/>
+            <a:ext cx="4306649" cy="2200428"/>
+          </a:xfrm>
+          <a:prstGeom prst="rect">
+            <a:avLst/>
+          </a:prstGeom>
+        </p:spPr>
+      </p:pic>
+      <p:pic>
+        <p:nvPicPr>
+          <p:cNvPr id="17" name="그림 16" descr="텍스트, 지도, 테이블, 사진이(가) 표시된 사진&#10;&#10;자동 생성된 설명">
+            <a:extLst>
+              <a:ext uri="{FF2B5EF4-FFF2-40B4-BE49-F238E27FC236}">
+                <a16:creationId xmlns:a16="http://schemas.microsoft.com/office/drawing/2014/main" id="{C343087C-C48E-475A-8D2B-1B98DE20ACD6}"/>
+              </a:ext>
+            </a:extLst>
+          </p:cNvPr>
+          <p:cNvPicPr>
+            <a:picLocks noChangeAspect="1"/>
+          </p:cNvPicPr>
+          <p:nvPr/>
+        </p:nvPicPr>
+        <p:blipFill>
+          <a:blip r:embed="rId3">
+            <a:extLst>
+              <a:ext uri="{28A0092B-C50C-407E-A947-70E740481C1C}">
+                <a14:useLocalDpi xmlns:a14="http://schemas.microsoft.com/office/drawing/2010/main" val="0"/>
+              </a:ext>
+            </a:extLst>
+          </a:blip>
+          <a:stretch>
+            <a:fillRect/>
+          </a:stretch>
+        </p:blipFill>
+        <p:spPr>
+          <a:xfrm>
+            <a:off x="4665371" y="1055053"/>
+            <a:ext cx="4377029" cy="2236388"/>
+          </a:xfrm>
+          <a:prstGeom prst="rect">
+            <a:avLst/>
+          </a:prstGeom>
+        </p:spPr>
+      </p:pic>
+      <p:sp>
+        <p:nvSpPr>
+          <p:cNvPr id="18" name="TextBox 17">
+            <a:extLst>
+              <a:ext uri="{FF2B5EF4-FFF2-40B4-BE49-F238E27FC236}">
+                <a16:creationId xmlns:a16="http://schemas.microsoft.com/office/drawing/2014/main" id="{C1200DDA-071E-4DE3-B031-A6C0CBE5385F}"/>
+              </a:ext>
+            </a:extLst>
+          </p:cNvPr>
+          <p:cNvSpPr txBox="1"/>
+          <p:nvPr/>
+        </p:nvSpPr>
+        <p:spPr>
+          <a:xfrm>
+            <a:off x="4089400" y="3280706"/>
+            <a:ext cx="5292163" cy="246221"/>
+          </a:xfrm>
+          <a:prstGeom prst="rect">
+            <a:avLst/>
+          </a:prstGeom>
+          <a:noFill/>
+        </p:spPr>
+        <p:txBody>
+          <a:bodyPr wrap="square" rtlCol="0">
+            <a:spAutoFit/>
+          </a:bodyPr>
+          <a:lstStyle/>
+          <a:p>
+            <a:pPr algn="ctr"/>
+            <a:r>
+              <a:rPr lang="en-US" altLang="ko-KR" sz="1000" b="1" dirty="0"/>
+              <a:t>- Normalized close </a:t>
+            </a:r>
+            <a:r>
+              <a:rPr lang="en-US" altLang="ko-KR" sz="1000" b="1" dirty="0" err="1"/>
+              <a:t>diffrential</a:t>
+            </a:r>
+            <a:r>
+              <a:rPr lang="en-US" altLang="ko-KR" sz="1000" b="1" dirty="0"/>
+              <a:t> ma10 with n &lt; -0.2 -</a:t>
+            </a:r>
+            <a:endParaRPr lang="ko-KR" altLang="en-US" sz="1000" b="1" dirty="0"/>
+          </a:p>
+        </p:txBody>
+      </p:sp>
+    </p:spTree>
+    <p:extLst>
+      <p:ext uri="{BB962C8B-B14F-4D97-AF65-F5344CB8AC3E}">
+        <p14:creationId xmlns:p14="http://schemas.microsoft.com/office/powerpoint/2010/main" val="52280736"/>
+      </p:ext>
+    </p:extLst>
+  </p:cSld>
+  <p:clrMapOvr>
+    <a:masterClrMapping/>
+  </p:clrMapOvr>
+</p:sld>
+</file>
+
+<file path=ppt/slides/slide12.xml><?xml version="1.0" encoding="utf-8"?>
+<p:sld xmlns:a="http://schemas.openxmlformats.org/drawingml/2006/main" xmlns:r="http://schemas.openxmlformats.org/officeDocument/2006/relationships" xmlns:p="http://schemas.openxmlformats.org/presentationml/2006/main">
+  <p:cSld>
+    <p:spTree>
+      <p:nvGrpSpPr>
+        <p:cNvPr id="1" name=""/>
+        <p:cNvGrpSpPr/>
+        <p:nvPr/>
+      </p:nvGrpSpPr>
+      <p:grpSpPr>
+        <a:xfrm>
+          <a:off x="0" y="0"/>
+          <a:ext cx="0" cy="0"/>
+          <a:chOff x="0" y="0"/>
+          <a:chExt cx="0" cy="0"/>
+        </a:xfrm>
+      </p:grpSpPr>
+      <p:sp>
+        <p:nvSpPr>
+          <p:cNvPr id="2" name="제목 1">
+            <a:extLst>
+              <a:ext uri="{FF2B5EF4-FFF2-40B4-BE49-F238E27FC236}">
+                <a16:creationId xmlns:a16="http://schemas.microsoft.com/office/drawing/2014/main" id="{8D6F68CF-6FD2-41A5-8205-552ED88B6888}"/>
+              </a:ext>
+            </a:extLst>
+          </p:cNvPr>
+          <p:cNvSpPr>
+            <a:spLocks noGrp="1"/>
+          </p:cNvSpPr>
+          <p:nvPr>
+            <p:ph type="title"/>
+          </p:nvPr>
+        </p:nvSpPr>
+        <p:spPr/>
+        <p:txBody>
+          <a:bodyPr/>
+          <a:lstStyle/>
+          <a:p>
+            <a:r>
+              <a:rPr lang="ko-KR" altLang="en-US" dirty="0"/>
+              <a:t>종목 별 </a:t>
+            </a:r>
+            <a:r>
+              <a:rPr lang="en-US" altLang="ko-KR" dirty="0"/>
+              <a:t>rank </a:t>
+            </a:r>
+            <a:r>
+              <a:rPr lang="ko-KR" altLang="en-US" dirty="0"/>
+              <a:t>및 다음 </a:t>
+            </a:r>
+            <a:r>
+              <a:rPr lang="en-US" altLang="ko-KR" dirty="0"/>
+              <a:t>cycle </a:t>
+            </a:r>
+            <a:r>
+              <a:rPr lang="ko-KR" altLang="en-US" dirty="0"/>
+              <a:t>예측</a:t>
+            </a:r>
+          </a:p>
+        </p:txBody>
+      </p:sp>
+      <p:sp>
+        <p:nvSpPr>
+          <p:cNvPr id="3" name="슬라이드 번호 개체 틀 2">
+            <a:extLst>
+              <a:ext uri="{FF2B5EF4-FFF2-40B4-BE49-F238E27FC236}">
+                <a16:creationId xmlns:a16="http://schemas.microsoft.com/office/drawing/2014/main" id="{993EFEB3-D56C-4388-A869-5BDB662F4C8F}"/>
+              </a:ext>
+            </a:extLst>
+          </p:cNvPr>
+          <p:cNvSpPr>
+            <a:spLocks noGrp="1"/>
+          </p:cNvSpPr>
+          <p:nvPr>
+            <p:ph type="sldNum" sz="quarter" idx="12"/>
+          </p:nvPr>
+        </p:nvSpPr>
+        <p:spPr/>
+        <p:txBody>
+          <a:bodyPr/>
+          <a:lstStyle/>
+          <a:p>
+            <a:fld id="{FE07106B-9139-4E7D-9251-E6A3203F00D4}" type="slidenum">
+              <a:rPr lang="ko-KR" altLang="en-US" smtClean="0"/>
+              <a:pPr/>
+              <a:t>12</a:t>
             </a:fld>
             <a:endParaRPr lang="ko-KR" altLang="en-US" dirty="0"/>
           </a:p>

--- a/현황.pptx
+++ b/현황.pptx
@@ -5,10 +5,10 @@
     <p:sldMasterId id="2147483660" r:id="rId1"/>
   </p:sldMasterIdLst>
   <p:notesMasterIdLst>
-    <p:notesMasterId r:id="rId14"/>
+    <p:notesMasterId r:id="rId17"/>
   </p:notesMasterIdLst>
   <p:handoutMasterIdLst>
-    <p:handoutMasterId r:id="rId15"/>
+    <p:handoutMasterId r:id="rId18"/>
   </p:handoutMasterIdLst>
   <p:sldIdLst>
     <p:sldId id="261" r:id="rId2"/>
@@ -22,7 +22,10 @@
     <p:sldId id="278" r:id="rId10"/>
     <p:sldId id="279" r:id="rId11"/>
     <p:sldId id="280" r:id="rId12"/>
-    <p:sldId id="273" r:id="rId13"/>
+    <p:sldId id="283" r:id="rId13"/>
+    <p:sldId id="285" r:id="rId14"/>
+    <p:sldId id="284" r:id="rId15"/>
+    <p:sldId id="273" r:id="rId16"/>
   </p:sldIdLst>
   <p:sldSz cx="10160000" cy="5715000"/>
   <p:notesSz cx="6735763" cy="9866313"/>
@@ -260,7 +263,7 @@
           <a:p>
             <a:fld id="{63392E0B-5CE5-4FC8-9D1C-1E8A2F57AC48}" type="datetimeFigureOut">
               <a:rPr lang="ko-KR" altLang="en-US" smtClean="0"/>
-              <a:t>2020-09-16</a:t>
+              <a:t>2020-09-23</a:t>
             </a:fld>
             <a:endParaRPr lang="ko-KR" altLang="en-US"/>
           </a:p>
@@ -438,7 +441,7 @@
             <a:fld id="{01A1901C-D79B-4BFB-BBC4-D9BF7A97245F}" type="datetimeFigureOut">
               <a:rPr lang="ko-KR" altLang="en-US" smtClean="0"/>
               <a:pPr/>
-              <a:t>2020-09-16</a:t>
+              <a:t>2020-09-23</a:t>
             </a:fld>
             <a:endParaRPr lang="ko-KR" altLang="en-US"/>
           </a:p>
@@ -1673,7 +1676,7 @@
           <a:p>
             <a:fld id="{C530DBA3-E3E4-40D1-90CC-DD4F14F82D2B}" type="datetime5">
               <a:rPr lang="ko-KR" altLang="en-US" smtClean="0"/>
-              <a:t>2020/9/16</a:t>
+              <a:t>2020/9/23</a:t>
             </a:fld>
             <a:endParaRPr lang="ko-KR" altLang="en-US" dirty="0"/>
           </a:p>
@@ -2563,36 +2566,6 @@
           </a:prstGeom>
         </p:spPr>
       </p:pic>
-      <p:pic>
-        <p:nvPicPr>
-          <p:cNvPr id="8" name="그림 7">
-            <a:extLst>
-              <a:ext uri="{FF2B5EF4-FFF2-40B4-BE49-F238E27FC236}">
-                <a16:creationId xmlns:a16="http://schemas.microsoft.com/office/drawing/2014/main" id="{181A9507-3217-40DC-98D2-318F7E909295}"/>
-              </a:ext>
-            </a:extLst>
-          </p:cNvPr>
-          <p:cNvPicPr>
-            <a:picLocks noChangeAspect="1"/>
-          </p:cNvPicPr>
-          <p:nvPr/>
-        </p:nvPicPr>
-        <p:blipFill>
-          <a:blip r:embed="rId3"/>
-          <a:stretch>
-            <a:fillRect/>
-          </a:stretch>
-        </p:blipFill>
-        <p:spPr>
-          <a:xfrm>
-            <a:off x="5384801" y="1075006"/>
-            <a:ext cx="3429000" cy="1781803"/>
-          </a:xfrm>
-          <a:prstGeom prst="rect">
-            <a:avLst/>
-          </a:prstGeom>
-        </p:spPr>
-      </p:pic>
       <p:sp>
         <p:nvSpPr>
           <p:cNvPr id="9" name="TextBox 8">
@@ -2669,48 +2642,12 @@
             <a:pPr algn="ctr"/>
             <a:r>
               <a:rPr lang="en-US" altLang="ko-KR" sz="1000" b="1" dirty="0"/>
-              <a:t>- Close differential ma10 -</a:t>
+              <a:t>- Transaction price differential ma10 -</a:t>
             </a:r>
             <a:endParaRPr lang="ko-KR" altLang="en-US" sz="1000" b="1" dirty="0"/>
           </a:p>
         </p:txBody>
       </p:sp>
-      <p:pic>
-        <p:nvPicPr>
-          <p:cNvPr id="12" name="그림 11" descr="텍스트, 지도, 테이블이(가) 표시된 사진&#10;&#10;자동 생성된 설명">
-            <a:extLst>
-              <a:ext uri="{FF2B5EF4-FFF2-40B4-BE49-F238E27FC236}">
-                <a16:creationId xmlns:a16="http://schemas.microsoft.com/office/drawing/2014/main" id="{EB4CF596-81EC-45FD-BEE9-5D5A07E4E4FA}"/>
-              </a:ext>
-            </a:extLst>
-          </p:cNvPr>
-          <p:cNvPicPr>
-            <a:picLocks noChangeAspect="1"/>
-          </p:cNvPicPr>
-          <p:nvPr/>
-        </p:nvPicPr>
-        <p:blipFill>
-          <a:blip r:embed="rId4">
-            <a:extLst>
-              <a:ext uri="{28A0092B-C50C-407E-A947-70E740481C1C}">
-                <a14:useLocalDpi xmlns:a14="http://schemas.microsoft.com/office/drawing/2010/main" val="0"/>
-              </a:ext>
-            </a:extLst>
-          </a:blip>
-          <a:stretch>
-            <a:fillRect/>
-          </a:stretch>
-        </p:blipFill>
-        <p:spPr>
-          <a:xfrm>
-            <a:off x="5080000" y="3159003"/>
-            <a:ext cx="4114800" cy="2102406"/>
-          </a:xfrm>
-          <a:prstGeom prst="rect">
-            <a:avLst/>
-          </a:prstGeom>
-        </p:spPr>
-      </p:pic>
       <p:sp>
         <p:nvSpPr>
           <p:cNvPr id="13" name="TextBox 12">
@@ -2742,7 +2679,7 @@
             <a:pPr algn="ctr"/>
             <a:r>
               <a:rPr lang="en-US" altLang="ko-KR" sz="1000" b="1" dirty="0"/>
-              <a:t>- Close ma10 -</a:t>
+              <a:t>- Transaction price ma10 -</a:t>
             </a:r>
             <a:endParaRPr lang="ko-KR" altLang="en-US" sz="1000" b="1" dirty="0"/>
           </a:p>
@@ -2763,7 +2700,7 @@
           <p:nvPr/>
         </p:nvPicPr>
         <p:blipFill>
-          <a:blip r:embed="rId5">
+          <a:blip r:embed="rId3">
             <a:extLst>
               <a:ext uri="{28A0092B-C50C-407E-A947-70E740481C1C}">
                 <a14:useLocalDpi xmlns:a14="http://schemas.microsoft.com/office/drawing/2010/main" val="0"/>
@@ -2821,6 +2758,78 @@
           </a:p>
         </p:txBody>
       </p:sp>
+      <p:pic>
+        <p:nvPicPr>
+          <p:cNvPr id="6" name="그림 5">
+            <a:extLst>
+              <a:ext uri="{FF2B5EF4-FFF2-40B4-BE49-F238E27FC236}">
+                <a16:creationId xmlns:a16="http://schemas.microsoft.com/office/drawing/2014/main" id="{4D98D3A3-9ADF-4965-A2C8-0AE9E168D307}"/>
+              </a:ext>
+            </a:extLst>
+          </p:cNvPr>
+          <p:cNvPicPr>
+            <a:picLocks noChangeAspect="1"/>
+          </p:cNvPicPr>
+          <p:nvPr/>
+        </p:nvPicPr>
+        <p:blipFill>
+          <a:blip r:embed="rId4">
+            <a:extLst>
+              <a:ext uri="{28A0092B-C50C-407E-A947-70E740481C1C}">
+                <a14:useLocalDpi xmlns:a14="http://schemas.microsoft.com/office/drawing/2010/main" val="0"/>
+              </a:ext>
+            </a:extLst>
+          </a:blip>
+          <a:stretch>
+            <a:fillRect/>
+          </a:stretch>
+        </p:blipFill>
+        <p:spPr>
+          <a:xfrm>
+            <a:off x="5308600" y="915481"/>
+            <a:ext cx="3927445" cy="2006679"/>
+          </a:xfrm>
+          <a:prstGeom prst="rect">
+            <a:avLst/>
+          </a:prstGeom>
+        </p:spPr>
+      </p:pic>
+      <p:pic>
+        <p:nvPicPr>
+          <p:cNvPr id="14" name="그림 13" descr="텍스트, 지도, 사진, 테이블이(가) 표시된 사진&#10;&#10;자동 생성된 설명">
+            <a:extLst>
+              <a:ext uri="{FF2B5EF4-FFF2-40B4-BE49-F238E27FC236}">
+                <a16:creationId xmlns:a16="http://schemas.microsoft.com/office/drawing/2014/main" id="{516F21B4-5C3F-4FBB-BC5A-E0F92FD1D41B}"/>
+              </a:ext>
+            </a:extLst>
+          </p:cNvPr>
+          <p:cNvPicPr>
+            <a:picLocks noChangeAspect="1"/>
+          </p:cNvPicPr>
+          <p:nvPr/>
+        </p:nvPicPr>
+        <p:blipFill>
+          <a:blip r:embed="rId5">
+            <a:extLst>
+              <a:ext uri="{28A0092B-C50C-407E-A947-70E740481C1C}">
+                <a14:useLocalDpi xmlns:a14="http://schemas.microsoft.com/office/drawing/2010/main" val="0"/>
+              </a:ext>
+            </a:extLst>
+          </a:blip>
+          <a:stretch>
+            <a:fillRect/>
+          </a:stretch>
+        </p:blipFill>
+        <p:spPr>
+          <a:xfrm>
+            <a:off x="5284171" y="3122832"/>
+            <a:ext cx="3927446" cy="2006680"/>
+          </a:xfrm>
+          <a:prstGeom prst="rect">
+            <a:avLst/>
+          </a:prstGeom>
+        </p:spPr>
+      </p:pic>
     </p:spTree>
     <p:extLst>
       <p:ext uri="{BB962C8B-B14F-4D97-AF65-F5344CB8AC3E}">
@@ -2851,6 +2860,42 @@
           <a:chExt cx="0" cy="0"/>
         </a:xfrm>
       </p:grpSpPr>
+      <p:pic>
+        <p:nvPicPr>
+          <p:cNvPr id="12" name="그림 11" descr="텍스트, 지도, 테이블, 사진이(가) 표시된 사진&#10;&#10;자동 생성된 설명">
+            <a:extLst>
+              <a:ext uri="{FF2B5EF4-FFF2-40B4-BE49-F238E27FC236}">
+                <a16:creationId xmlns:a16="http://schemas.microsoft.com/office/drawing/2014/main" id="{9A87A3C3-BD31-4127-ABC3-C2BD56DB3AC2}"/>
+              </a:ext>
+            </a:extLst>
+          </p:cNvPr>
+          <p:cNvPicPr>
+            <a:picLocks noChangeAspect="1"/>
+          </p:cNvPicPr>
+          <p:nvPr/>
+        </p:nvPicPr>
+        <p:blipFill>
+          <a:blip r:embed="rId2">
+            <a:extLst>
+              <a:ext uri="{28A0092B-C50C-407E-A947-70E740481C1C}">
+                <a14:useLocalDpi xmlns:a14="http://schemas.microsoft.com/office/drawing/2010/main" val="0"/>
+              </a:ext>
+            </a:extLst>
+          </a:blip>
+          <a:stretch>
+            <a:fillRect/>
+          </a:stretch>
+        </p:blipFill>
+        <p:spPr>
+          <a:xfrm>
+            <a:off x="2468402" y="899136"/>
+            <a:ext cx="7653137" cy="3910274"/>
+          </a:xfrm>
+          <a:prstGeom prst="rect">
+            <a:avLst/>
+          </a:prstGeom>
+        </p:spPr>
+      </p:pic>
       <p:sp>
         <p:nvSpPr>
           <p:cNvPr id="2" name="제목 1">
@@ -2929,7 +2974,12 @@
             <p:ph sz="quarter" idx="1"/>
           </p:nvPr>
         </p:nvSpPr>
-        <p:spPr/>
+        <p:spPr>
+          <a:xfrm>
+            <a:off x="261654" y="1028700"/>
+            <a:ext cx="9666801" cy="4346138"/>
+          </a:xfrm>
+        </p:spPr>
         <p:txBody>
           <a:bodyPr>
             <a:normAutofit/>
@@ -2977,7 +3027,7 @@
         </p:nvSpPr>
         <p:spPr>
           <a:xfrm>
-            <a:off x="-212163" y="3275411"/>
+            <a:off x="3741773" y="4686300"/>
             <a:ext cx="5292163" cy="246221"/>
           </a:xfrm>
           <a:prstGeom prst="rect">
@@ -2991,10 +3041,13 @@
           </a:bodyPr>
           <a:lstStyle/>
           <a:p>
-            <a:pPr algn="ctr"/>
+            <a:pPr marL="171450" indent="-171450" algn="ctr">
+              <a:buFontTx/>
+              <a:buChar char="-"/>
+            </a:pPr>
             <a:r>
               <a:rPr lang="en-US" altLang="ko-KR" sz="1000" b="1" dirty="0"/>
-              <a:t>- Normalized close </a:t>
+              <a:t>Normalized close </a:t>
             </a:r>
             <a:r>
               <a:rPr lang="en-US" altLang="ko-KR" sz="1000" b="1" dirty="0" err="1"/>
@@ -3002,126 +3055,361 @@
             </a:r>
             <a:r>
               <a:rPr lang="en-US" altLang="ko-KR" sz="1000" b="1" dirty="0"/>
-              <a:t> ma10 with n &lt; -0.2 or n &gt; 0.2 -</a:t>
+              <a:t> ma10 with n &gt; 0.2 –</a:t>
             </a:r>
             <a:endParaRPr lang="ko-KR" altLang="en-US" sz="1000" b="1" dirty="0"/>
           </a:p>
         </p:txBody>
       </p:sp>
-      <p:pic>
-        <p:nvPicPr>
-          <p:cNvPr id="11" name="그림 10">
-            <a:extLst>
-              <a:ext uri="{FF2B5EF4-FFF2-40B4-BE49-F238E27FC236}">
-                <a16:creationId xmlns:a16="http://schemas.microsoft.com/office/drawing/2014/main" id="{7733CDA9-3624-427A-8AC7-5BBB567558C9}"/>
-              </a:ext>
-            </a:extLst>
-          </p:cNvPr>
-          <p:cNvPicPr>
-            <a:picLocks noChangeAspect="1"/>
-          </p:cNvPicPr>
+      <p:sp>
+        <p:nvSpPr>
+          <p:cNvPr id="10" name="내용 개체 틀 3">
+            <a:extLst>
+              <a:ext uri="{FF2B5EF4-FFF2-40B4-BE49-F238E27FC236}">
+                <a16:creationId xmlns:a16="http://schemas.microsoft.com/office/drawing/2014/main" id="{336D2DD8-5E94-49CC-9E36-3F0BE504D74E}"/>
+              </a:ext>
+            </a:extLst>
+          </p:cNvPr>
+          <p:cNvSpPr txBox="1">
+            <a:spLocks/>
+          </p:cNvSpPr>
           <p:nvPr/>
-        </p:nvPicPr>
-        <p:blipFill>
-          <a:blip r:embed="rId2">
-            <a:extLst>
-              <a:ext uri="{28A0092B-C50C-407E-A947-70E740481C1C}">
-                <a14:useLocalDpi xmlns:a14="http://schemas.microsoft.com/office/drawing/2010/main" val="0"/>
-              </a:ext>
-            </a:extLst>
-          </a:blip>
-          <a:stretch>
-            <a:fillRect/>
-          </a:stretch>
-        </p:blipFill>
+        </p:nvSpPr>
         <p:spPr>
           <a:xfrm>
-            <a:off x="391156" y="1065018"/>
-            <a:ext cx="4306649" cy="2200428"/>
+            <a:off x="358196" y="903766"/>
+            <a:ext cx="9666801" cy="4346138"/>
           </a:xfrm>
           <a:prstGeom prst="rect">
             <a:avLst/>
           </a:prstGeom>
         </p:spPr>
-      </p:pic>
-      <p:pic>
-        <p:nvPicPr>
-          <p:cNvPr id="17" name="그림 16" descr="텍스트, 지도, 테이블, 사진이(가) 표시된 사진&#10;&#10;자동 생성된 설명">
-            <a:extLst>
-              <a:ext uri="{FF2B5EF4-FFF2-40B4-BE49-F238E27FC236}">
-                <a16:creationId xmlns:a16="http://schemas.microsoft.com/office/drawing/2014/main" id="{C343087C-C48E-475A-8D2B-1B98DE20ACD6}"/>
-              </a:ext>
-            </a:extLst>
-          </p:cNvPr>
-          <p:cNvPicPr>
-            <a:picLocks noChangeAspect="1"/>
-          </p:cNvPicPr>
-          <p:nvPr/>
-        </p:nvPicPr>
-        <p:blipFill>
-          <a:blip r:embed="rId3">
-            <a:extLst>
-              <a:ext uri="{28A0092B-C50C-407E-A947-70E740481C1C}">
-                <a14:useLocalDpi xmlns:a14="http://schemas.microsoft.com/office/drawing/2010/main" val="0"/>
-              </a:ext>
-            </a:extLst>
-          </a:blip>
-          <a:stretch>
-            <a:fillRect/>
-          </a:stretch>
-        </p:blipFill>
-        <p:spPr>
-          <a:xfrm>
-            <a:off x="4665371" y="1055053"/>
-            <a:ext cx="4377029" cy="2236388"/>
-          </a:xfrm>
-          <a:prstGeom prst="rect">
-            <a:avLst/>
-          </a:prstGeom>
-        </p:spPr>
-      </p:pic>
-      <p:sp>
-        <p:nvSpPr>
-          <p:cNvPr id="18" name="TextBox 17">
-            <a:extLst>
-              <a:ext uri="{FF2B5EF4-FFF2-40B4-BE49-F238E27FC236}">
-                <a16:creationId xmlns:a16="http://schemas.microsoft.com/office/drawing/2014/main" id="{C1200DDA-071E-4DE3-B031-A6C0CBE5385F}"/>
-              </a:ext>
-            </a:extLst>
-          </p:cNvPr>
-          <p:cNvSpPr txBox="1"/>
-          <p:nvPr/>
-        </p:nvSpPr>
-        <p:spPr>
-          <a:xfrm>
-            <a:off x="4089400" y="3280706"/>
-            <a:ext cx="5292163" cy="246221"/>
-          </a:xfrm>
-          <a:prstGeom prst="rect">
-            <a:avLst/>
-          </a:prstGeom>
-          <a:noFill/>
-        </p:spPr>
-        <p:txBody>
-          <a:bodyPr wrap="square" rtlCol="0">
-            <a:spAutoFit/>
+        <p:txBody>
+          <a:bodyPr vert="horz" lIns="0" tIns="0" rIns="0" bIns="0">
+            <a:normAutofit/>
           </a:bodyPr>
-          <a:lstStyle/>
-          <a:p>
-            <a:pPr algn="ctr"/>
-            <a:r>
-              <a:rPr lang="en-US" altLang="ko-KR" sz="1000" b="1" dirty="0"/>
-              <a:t>- Normalized close </a:t>
-            </a:r>
-            <a:r>
-              <a:rPr lang="en-US" altLang="ko-KR" sz="1000" b="1" dirty="0" err="1"/>
-              <a:t>diffrential</a:t>
-            </a:r>
-            <a:r>
-              <a:rPr lang="en-US" altLang="ko-KR" sz="1000" b="1" dirty="0"/>
-              <a:t> ma10 with n &lt; -0.2 -</a:t>
-            </a:r>
-            <a:endParaRPr lang="ko-KR" altLang="en-US" sz="1000" b="1" dirty="0"/>
+          <a:lstStyle>
+            <a:lvl1pPr marL="266700" indent="-266700" algn="l" rtl="0" eaLnBrk="1" latinLnBrk="1" hangingPunct="1">
+              <a:spcBef>
+                <a:spcPts val="3000"/>
+              </a:spcBef>
+              <a:buClr>
+                <a:schemeClr val="accent3"/>
+              </a:buClr>
+              <a:buSzPct val="70000"/>
+              <a:buFont typeface="Wingdings" panose="05000000000000000000" pitchFamily="2" charset="2"/>
+              <a:buChar char="v"/>
+              <a:defRPr kumimoji="0" sz="1800" b="1" kern="1200" spc="-70" baseline="0">
+                <a:solidFill>
+                  <a:schemeClr val="tx1"/>
+                </a:solidFill>
+                <a:latin typeface="Times New Roman" panose="02020603050405020304" pitchFamily="18" charset="0"/>
+                <a:ea typeface="맑은 고딕" panose="020B0503020000020004" pitchFamily="50" charset="-127"/>
+                <a:cs typeface="Calibri" panose="020F0502020204030204" pitchFamily="34" charset="0"/>
+              </a:defRPr>
+            </a:lvl1pPr>
+            <a:lvl2pPr marL="450850" indent="-274638" algn="l" rtl="0" eaLnBrk="1" latinLnBrk="1" hangingPunct="1">
+              <a:spcBef>
+                <a:spcPts val="500"/>
+              </a:spcBef>
+              <a:buClr>
+                <a:schemeClr val="accent1"/>
+              </a:buClr>
+              <a:buSzPct val="65000"/>
+              <a:buFont typeface="Wingdings" panose="05000000000000000000" pitchFamily="2" charset="2"/>
+              <a:buChar char="l"/>
+              <a:defRPr kumimoji="0" sz="1600" b="0" kern="1200" baseline="0">
+                <a:solidFill>
+                  <a:schemeClr val="tx2"/>
+                </a:solidFill>
+                <a:latin typeface="Times New Roman" panose="02020603050405020304" pitchFamily="18" charset="0"/>
+                <a:ea typeface="맑은 고딕" panose="020B0503020000020004" pitchFamily="50" charset="-127"/>
+                <a:cs typeface="Calibri" panose="020F0502020204030204" pitchFamily="34" charset="0"/>
+              </a:defRPr>
+            </a:lvl2pPr>
+            <a:lvl3pPr marL="628650" indent="-269875" algn="l" rtl="0" eaLnBrk="1" latinLnBrk="1" hangingPunct="1">
+              <a:spcBef>
+                <a:spcPts val="500"/>
+              </a:spcBef>
+              <a:buClr>
+                <a:schemeClr val="accent5"/>
+              </a:buClr>
+              <a:buSzPct val="65000"/>
+              <a:buFont typeface="Wingdings 3"/>
+              <a:buChar char=""/>
+              <a:defRPr kumimoji="0" sz="1600" b="0" kern="1200" baseline="0">
+                <a:solidFill>
+                  <a:schemeClr val="tx1"/>
+                </a:solidFill>
+                <a:latin typeface="Times New Roman" panose="02020603050405020304" pitchFamily="18" charset="0"/>
+                <a:ea typeface="맑은 고딕" panose="020B0503020000020004" pitchFamily="50" charset="-127"/>
+                <a:cs typeface="Calibri" panose="020F0502020204030204" pitchFamily="34" charset="0"/>
+              </a:defRPr>
+            </a:lvl3pPr>
+            <a:lvl4pPr marL="806450" indent="-268288" algn="l" rtl="0" eaLnBrk="1" latinLnBrk="1" hangingPunct="1">
+              <a:spcBef>
+                <a:spcPts val="500"/>
+              </a:spcBef>
+              <a:buClr>
+                <a:schemeClr val="accent5">
+                  <a:lumMod val="60000"/>
+                  <a:lumOff val="40000"/>
+                </a:schemeClr>
+              </a:buClr>
+              <a:buSzPct val="100000"/>
+              <a:buFont typeface="Wingdings" panose="05000000000000000000" pitchFamily="2" charset="2"/>
+              <a:buChar char="§"/>
+              <a:defRPr kumimoji="0" sz="1600" b="0" kern="1200" baseline="0">
+                <a:solidFill>
+                  <a:schemeClr val="tx1"/>
+                </a:solidFill>
+                <a:latin typeface="Times New Roman" panose="02020603050405020304" pitchFamily="18" charset="0"/>
+                <a:ea typeface="맑은 고딕" panose="020B0503020000020004" pitchFamily="50" charset="-127"/>
+                <a:cs typeface="Calibri" panose="020F0502020204030204" pitchFamily="34" charset="0"/>
+              </a:defRPr>
+            </a:lvl4pPr>
+            <a:lvl5pPr marL="984250" indent="-268288" algn="l" rtl="0" eaLnBrk="1" latinLnBrk="1" hangingPunct="1">
+              <a:spcBef>
+                <a:spcPts val="500"/>
+              </a:spcBef>
+              <a:buClr>
+                <a:schemeClr val="accent2">
+                  <a:lumMod val="50000"/>
+                </a:schemeClr>
+              </a:buClr>
+              <a:buSzPct val="70000"/>
+              <a:buFont typeface="Arial" panose="020B0604020202020204" pitchFamily="34" charset="0"/>
+              <a:buChar char="•"/>
+              <a:defRPr kumimoji="0" sz="1600" b="0" kern="1200" baseline="0">
+                <a:solidFill>
+                  <a:schemeClr val="tx1"/>
+                </a:solidFill>
+                <a:latin typeface="Times New Roman" panose="02020603050405020304" pitchFamily="18" charset="0"/>
+                <a:ea typeface="맑은 고딕" panose="020B0503020000020004" pitchFamily="50" charset="-127"/>
+                <a:cs typeface="Calibri" panose="020F0502020204030204" pitchFamily="34" charset="0"/>
+              </a:defRPr>
+            </a:lvl5pPr>
+            <a:lvl6pPr marL="1168400" indent="-268288" algn="l" rtl="0" eaLnBrk="1" latinLnBrk="1" hangingPunct="1">
+              <a:spcBef>
+                <a:spcPts val="500"/>
+              </a:spcBef>
+              <a:buClr>
+                <a:schemeClr val="accent6"/>
+              </a:buClr>
+              <a:buSzPct val="100000"/>
+              <a:buFont typeface="Times New Roman" panose="02020603050405020304" pitchFamily="18" charset="0"/>
+              <a:buChar char="‣"/>
+              <a:defRPr kumimoji="0" lang="en-US" sz="1600" kern="1200">
+                <a:solidFill>
+                  <a:schemeClr val="tx1"/>
+                </a:solidFill>
+                <a:latin typeface="+mn-lt"/>
+                <a:ea typeface="+mn-ea"/>
+                <a:cs typeface="+mn-cs"/>
+              </a:defRPr>
+            </a:lvl6pPr>
+            <a:lvl7pPr marL="1828580" indent="-182858" algn="l" rtl="0" eaLnBrk="1" latinLnBrk="1" hangingPunct="1">
+              <a:spcBef>
+                <a:spcPts val="300"/>
+              </a:spcBef>
+              <a:buClr>
+                <a:srgbClr val="727CA3">
+                  <a:shade val="75000"/>
+                </a:srgbClr>
+              </a:buClr>
+              <a:buSzPct val="75000"/>
+              <a:buFont typeface="Wingdings 3"/>
+              <a:buChar char=""/>
+              <a:defRPr kumimoji="0" lang="en-US" sz="1400" kern="1200" smtClean="0">
+                <a:solidFill>
+                  <a:schemeClr val="tx1"/>
+                </a:solidFill>
+                <a:latin typeface="+mn-lt"/>
+                <a:ea typeface="+mn-ea"/>
+                <a:cs typeface="+mn-cs"/>
+              </a:defRPr>
+            </a:lvl7pPr>
+            <a:lvl8pPr marL="2011439" indent="-182858" algn="l" rtl="0" eaLnBrk="1" latinLnBrk="1" hangingPunct="1">
+              <a:spcBef>
+                <a:spcPts val="300"/>
+              </a:spcBef>
+              <a:buClr>
+                <a:prstClr val="white">
+                  <a:shade val="50000"/>
+                </a:prstClr>
+              </a:buClr>
+              <a:buSzPct val="75000"/>
+              <a:buFont typeface="Wingdings 3"/>
+              <a:buChar char=""/>
+              <a:defRPr kumimoji="0" lang="en-US" sz="1400" kern="1200" smtClean="0">
+                <a:solidFill>
+                  <a:schemeClr val="tx1"/>
+                </a:solidFill>
+                <a:latin typeface="+mn-lt"/>
+                <a:ea typeface="+mn-ea"/>
+                <a:cs typeface="+mn-cs"/>
+              </a:defRPr>
+            </a:lvl8pPr>
+            <a:lvl9pPr marL="2194297" indent="-182858" algn="l" rtl="0" eaLnBrk="1" latinLnBrk="1" hangingPunct="1">
+              <a:spcBef>
+                <a:spcPts val="300"/>
+              </a:spcBef>
+              <a:buClr>
+                <a:srgbClr val="9FB8CD"/>
+              </a:buClr>
+              <a:buSzPct val="75000"/>
+              <a:buFont typeface="Wingdings 3"/>
+              <a:buChar char=""/>
+              <a:defRPr kumimoji="0" lang="en-US" sz="1200" kern="1200" smtClean="0">
+                <a:solidFill>
+                  <a:schemeClr val="tx1"/>
+                </a:solidFill>
+                <a:latin typeface="+mn-lt"/>
+                <a:ea typeface="+mn-ea"/>
+                <a:cs typeface="+mn-cs"/>
+              </a:defRPr>
+            </a:lvl9pPr>
+          </a:lstStyle>
+          <a:p>
+            <a:r>
+              <a:rPr lang="en-US" altLang="ko-KR" dirty="0"/>
+              <a:t>Cycle </a:t>
+            </a:r>
+            <a:r>
+              <a:rPr lang="ko-KR" altLang="en-US" dirty="0"/>
+              <a:t>정의</a:t>
+            </a:r>
+            <a:r>
+              <a:rPr lang="en-US" altLang="ko-KR" dirty="0"/>
+              <a:t>: differential</a:t>
+            </a:r>
+          </a:p>
+          <a:p>
+            <a:pPr lvl="1"/>
+            <a:r>
+              <a:rPr lang="ko-KR" altLang="en-US" sz="1400" dirty="0"/>
+              <a:t>값의 차이 </a:t>
+            </a:r>
+            <a:r>
+              <a:rPr lang="en-US" altLang="ko-KR" sz="1400" dirty="0"/>
+              <a:t>list</a:t>
+            </a:r>
+            <a:r>
+              <a:rPr lang="ko-KR" altLang="en-US" sz="1400" dirty="0"/>
+              <a:t>를 이용하여</a:t>
+            </a:r>
+            <a:br>
+              <a:rPr lang="en-US" altLang="ko-KR" sz="1400" dirty="0"/>
+            </a:br>
+            <a:r>
+              <a:rPr lang="ko-KR" altLang="en-US" sz="1400" dirty="0"/>
+              <a:t>급등하는 구간을 추출</a:t>
+            </a:r>
+            <a:endParaRPr lang="en-US" altLang="ko-KR" sz="1400" dirty="0"/>
+          </a:p>
+          <a:p>
+            <a:pPr lvl="1"/>
+            <a:endParaRPr lang="en-US" altLang="ko-KR" sz="1400" dirty="0"/>
+          </a:p>
+          <a:p>
+            <a:pPr lvl="1"/>
+            <a:r>
+              <a:rPr lang="ko-KR" altLang="en-US" sz="1400" dirty="0" err="1"/>
+              <a:t>정규화된</a:t>
+            </a:r>
+            <a:r>
+              <a:rPr lang="ko-KR" altLang="en-US" sz="1400" dirty="0"/>
+              <a:t> 종가의 차이</a:t>
+            </a:r>
+            <a:r>
+              <a:rPr lang="en-US" altLang="ko-KR" sz="1400" dirty="0"/>
+              <a:t> graph</a:t>
+            </a:r>
+            <a:br>
+              <a:rPr lang="en-US" altLang="ko-KR" sz="1400" dirty="0"/>
+            </a:br>
+            <a:r>
+              <a:rPr lang="ko-KR" altLang="en-US" sz="1400" dirty="0"/>
+              <a:t>내에서 값이 </a:t>
+            </a:r>
+            <a:r>
+              <a:rPr lang="en-US" altLang="ko-KR" sz="1400" dirty="0"/>
+              <a:t>0.2 </a:t>
+            </a:r>
+            <a:r>
+              <a:rPr lang="ko-KR" altLang="en-US" sz="1400" dirty="0"/>
+              <a:t>이상인 부분</a:t>
+            </a:r>
+            <a:endParaRPr lang="en-US" altLang="ko-KR" sz="1400" dirty="0"/>
+          </a:p>
+          <a:p>
+            <a:pPr lvl="2"/>
+            <a:r>
+              <a:rPr lang="en-US" altLang="ko-KR" sz="1100" dirty="0"/>
+              <a:t>0.2: </a:t>
+            </a:r>
+            <a:r>
+              <a:rPr lang="ko-KR" altLang="en-US" sz="1100" dirty="0"/>
+              <a:t>각 </a:t>
+            </a:r>
+            <a:r>
+              <a:rPr lang="en-US" altLang="ko-KR" sz="1100" dirty="0"/>
+              <a:t>20</a:t>
+            </a:r>
+            <a:r>
+              <a:rPr lang="ko-KR" altLang="en-US" sz="1100" dirty="0"/>
+              <a:t>개 종목의 정규화</a:t>
+            </a:r>
+            <a:br>
+              <a:rPr lang="en-US" altLang="ko-KR" sz="1100" dirty="0"/>
+            </a:br>
+            <a:r>
+              <a:rPr lang="ko-KR" altLang="en-US" sz="1100" dirty="0"/>
+              <a:t>종가 값들을 더한 </a:t>
+            </a:r>
+            <a:r>
+              <a:rPr lang="en-US" altLang="ko-KR" sz="1100" dirty="0"/>
+              <a:t>list </a:t>
+            </a:r>
+            <a:r>
+              <a:rPr lang="ko-KR" altLang="en-US" sz="1100" dirty="0"/>
+              <a:t>중</a:t>
+            </a:r>
+            <a:br>
+              <a:rPr lang="en-US" altLang="ko-KR" sz="1100" dirty="0"/>
+            </a:br>
+            <a:r>
+              <a:rPr lang="ko-KR" altLang="en-US" sz="1100" dirty="0"/>
+              <a:t>중간 값</a:t>
+            </a:r>
+            <a:endParaRPr lang="en-US" altLang="ko-KR" sz="1100" dirty="0"/>
+          </a:p>
+          <a:p>
+            <a:pPr lvl="1"/>
+            <a:endParaRPr lang="en-US" altLang="ko-KR" dirty="0"/>
+          </a:p>
+          <a:p>
+            <a:pPr lvl="1"/>
+            <a:endParaRPr lang="en-US" altLang="ko-KR" dirty="0"/>
+          </a:p>
+          <a:p>
+            <a:pPr lvl="1"/>
+            <a:endParaRPr lang="en-US" altLang="ko-KR" dirty="0"/>
+          </a:p>
+          <a:p>
+            <a:pPr lvl="1"/>
+            <a:endParaRPr lang="en-US" altLang="ko-KR" dirty="0"/>
+          </a:p>
+          <a:p>
+            <a:pPr lvl="1"/>
+            <a:endParaRPr lang="en-US" altLang="ko-KR" dirty="0"/>
+          </a:p>
+          <a:p>
+            <a:pPr marL="176212" lvl="1" indent="0">
+              <a:buFont typeface="Wingdings" panose="05000000000000000000" pitchFamily="2" charset="2"/>
+              <a:buNone/>
+            </a:pPr>
+            <a:endParaRPr lang="en-US" altLang="ko-KR" dirty="0"/>
           </a:p>
         </p:txBody>
       </p:sp>
@@ -3177,24 +3465,12 @@
           <a:lstStyle/>
           <a:p>
             <a:r>
+              <a:rPr lang="en-US" altLang="ko-KR" dirty="0"/>
+              <a:t>Cycle</a:t>
+            </a:r>
+            <a:r>
               <a:rPr lang="ko-KR" altLang="en-US" dirty="0"/>
-              <a:t>종목 별 </a:t>
-            </a:r>
-            <a:r>
-              <a:rPr lang="en-US" altLang="ko-KR" dirty="0"/>
-              <a:t>rank </a:t>
-            </a:r>
-            <a:r>
-              <a:rPr lang="ko-KR" altLang="en-US" dirty="0"/>
-              <a:t>및 다음 </a:t>
-            </a:r>
-            <a:r>
-              <a:rPr lang="en-US" altLang="ko-KR" dirty="0"/>
-              <a:t>cycle </a:t>
-            </a:r>
-            <a:r>
-              <a:rPr lang="ko-KR" altLang="en-US" dirty="0"/>
-              <a:t>예측</a:t>
+              <a:t> 정의</a:t>
             </a:r>
           </a:p>
         </p:txBody>
@@ -3224,6 +3500,1588 @@
               <a:rPr lang="ko-KR" altLang="en-US" smtClean="0"/>
               <a:pPr/>
               <a:t>12</a:t>
+            </a:fld>
+            <a:endParaRPr lang="ko-KR" altLang="en-US" dirty="0"/>
+          </a:p>
+        </p:txBody>
+      </p:sp>
+      <p:sp>
+        <p:nvSpPr>
+          <p:cNvPr id="4" name="내용 개체 틀 3">
+            <a:extLst>
+              <a:ext uri="{FF2B5EF4-FFF2-40B4-BE49-F238E27FC236}">
+                <a16:creationId xmlns:a16="http://schemas.microsoft.com/office/drawing/2014/main" id="{02B3E49C-7CF9-49BA-9E46-5AFFF69C8745}"/>
+              </a:ext>
+            </a:extLst>
+          </p:cNvPr>
+          <p:cNvSpPr>
+            <a:spLocks noGrp="1"/>
+          </p:cNvSpPr>
+          <p:nvPr>
+            <p:ph sz="quarter" idx="1"/>
+          </p:nvPr>
+        </p:nvSpPr>
+        <p:spPr>
+          <a:xfrm>
+            <a:off x="261654" y="1028700"/>
+            <a:ext cx="9666801" cy="4346138"/>
+          </a:xfrm>
+        </p:spPr>
+        <p:txBody>
+          <a:bodyPr>
+            <a:normAutofit/>
+          </a:bodyPr>
+          <a:lstStyle/>
+          <a:p>
+            <a:pPr lvl="1"/>
+            <a:endParaRPr lang="en-US" altLang="ko-KR" dirty="0"/>
+          </a:p>
+          <a:p>
+            <a:pPr lvl="1"/>
+            <a:endParaRPr lang="en-US" altLang="ko-KR" dirty="0"/>
+          </a:p>
+          <a:p>
+            <a:pPr lvl="1"/>
+            <a:endParaRPr lang="en-US" altLang="ko-KR" dirty="0"/>
+          </a:p>
+          <a:p>
+            <a:pPr lvl="1"/>
+            <a:endParaRPr lang="en-US" altLang="ko-KR" dirty="0"/>
+          </a:p>
+          <a:p>
+            <a:pPr lvl="1"/>
+            <a:endParaRPr lang="en-US" altLang="ko-KR" dirty="0"/>
+          </a:p>
+          <a:p>
+            <a:pPr marL="176212" lvl="1" indent="0">
+              <a:buNone/>
+            </a:pPr>
+            <a:endParaRPr lang="en-US" altLang="ko-KR" dirty="0"/>
+          </a:p>
+        </p:txBody>
+      </p:sp>
+      <p:sp>
+        <p:nvSpPr>
+          <p:cNvPr id="9" name="TextBox 8">
+            <a:extLst>
+              <a:ext uri="{FF2B5EF4-FFF2-40B4-BE49-F238E27FC236}">
+                <a16:creationId xmlns:a16="http://schemas.microsoft.com/office/drawing/2014/main" id="{F3F875E8-5E94-49E9-BF39-EB35154D14AF}"/>
+              </a:ext>
+            </a:extLst>
+          </p:cNvPr>
+          <p:cNvSpPr txBox="1"/>
+          <p:nvPr/>
+        </p:nvSpPr>
+        <p:spPr>
+          <a:xfrm>
+            <a:off x="3741773" y="4686300"/>
+            <a:ext cx="5292163" cy="246221"/>
+          </a:xfrm>
+          <a:prstGeom prst="rect">
+            <a:avLst/>
+          </a:prstGeom>
+          <a:noFill/>
+        </p:spPr>
+        <p:txBody>
+          <a:bodyPr wrap="square" rtlCol="0">
+            <a:spAutoFit/>
+          </a:bodyPr>
+          <a:lstStyle/>
+          <a:p>
+            <a:pPr marL="171450" indent="-171450" algn="ctr">
+              <a:buFontTx/>
+              <a:buChar char="-"/>
+            </a:pPr>
+            <a:r>
+              <a:rPr lang="en-US" altLang="ko-KR" sz="1000" b="1" dirty="0"/>
+              <a:t>Normalized close </a:t>
+            </a:r>
+            <a:r>
+              <a:rPr lang="en-US" altLang="ko-KR" sz="1000" b="1" dirty="0" err="1"/>
+              <a:t>diffrential</a:t>
+            </a:r>
+            <a:r>
+              <a:rPr lang="en-US" altLang="ko-KR" sz="1000" b="1" dirty="0"/>
+              <a:t> ma10 with n &gt; 0.1 / n &gt; 0.01 –</a:t>
+            </a:r>
+            <a:endParaRPr lang="ko-KR" altLang="en-US" sz="1000" b="1" dirty="0"/>
+          </a:p>
+        </p:txBody>
+      </p:sp>
+      <p:sp>
+        <p:nvSpPr>
+          <p:cNvPr id="10" name="내용 개체 틀 3">
+            <a:extLst>
+              <a:ext uri="{FF2B5EF4-FFF2-40B4-BE49-F238E27FC236}">
+                <a16:creationId xmlns:a16="http://schemas.microsoft.com/office/drawing/2014/main" id="{336D2DD8-5E94-49CC-9E36-3F0BE504D74E}"/>
+              </a:ext>
+            </a:extLst>
+          </p:cNvPr>
+          <p:cNvSpPr txBox="1">
+            <a:spLocks/>
+          </p:cNvSpPr>
+          <p:nvPr/>
+        </p:nvSpPr>
+        <p:spPr>
+          <a:xfrm>
+            <a:off x="358196" y="903766"/>
+            <a:ext cx="9666801" cy="4346138"/>
+          </a:xfrm>
+          <a:prstGeom prst="rect">
+            <a:avLst/>
+          </a:prstGeom>
+        </p:spPr>
+        <p:txBody>
+          <a:bodyPr vert="horz" lIns="0" tIns="0" rIns="0" bIns="0">
+            <a:normAutofit/>
+          </a:bodyPr>
+          <a:lstStyle>
+            <a:lvl1pPr marL="266700" indent="-266700" algn="l" rtl="0" eaLnBrk="1" latinLnBrk="1" hangingPunct="1">
+              <a:spcBef>
+                <a:spcPts val="3000"/>
+              </a:spcBef>
+              <a:buClr>
+                <a:schemeClr val="accent3"/>
+              </a:buClr>
+              <a:buSzPct val="70000"/>
+              <a:buFont typeface="Wingdings" panose="05000000000000000000" pitchFamily="2" charset="2"/>
+              <a:buChar char="v"/>
+              <a:defRPr kumimoji="0" sz="1800" b="1" kern="1200" spc="-70" baseline="0">
+                <a:solidFill>
+                  <a:schemeClr val="tx1"/>
+                </a:solidFill>
+                <a:latin typeface="Times New Roman" panose="02020603050405020304" pitchFamily="18" charset="0"/>
+                <a:ea typeface="맑은 고딕" panose="020B0503020000020004" pitchFamily="50" charset="-127"/>
+                <a:cs typeface="Calibri" panose="020F0502020204030204" pitchFamily="34" charset="0"/>
+              </a:defRPr>
+            </a:lvl1pPr>
+            <a:lvl2pPr marL="450850" indent="-274638" algn="l" rtl="0" eaLnBrk="1" latinLnBrk="1" hangingPunct="1">
+              <a:spcBef>
+                <a:spcPts val="500"/>
+              </a:spcBef>
+              <a:buClr>
+                <a:schemeClr val="accent1"/>
+              </a:buClr>
+              <a:buSzPct val="65000"/>
+              <a:buFont typeface="Wingdings" panose="05000000000000000000" pitchFamily="2" charset="2"/>
+              <a:buChar char="l"/>
+              <a:defRPr kumimoji="0" sz="1600" b="0" kern="1200" baseline="0">
+                <a:solidFill>
+                  <a:schemeClr val="tx2"/>
+                </a:solidFill>
+                <a:latin typeface="Times New Roman" panose="02020603050405020304" pitchFamily="18" charset="0"/>
+                <a:ea typeface="맑은 고딕" panose="020B0503020000020004" pitchFamily="50" charset="-127"/>
+                <a:cs typeface="Calibri" panose="020F0502020204030204" pitchFamily="34" charset="0"/>
+              </a:defRPr>
+            </a:lvl2pPr>
+            <a:lvl3pPr marL="628650" indent="-269875" algn="l" rtl="0" eaLnBrk="1" latinLnBrk="1" hangingPunct="1">
+              <a:spcBef>
+                <a:spcPts val="500"/>
+              </a:spcBef>
+              <a:buClr>
+                <a:schemeClr val="accent5"/>
+              </a:buClr>
+              <a:buSzPct val="65000"/>
+              <a:buFont typeface="Wingdings 3"/>
+              <a:buChar char=""/>
+              <a:defRPr kumimoji="0" sz="1600" b="0" kern="1200" baseline="0">
+                <a:solidFill>
+                  <a:schemeClr val="tx1"/>
+                </a:solidFill>
+                <a:latin typeface="Times New Roman" panose="02020603050405020304" pitchFamily="18" charset="0"/>
+                <a:ea typeface="맑은 고딕" panose="020B0503020000020004" pitchFamily="50" charset="-127"/>
+                <a:cs typeface="Calibri" panose="020F0502020204030204" pitchFamily="34" charset="0"/>
+              </a:defRPr>
+            </a:lvl3pPr>
+            <a:lvl4pPr marL="806450" indent="-268288" algn="l" rtl="0" eaLnBrk="1" latinLnBrk="1" hangingPunct="1">
+              <a:spcBef>
+                <a:spcPts val="500"/>
+              </a:spcBef>
+              <a:buClr>
+                <a:schemeClr val="accent5">
+                  <a:lumMod val="60000"/>
+                  <a:lumOff val="40000"/>
+                </a:schemeClr>
+              </a:buClr>
+              <a:buSzPct val="100000"/>
+              <a:buFont typeface="Wingdings" panose="05000000000000000000" pitchFamily="2" charset="2"/>
+              <a:buChar char="§"/>
+              <a:defRPr kumimoji="0" sz="1600" b="0" kern="1200" baseline="0">
+                <a:solidFill>
+                  <a:schemeClr val="tx1"/>
+                </a:solidFill>
+                <a:latin typeface="Times New Roman" panose="02020603050405020304" pitchFamily="18" charset="0"/>
+                <a:ea typeface="맑은 고딕" panose="020B0503020000020004" pitchFamily="50" charset="-127"/>
+                <a:cs typeface="Calibri" panose="020F0502020204030204" pitchFamily="34" charset="0"/>
+              </a:defRPr>
+            </a:lvl4pPr>
+            <a:lvl5pPr marL="984250" indent="-268288" algn="l" rtl="0" eaLnBrk="1" latinLnBrk="1" hangingPunct="1">
+              <a:spcBef>
+                <a:spcPts val="500"/>
+              </a:spcBef>
+              <a:buClr>
+                <a:schemeClr val="accent2">
+                  <a:lumMod val="50000"/>
+                </a:schemeClr>
+              </a:buClr>
+              <a:buSzPct val="70000"/>
+              <a:buFont typeface="Arial" panose="020B0604020202020204" pitchFamily="34" charset="0"/>
+              <a:buChar char="•"/>
+              <a:defRPr kumimoji="0" sz="1600" b="0" kern="1200" baseline="0">
+                <a:solidFill>
+                  <a:schemeClr val="tx1"/>
+                </a:solidFill>
+                <a:latin typeface="Times New Roman" panose="02020603050405020304" pitchFamily="18" charset="0"/>
+                <a:ea typeface="맑은 고딕" panose="020B0503020000020004" pitchFamily="50" charset="-127"/>
+                <a:cs typeface="Calibri" panose="020F0502020204030204" pitchFamily="34" charset="0"/>
+              </a:defRPr>
+            </a:lvl5pPr>
+            <a:lvl6pPr marL="1168400" indent="-268288" algn="l" rtl="0" eaLnBrk="1" latinLnBrk="1" hangingPunct="1">
+              <a:spcBef>
+                <a:spcPts val="500"/>
+              </a:spcBef>
+              <a:buClr>
+                <a:schemeClr val="accent6"/>
+              </a:buClr>
+              <a:buSzPct val="100000"/>
+              <a:buFont typeface="Times New Roman" panose="02020603050405020304" pitchFamily="18" charset="0"/>
+              <a:buChar char="‣"/>
+              <a:defRPr kumimoji="0" lang="en-US" sz="1600" kern="1200">
+                <a:solidFill>
+                  <a:schemeClr val="tx1"/>
+                </a:solidFill>
+                <a:latin typeface="+mn-lt"/>
+                <a:ea typeface="+mn-ea"/>
+                <a:cs typeface="+mn-cs"/>
+              </a:defRPr>
+            </a:lvl6pPr>
+            <a:lvl7pPr marL="1828580" indent="-182858" algn="l" rtl="0" eaLnBrk="1" latinLnBrk="1" hangingPunct="1">
+              <a:spcBef>
+                <a:spcPts val="300"/>
+              </a:spcBef>
+              <a:buClr>
+                <a:srgbClr val="727CA3">
+                  <a:shade val="75000"/>
+                </a:srgbClr>
+              </a:buClr>
+              <a:buSzPct val="75000"/>
+              <a:buFont typeface="Wingdings 3"/>
+              <a:buChar char=""/>
+              <a:defRPr kumimoji="0" lang="en-US" sz="1400" kern="1200" smtClean="0">
+                <a:solidFill>
+                  <a:schemeClr val="tx1"/>
+                </a:solidFill>
+                <a:latin typeface="+mn-lt"/>
+                <a:ea typeface="+mn-ea"/>
+                <a:cs typeface="+mn-cs"/>
+              </a:defRPr>
+            </a:lvl7pPr>
+            <a:lvl8pPr marL="2011439" indent="-182858" algn="l" rtl="0" eaLnBrk="1" latinLnBrk="1" hangingPunct="1">
+              <a:spcBef>
+                <a:spcPts val="300"/>
+              </a:spcBef>
+              <a:buClr>
+                <a:prstClr val="white">
+                  <a:shade val="50000"/>
+                </a:prstClr>
+              </a:buClr>
+              <a:buSzPct val="75000"/>
+              <a:buFont typeface="Wingdings 3"/>
+              <a:buChar char=""/>
+              <a:defRPr kumimoji="0" lang="en-US" sz="1400" kern="1200" smtClean="0">
+                <a:solidFill>
+                  <a:schemeClr val="tx1"/>
+                </a:solidFill>
+                <a:latin typeface="+mn-lt"/>
+                <a:ea typeface="+mn-ea"/>
+                <a:cs typeface="+mn-cs"/>
+              </a:defRPr>
+            </a:lvl8pPr>
+            <a:lvl9pPr marL="2194297" indent="-182858" algn="l" rtl="0" eaLnBrk="1" latinLnBrk="1" hangingPunct="1">
+              <a:spcBef>
+                <a:spcPts val="300"/>
+              </a:spcBef>
+              <a:buClr>
+                <a:srgbClr val="9FB8CD"/>
+              </a:buClr>
+              <a:buSzPct val="75000"/>
+              <a:buFont typeface="Wingdings 3"/>
+              <a:buChar char=""/>
+              <a:defRPr kumimoji="0" lang="en-US" sz="1200" kern="1200" smtClean="0">
+                <a:solidFill>
+                  <a:schemeClr val="tx1"/>
+                </a:solidFill>
+                <a:latin typeface="+mn-lt"/>
+                <a:ea typeface="+mn-ea"/>
+                <a:cs typeface="+mn-cs"/>
+              </a:defRPr>
+            </a:lvl9pPr>
+          </a:lstStyle>
+          <a:p>
+            <a:r>
+              <a:rPr lang="en-US" altLang="ko-KR" dirty="0"/>
+              <a:t>Cycle </a:t>
+            </a:r>
+            <a:r>
+              <a:rPr lang="ko-KR" altLang="en-US" dirty="0"/>
+              <a:t>정의</a:t>
+            </a:r>
+            <a:r>
+              <a:rPr lang="en-US" altLang="ko-KR" dirty="0"/>
+              <a:t>: differential</a:t>
+            </a:r>
+          </a:p>
+          <a:p>
+            <a:pPr lvl="1"/>
+            <a:r>
+              <a:rPr lang="en-US" altLang="ko-KR" dirty="0"/>
+              <a:t>0.1 </a:t>
+            </a:r>
+            <a:r>
+              <a:rPr lang="ko-KR" altLang="en-US" dirty="0"/>
+              <a:t>이상이 일정 구간</a:t>
+            </a:r>
+            <a:br>
+              <a:rPr lang="en-US" altLang="ko-KR" dirty="0"/>
+            </a:br>
+            <a:r>
+              <a:rPr lang="ko-KR" altLang="en-US" dirty="0"/>
+              <a:t>이상 진행되면 허용치를</a:t>
+            </a:r>
+            <a:br>
+              <a:rPr lang="en-US" altLang="ko-KR" dirty="0"/>
+            </a:br>
+            <a:r>
+              <a:rPr lang="ko-KR" altLang="en-US" dirty="0"/>
+              <a:t>낮췄을 때</a:t>
+            </a:r>
+            <a:endParaRPr lang="en-US" altLang="ko-KR" dirty="0"/>
+          </a:p>
+          <a:p>
+            <a:pPr lvl="1"/>
+            <a:endParaRPr lang="en-US" altLang="ko-KR" dirty="0"/>
+          </a:p>
+          <a:p>
+            <a:pPr lvl="1"/>
+            <a:endParaRPr lang="en-US" altLang="ko-KR" dirty="0"/>
+          </a:p>
+          <a:p>
+            <a:pPr lvl="1"/>
+            <a:endParaRPr lang="en-US" altLang="ko-KR" dirty="0"/>
+          </a:p>
+          <a:p>
+            <a:pPr lvl="1"/>
+            <a:endParaRPr lang="en-US" altLang="ko-KR" dirty="0"/>
+          </a:p>
+          <a:p>
+            <a:pPr marL="176212" lvl="1" indent="0">
+              <a:buFont typeface="Wingdings" panose="05000000000000000000" pitchFamily="2" charset="2"/>
+              <a:buNone/>
+            </a:pPr>
+            <a:endParaRPr lang="en-US" altLang="ko-KR" dirty="0"/>
+          </a:p>
+        </p:txBody>
+      </p:sp>
+      <p:pic>
+        <p:nvPicPr>
+          <p:cNvPr id="5" name="그림 4">
+            <a:extLst>
+              <a:ext uri="{FF2B5EF4-FFF2-40B4-BE49-F238E27FC236}">
+                <a16:creationId xmlns:a16="http://schemas.microsoft.com/office/drawing/2014/main" id="{FF278356-991D-49A6-A00D-759FBC6F3F34}"/>
+              </a:ext>
+            </a:extLst>
+          </p:cNvPr>
+          <p:cNvPicPr>
+            <a:picLocks noChangeAspect="1"/>
+          </p:cNvPicPr>
+          <p:nvPr/>
+        </p:nvPicPr>
+        <p:blipFill>
+          <a:blip r:embed="rId2"/>
+          <a:stretch>
+            <a:fillRect/>
+          </a:stretch>
+        </p:blipFill>
+        <p:spPr>
+          <a:xfrm>
+            <a:off x="3022600" y="961731"/>
+            <a:ext cx="7002397" cy="3646190"/>
+          </a:xfrm>
+          <a:prstGeom prst="rect">
+            <a:avLst/>
+          </a:prstGeom>
+        </p:spPr>
+      </p:pic>
+      <p:pic>
+        <p:nvPicPr>
+          <p:cNvPr id="6" name="그림 5">
+            <a:extLst>
+              <a:ext uri="{FF2B5EF4-FFF2-40B4-BE49-F238E27FC236}">
+                <a16:creationId xmlns:a16="http://schemas.microsoft.com/office/drawing/2014/main" id="{816ACB1E-1862-4E44-8DDE-C89FF635F2B8}"/>
+              </a:ext>
+            </a:extLst>
+          </p:cNvPr>
+          <p:cNvPicPr>
+            <a:picLocks noChangeAspect="1"/>
+          </p:cNvPicPr>
+          <p:nvPr/>
+        </p:nvPicPr>
+        <p:blipFill>
+          <a:blip r:embed="rId3"/>
+          <a:stretch>
+            <a:fillRect/>
+          </a:stretch>
+        </p:blipFill>
+        <p:spPr>
+          <a:xfrm>
+            <a:off x="35855" y="2209540"/>
+            <a:ext cx="2996514" cy="1295920"/>
+          </a:xfrm>
+          <a:prstGeom prst="rect">
+            <a:avLst/>
+          </a:prstGeom>
+        </p:spPr>
+      </p:pic>
+    </p:spTree>
+    <p:extLst>
+      <p:ext uri="{BB962C8B-B14F-4D97-AF65-F5344CB8AC3E}">
+        <p14:creationId xmlns:p14="http://schemas.microsoft.com/office/powerpoint/2010/main" val="312857106"/>
+      </p:ext>
+    </p:extLst>
+  </p:cSld>
+  <p:clrMapOvr>
+    <a:masterClrMapping/>
+  </p:clrMapOvr>
+</p:sld>
+</file>
+
+<file path=ppt/slides/slide13.xml><?xml version="1.0" encoding="utf-8"?>
+<p:sld xmlns:a="http://schemas.openxmlformats.org/drawingml/2006/main" xmlns:r="http://schemas.openxmlformats.org/officeDocument/2006/relationships" xmlns:p="http://schemas.openxmlformats.org/presentationml/2006/main">
+  <p:cSld>
+    <p:spTree>
+      <p:nvGrpSpPr>
+        <p:cNvPr id="1" name=""/>
+        <p:cNvGrpSpPr/>
+        <p:nvPr/>
+      </p:nvGrpSpPr>
+      <p:grpSpPr>
+        <a:xfrm>
+          <a:off x="0" y="0"/>
+          <a:ext cx="0" cy="0"/>
+          <a:chOff x="0" y="0"/>
+          <a:chExt cx="0" cy="0"/>
+        </a:xfrm>
+      </p:grpSpPr>
+      <p:sp>
+        <p:nvSpPr>
+          <p:cNvPr id="2" name="제목 1">
+            <a:extLst>
+              <a:ext uri="{FF2B5EF4-FFF2-40B4-BE49-F238E27FC236}">
+                <a16:creationId xmlns:a16="http://schemas.microsoft.com/office/drawing/2014/main" id="{8D6F68CF-6FD2-41A5-8205-552ED88B6888}"/>
+              </a:ext>
+            </a:extLst>
+          </p:cNvPr>
+          <p:cNvSpPr>
+            <a:spLocks noGrp="1"/>
+          </p:cNvSpPr>
+          <p:nvPr>
+            <p:ph type="title"/>
+          </p:nvPr>
+        </p:nvSpPr>
+        <p:spPr/>
+        <p:txBody>
+          <a:bodyPr/>
+          <a:lstStyle/>
+          <a:p>
+            <a:r>
+              <a:rPr lang="en-US" altLang="ko-KR" dirty="0"/>
+              <a:t>Cycle</a:t>
+            </a:r>
+            <a:r>
+              <a:rPr lang="ko-KR" altLang="en-US" dirty="0"/>
+              <a:t> 정의</a:t>
+            </a:r>
+          </a:p>
+        </p:txBody>
+      </p:sp>
+      <p:sp>
+        <p:nvSpPr>
+          <p:cNvPr id="3" name="슬라이드 번호 개체 틀 2">
+            <a:extLst>
+              <a:ext uri="{FF2B5EF4-FFF2-40B4-BE49-F238E27FC236}">
+                <a16:creationId xmlns:a16="http://schemas.microsoft.com/office/drawing/2014/main" id="{993EFEB3-D56C-4388-A869-5BDB662F4C8F}"/>
+              </a:ext>
+            </a:extLst>
+          </p:cNvPr>
+          <p:cNvSpPr>
+            <a:spLocks noGrp="1"/>
+          </p:cNvSpPr>
+          <p:nvPr>
+            <p:ph type="sldNum" sz="quarter" idx="12"/>
+          </p:nvPr>
+        </p:nvSpPr>
+        <p:spPr/>
+        <p:txBody>
+          <a:bodyPr/>
+          <a:lstStyle/>
+          <a:p>
+            <a:fld id="{FE07106B-9139-4E7D-9251-E6A3203F00D4}" type="slidenum">
+              <a:rPr lang="ko-KR" altLang="en-US" smtClean="0"/>
+              <a:pPr/>
+              <a:t>13</a:t>
+            </a:fld>
+            <a:endParaRPr lang="ko-KR" altLang="en-US" dirty="0"/>
+          </a:p>
+        </p:txBody>
+      </p:sp>
+      <p:sp>
+        <p:nvSpPr>
+          <p:cNvPr id="4" name="내용 개체 틀 3">
+            <a:extLst>
+              <a:ext uri="{FF2B5EF4-FFF2-40B4-BE49-F238E27FC236}">
+                <a16:creationId xmlns:a16="http://schemas.microsoft.com/office/drawing/2014/main" id="{02B3E49C-7CF9-49BA-9E46-5AFFF69C8745}"/>
+              </a:ext>
+            </a:extLst>
+          </p:cNvPr>
+          <p:cNvSpPr>
+            <a:spLocks noGrp="1"/>
+          </p:cNvSpPr>
+          <p:nvPr>
+            <p:ph sz="quarter" idx="1"/>
+          </p:nvPr>
+        </p:nvSpPr>
+        <p:spPr>
+          <a:xfrm>
+            <a:off x="261654" y="1028700"/>
+            <a:ext cx="9666801" cy="4346138"/>
+          </a:xfrm>
+        </p:spPr>
+        <p:txBody>
+          <a:bodyPr>
+            <a:normAutofit/>
+          </a:bodyPr>
+          <a:lstStyle/>
+          <a:p>
+            <a:pPr lvl="1"/>
+            <a:endParaRPr lang="en-US" altLang="ko-KR" dirty="0"/>
+          </a:p>
+          <a:p>
+            <a:pPr lvl="1"/>
+            <a:endParaRPr lang="en-US" altLang="ko-KR" dirty="0"/>
+          </a:p>
+          <a:p>
+            <a:pPr lvl="1"/>
+            <a:endParaRPr lang="en-US" altLang="ko-KR" dirty="0"/>
+          </a:p>
+          <a:p>
+            <a:pPr lvl="1"/>
+            <a:endParaRPr lang="en-US" altLang="ko-KR" dirty="0"/>
+          </a:p>
+          <a:p>
+            <a:pPr lvl="1"/>
+            <a:endParaRPr lang="en-US" altLang="ko-KR" dirty="0"/>
+          </a:p>
+          <a:p>
+            <a:pPr marL="176212" lvl="1" indent="0">
+              <a:buNone/>
+            </a:pPr>
+            <a:endParaRPr lang="en-US" altLang="ko-KR" dirty="0"/>
+          </a:p>
+        </p:txBody>
+      </p:sp>
+      <p:sp>
+        <p:nvSpPr>
+          <p:cNvPr id="9" name="TextBox 8">
+            <a:extLst>
+              <a:ext uri="{FF2B5EF4-FFF2-40B4-BE49-F238E27FC236}">
+                <a16:creationId xmlns:a16="http://schemas.microsoft.com/office/drawing/2014/main" id="{F3F875E8-5E94-49E9-BF39-EB35154D14AF}"/>
+              </a:ext>
+            </a:extLst>
+          </p:cNvPr>
+          <p:cNvSpPr txBox="1"/>
+          <p:nvPr/>
+        </p:nvSpPr>
+        <p:spPr>
+          <a:xfrm>
+            <a:off x="3741773" y="4686300"/>
+            <a:ext cx="5292163" cy="246221"/>
+          </a:xfrm>
+          <a:prstGeom prst="rect">
+            <a:avLst/>
+          </a:prstGeom>
+          <a:noFill/>
+        </p:spPr>
+        <p:txBody>
+          <a:bodyPr wrap="square" rtlCol="0">
+            <a:spAutoFit/>
+          </a:bodyPr>
+          <a:lstStyle/>
+          <a:p>
+            <a:pPr marL="171450" indent="-171450" algn="ctr">
+              <a:buFontTx/>
+              <a:buChar char="-"/>
+            </a:pPr>
+            <a:r>
+              <a:rPr lang="en-US" altLang="ko-KR" sz="1000" b="1" dirty="0"/>
+              <a:t>Normalized close </a:t>
+            </a:r>
+            <a:r>
+              <a:rPr lang="en-US" altLang="ko-KR" sz="1000" b="1" dirty="0" err="1"/>
+              <a:t>diffrential</a:t>
+            </a:r>
+            <a:r>
+              <a:rPr lang="en-US" altLang="ko-KR" sz="1000" b="1" dirty="0"/>
+              <a:t> ma15 with n &gt; 0.1 / n &gt; 0.01 –</a:t>
+            </a:r>
+            <a:endParaRPr lang="ko-KR" altLang="en-US" sz="1000" b="1" dirty="0"/>
+          </a:p>
+        </p:txBody>
+      </p:sp>
+      <p:sp>
+        <p:nvSpPr>
+          <p:cNvPr id="10" name="내용 개체 틀 3">
+            <a:extLst>
+              <a:ext uri="{FF2B5EF4-FFF2-40B4-BE49-F238E27FC236}">
+                <a16:creationId xmlns:a16="http://schemas.microsoft.com/office/drawing/2014/main" id="{336D2DD8-5E94-49CC-9E36-3F0BE504D74E}"/>
+              </a:ext>
+            </a:extLst>
+          </p:cNvPr>
+          <p:cNvSpPr txBox="1">
+            <a:spLocks/>
+          </p:cNvSpPr>
+          <p:nvPr/>
+        </p:nvSpPr>
+        <p:spPr>
+          <a:xfrm>
+            <a:off x="358196" y="903766"/>
+            <a:ext cx="9666801" cy="4346138"/>
+          </a:xfrm>
+          <a:prstGeom prst="rect">
+            <a:avLst/>
+          </a:prstGeom>
+        </p:spPr>
+        <p:txBody>
+          <a:bodyPr vert="horz" lIns="0" tIns="0" rIns="0" bIns="0">
+            <a:normAutofit/>
+          </a:bodyPr>
+          <a:lstStyle>
+            <a:lvl1pPr marL="266700" indent="-266700" algn="l" rtl="0" eaLnBrk="1" latinLnBrk="1" hangingPunct="1">
+              <a:spcBef>
+                <a:spcPts val="3000"/>
+              </a:spcBef>
+              <a:buClr>
+                <a:schemeClr val="accent3"/>
+              </a:buClr>
+              <a:buSzPct val="70000"/>
+              <a:buFont typeface="Wingdings" panose="05000000000000000000" pitchFamily="2" charset="2"/>
+              <a:buChar char="v"/>
+              <a:defRPr kumimoji="0" sz="1800" b="1" kern="1200" spc="-70" baseline="0">
+                <a:solidFill>
+                  <a:schemeClr val="tx1"/>
+                </a:solidFill>
+                <a:latin typeface="Times New Roman" panose="02020603050405020304" pitchFamily="18" charset="0"/>
+                <a:ea typeface="맑은 고딕" panose="020B0503020000020004" pitchFamily="50" charset="-127"/>
+                <a:cs typeface="Calibri" panose="020F0502020204030204" pitchFamily="34" charset="0"/>
+              </a:defRPr>
+            </a:lvl1pPr>
+            <a:lvl2pPr marL="450850" indent="-274638" algn="l" rtl="0" eaLnBrk="1" latinLnBrk="1" hangingPunct="1">
+              <a:spcBef>
+                <a:spcPts val="500"/>
+              </a:spcBef>
+              <a:buClr>
+                <a:schemeClr val="accent1"/>
+              </a:buClr>
+              <a:buSzPct val="65000"/>
+              <a:buFont typeface="Wingdings" panose="05000000000000000000" pitchFamily="2" charset="2"/>
+              <a:buChar char="l"/>
+              <a:defRPr kumimoji="0" sz="1600" b="0" kern="1200" baseline="0">
+                <a:solidFill>
+                  <a:schemeClr val="tx2"/>
+                </a:solidFill>
+                <a:latin typeface="Times New Roman" panose="02020603050405020304" pitchFamily="18" charset="0"/>
+                <a:ea typeface="맑은 고딕" panose="020B0503020000020004" pitchFamily="50" charset="-127"/>
+                <a:cs typeface="Calibri" panose="020F0502020204030204" pitchFamily="34" charset="0"/>
+              </a:defRPr>
+            </a:lvl2pPr>
+            <a:lvl3pPr marL="628650" indent="-269875" algn="l" rtl="0" eaLnBrk="1" latinLnBrk="1" hangingPunct="1">
+              <a:spcBef>
+                <a:spcPts val="500"/>
+              </a:spcBef>
+              <a:buClr>
+                <a:schemeClr val="accent5"/>
+              </a:buClr>
+              <a:buSzPct val="65000"/>
+              <a:buFont typeface="Wingdings 3"/>
+              <a:buChar char=""/>
+              <a:defRPr kumimoji="0" sz="1600" b="0" kern="1200" baseline="0">
+                <a:solidFill>
+                  <a:schemeClr val="tx1"/>
+                </a:solidFill>
+                <a:latin typeface="Times New Roman" panose="02020603050405020304" pitchFamily="18" charset="0"/>
+                <a:ea typeface="맑은 고딕" panose="020B0503020000020004" pitchFamily="50" charset="-127"/>
+                <a:cs typeface="Calibri" panose="020F0502020204030204" pitchFamily="34" charset="0"/>
+              </a:defRPr>
+            </a:lvl3pPr>
+            <a:lvl4pPr marL="806450" indent="-268288" algn="l" rtl="0" eaLnBrk="1" latinLnBrk="1" hangingPunct="1">
+              <a:spcBef>
+                <a:spcPts val="500"/>
+              </a:spcBef>
+              <a:buClr>
+                <a:schemeClr val="accent5">
+                  <a:lumMod val="60000"/>
+                  <a:lumOff val="40000"/>
+                </a:schemeClr>
+              </a:buClr>
+              <a:buSzPct val="100000"/>
+              <a:buFont typeface="Wingdings" panose="05000000000000000000" pitchFamily="2" charset="2"/>
+              <a:buChar char="§"/>
+              <a:defRPr kumimoji="0" sz="1600" b="0" kern="1200" baseline="0">
+                <a:solidFill>
+                  <a:schemeClr val="tx1"/>
+                </a:solidFill>
+                <a:latin typeface="Times New Roman" panose="02020603050405020304" pitchFamily="18" charset="0"/>
+                <a:ea typeface="맑은 고딕" panose="020B0503020000020004" pitchFamily="50" charset="-127"/>
+                <a:cs typeface="Calibri" panose="020F0502020204030204" pitchFamily="34" charset="0"/>
+              </a:defRPr>
+            </a:lvl4pPr>
+            <a:lvl5pPr marL="984250" indent="-268288" algn="l" rtl="0" eaLnBrk="1" latinLnBrk="1" hangingPunct="1">
+              <a:spcBef>
+                <a:spcPts val="500"/>
+              </a:spcBef>
+              <a:buClr>
+                <a:schemeClr val="accent2">
+                  <a:lumMod val="50000"/>
+                </a:schemeClr>
+              </a:buClr>
+              <a:buSzPct val="70000"/>
+              <a:buFont typeface="Arial" panose="020B0604020202020204" pitchFamily="34" charset="0"/>
+              <a:buChar char="•"/>
+              <a:defRPr kumimoji="0" sz="1600" b="0" kern="1200" baseline="0">
+                <a:solidFill>
+                  <a:schemeClr val="tx1"/>
+                </a:solidFill>
+                <a:latin typeface="Times New Roman" panose="02020603050405020304" pitchFamily="18" charset="0"/>
+                <a:ea typeface="맑은 고딕" panose="020B0503020000020004" pitchFamily="50" charset="-127"/>
+                <a:cs typeface="Calibri" panose="020F0502020204030204" pitchFamily="34" charset="0"/>
+              </a:defRPr>
+            </a:lvl5pPr>
+            <a:lvl6pPr marL="1168400" indent="-268288" algn="l" rtl="0" eaLnBrk="1" latinLnBrk="1" hangingPunct="1">
+              <a:spcBef>
+                <a:spcPts val="500"/>
+              </a:spcBef>
+              <a:buClr>
+                <a:schemeClr val="accent6"/>
+              </a:buClr>
+              <a:buSzPct val="100000"/>
+              <a:buFont typeface="Times New Roman" panose="02020603050405020304" pitchFamily="18" charset="0"/>
+              <a:buChar char="‣"/>
+              <a:defRPr kumimoji="0" lang="en-US" sz="1600" kern="1200">
+                <a:solidFill>
+                  <a:schemeClr val="tx1"/>
+                </a:solidFill>
+                <a:latin typeface="+mn-lt"/>
+                <a:ea typeface="+mn-ea"/>
+                <a:cs typeface="+mn-cs"/>
+              </a:defRPr>
+            </a:lvl6pPr>
+            <a:lvl7pPr marL="1828580" indent="-182858" algn="l" rtl="0" eaLnBrk="1" latinLnBrk="1" hangingPunct="1">
+              <a:spcBef>
+                <a:spcPts val="300"/>
+              </a:spcBef>
+              <a:buClr>
+                <a:srgbClr val="727CA3">
+                  <a:shade val="75000"/>
+                </a:srgbClr>
+              </a:buClr>
+              <a:buSzPct val="75000"/>
+              <a:buFont typeface="Wingdings 3"/>
+              <a:buChar char=""/>
+              <a:defRPr kumimoji="0" lang="en-US" sz="1400" kern="1200" smtClean="0">
+                <a:solidFill>
+                  <a:schemeClr val="tx1"/>
+                </a:solidFill>
+                <a:latin typeface="+mn-lt"/>
+                <a:ea typeface="+mn-ea"/>
+                <a:cs typeface="+mn-cs"/>
+              </a:defRPr>
+            </a:lvl7pPr>
+            <a:lvl8pPr marL="2011439" indent="-182858" algn="l" rtl="0" eaLnBrk="1" latinLnBrk="1" hangingPunct="1">
+              <a:spcBef>
+                <a:spcPts val="300"/>
+              </a:spcBef>
+              <a:buClr>
+                <a:prstClr val="white">
+                  <a:shade val="50000"/>
+                </a:prstClr>
+              </a:buClr>
+              <a:buSzPct val="75000"/>
+              <a:buFont typeface="Wingdings 3"/>
+              <a:buChar char=""/>
+              <a:defRPr kumimoji="0" lang="en-US" sz="1400" kern="1200" smtClean="0">
+                <a:solidFill>
+                  <a:schemeClr val="tx1"/>
+                </a:solidFill>
+                <a:latin typeface="+mn-lt"/>
+                <a:ea typeface="+mn-ea"/>
+                <a:cs typeface="+mn-cs"/>
+              </a:defRPr>
+            </a:lvl8pPr>
+            <a:lvl9pPr marL="2194297" indent="-182858" algn="l" rtl="0" eaLnBrk="1" latinLnBrk="1" hangingPunct="1">
+              <a:spcBef>
+                <a:spcPts val="300"/>
+              </a:spcBef>
+              <a:buClr>
+                <a:srgbClr val="9FB8CD"/>
+              </a:buClr>
+              <a:buSzPct val="75000"/>
+              <a:buFont typeface="Wingdings 3"/>
+              <a:buChar char=""/>
+              <a:defRPr kumimoji="0" lang="en-US" sz="1200" kern="1200" smtClean="0">
+                <a:solidFill>
+                  <a:schemeClr val="tx1"/>
+                </a:solidFill>
+                <a:latin typeface="+mn-lt"/>
+                <a:ea typeface="+mn-ea"/>
+                <a:cs typeface="+mn-cs"/>
+              </a:defRPr>
+            </a:lvl9pPr>
+          </a:lstStyle>
+          <a:p>
+            <a:r>
+              <a:rPr lang="en-US" altLang="ko-KR" dirty="0"/>
+              <a:t>Cycle </a:t>
+            </a:r>
+            <a:r>
+              <a:rPr lang="ko-KR" altLang="en-US" dirty="0"/>
+              <a:t>정의</a:t>
+            </a:r>
+            <a:r>
+              <a:rPr lang="en-US" altLang="ko-KR" dirty="0"/>
+              <a:t>: differential</a:t>
+            </a:r>
+          </a:p>
+          <a:p>
+            <a:pPr lvl="1"/>
+            <a:r>
+              <a:rPr lang="ko-KR" altLang="en-US" dirty="0"/>
+              <a:t>이전 그래프와 조건은 동일</a:t>
+            </a:r>
+            <a:endParaRPr lang="en-US" altLang="ko-KR" dirty="0"/>
+          </a:p>
+          <a:p>
+            <a:pPr lvl="1"/>
+            <a:r>
+              <a:rPr lang="en-US" altLang="ko-KR" dirty="0"/>
+              <a:t>15</a:t>
+            </a:r>
+            <a:r>
+              <a:rPr lang="ko-KR" altLang="en-US" dirty="0"/>
+              <a:t>일선으로 설정했을 때</a:t>
+            </a:r>
+            <a:endParaRPr lang="en-US" altLang="ko-KR" dirty="0"/>
+          </a:p>
+          <a:p>
+            <a:pPr lvl="1"/>
+            <a:endParaRPr lang="en-US" altLang="ko-KR" dirty="0"/>
+          </a:p>
+          <a:p>
+            <a:pPr lvl="1"/>
+            <a:endParaRPr lang="en-US" altLang="ko-KR" dirty="0"/>
+          </a:p>
+          <a:p>
+            <a:pPr lvl="1"/>
+            <a:endParaRPr lang="en-US" altLang="ko-KR" dirty="0"/>
+          </a:p>
+          <a:p>
+            <a:pPr marL="176212" lvl="1" indent="0">
+              <a:buFont typeface="Wingdings" panose="05000000000000000000" pitchFamily="2" charset="2"/>
+              <a:buNone/>
+            </a:pPr>
+            <a:endParaRPr lang="en-US" altLang="ko-KR" dirty="0"/>
+          </a:p>
+        </p:txBody>
+      </p:sp>
+      <p:pic>
+        <p:nvPicPr>
+          <p:cNvPr id="7" name="그림 6">
+            <a:extLst>
+              <a:ext uri="{FF2B5EF4-FFF2-40B4-BE49-F238E27FC236}">
+                <a16:creationId xmlns:a16="http://schemas.microsoft.com/office/drawing/2014/main" id="{FDE4BC77-779E-46CE-B835-38E0CE03F587}"/>
+              </a:ext>
+            </a:extLst>
+          </p:cNvPr>
+          <p:cNvPicPr>
+            <a:picLocks noChangeAspect="1"/>
+          </p:cNvPicPr>
+          <p:nvPr/>
+        </p:nvPicPr>
+        <p:blipFill>
+          <a:blip r:embed="rId2"/>
+          <a:stretch>
+            <a:fillRect/>
+          </a:stretch>
+        </p:blipFill>
+        <p:spPr>
+          <a:xfrm>
+            <a:off x="3403600" y="1028700"/>
+            <a:ext cx="6480164" cy="3409950"/>
+          </a:xfrm>
+          <a:prstGeom prst="rect">
+            <a:avLst/>
+          </a:prstGeom>
+        </p:spPr>
+      </p:pic>
+    </p:spTree>
+    <p:extLst>
+      <p:ext uri="{BB962C8B-B14F-4D97-AF65-F5344CB8AC3E}">
+        <p14:creationId xmlns:p14="http://schemas.microsoft.com/office/powerpoint/2010/main" val="2822665943"/>
+      </p:ext>
+    </p:extLst>
+  </p:cSld>
+  <p:clrMapOvr>
+    <a:masterClrMapping/>
+  </p:clrMapOvr>
+</p:sld>
+</file>
+
+<file path=ppt/slides/slide14.xml><?xml version="1.0" encoding="utf-8"?>
+<p:sld xmlns:a="http://schemas.openxmlformats.org/drawingml/2006/main" xmlns:r="http://schemas.openxmlformats.org/officeDocument/2006/relationships" xmlns:p="http://schemas.openxmlformats.org/presentationml/2006/main">
+  <p:cSld>
+    <p:spTree>
+      <p:nvGrpSpPr>
+        <p:cNvPr id="1" name=""/>
+        <p:cNvGrpSpPr/>
+        <p:nvPr/>
+      </p:nvGrpSpPr>
+      <p:grpSpPr>
+        <a:xfrm>
+          <a:off x="0" y="0"/>
+          <a:ext cx="0" cy="0"/>
+          <a:chOff x="0" y="0"/>
+          <a:chExt cx="0" cy="0"/>
+        </a:xfrm>
+      </p:grpSpPr>
+      <p:pic>
+        <p:nvPicPr>
+          <p:cNvPr id="8" name="그림 7">
+            <a:extLst>
+              <a:ext uri="{FF2B5EF4-FFF2-40B4-BE49-F238E27FC236}">
+                <a16:creationId xmlns:a16="http://schemas.microsoft.com/office/drawing/2014/main" id="{69E02302-C3F3-44B4-A12D-AAD4E7F63095}"/>
+              </a:ext>
+            </a:extLst>
+          </p:cNvPr>
+          <p:cNvPicPr>
+            <a:picLocks noChangeAspect="1"/>
+          </p:cNvPicPr>
+          <p:nvPr/>
+        </p:nvPicPr>
+        <p:blipFill>
+          <a:blip r:embed="rId2"/>
+          <a:stretch>
+            <a:fillRect/>
+          </a:stretch>
+        </p:blipFill>
+        <p:spPr>
+          <a:xfrm>
+            <a:off x="3485433" y="1181100"/>
+            <a:ext cx="6668540" cy="3505200"/>
+          </a:xfrm>
+          <a:prstGeom prst="rect">
+            <a:avLst/>
+          </a:prstGeom>
+        </p:spPr>
+      </p:pic>
+      <p:sp>
+        <p:nvSpPr>
+          <p:cNvPr id="2" name="제목 1">
+            <a:extLst>
+              <a:ext uri="{FF2B5EF4-FFF2-40B4-BE49-F238E27FC236}">
+                <a16:creationId xmlns:a16="http://schemas.microsoft.com/office/drawing/2014/main" id="{8D6F68CF-6FD2-41A5-8205-552ED88B6888}"/>
+              </a:ext>
+            </a:extLst>
+          </p:cNvPr>
+          <p:cNvSpPr>
+            <a:spLocks noGrp="1"/>
+          </p:cNvSpPr>
+          <p:nvPr>
+            <p:ph type="title"/>
+          </p:nvPr>
+        </p:nvSpPr>
+        <p:spPr/>
+        <p:txBody>
+          <a:bodyPr/>
+          <a:lstStyle/>
+          <a:p>
+            <a:r>
+              <a:rPr lang="en-US" altLang="ko-KR" dirty="0"/>
+              <a:t>Cycle</a:t>
+            </a:r>
+            <a:r>
+              <a:rPr lang="ko-KR" altLang="en-US" dirty="0"/>
+              <a:t> 정의</a:t>
+            </a:r>
+          </a:p>
+        </p:txBody>
+      </p:sp>
+      <p:sp>
+        <p:nvSpPr>
+          <p:cNvPr id="3" name="슬라이드 번호 개체 틀 2">
+            <a:extLst>
+              <a:ext uri="{FF2B5EF4-FFF2-40B4-BE49-F238E27FC236}">
+                <a16:creationId xmlns:a16="http://schemas.microsoft.com/office/drawing/2014/main" id="{993EFEB3-D56C-4388-A869-5BDB662F4C8F}"/>
+              </a:ext>
+            </a:extLst>
+          </p:cNvPr>
+          <p:cNvSpPr>
+            <a:spLocks noGrp="1"/>
+          </p:cNvSpPr>
+          <p:nvPr>
+            <p:ph type="sldNum" sz="quarter" idx="12"/>
+          </p:nvPr>
+        </p:nvSpPr>
+        <p:spPr/>
+        <p:txBody>
+          <a:bodyPr/>
+          <a:lstStyle/>
+          <a:p>
+            <a:fld id="{FE07106B-9139-4E7D-9251-E6A3203F00D4}" type="slidenum">
+              <a:rPr lang="ko-KR" altLang="en-US" smtClean="0"/>
+              <a:pPr/>
+              <a:t>14</a:t>
+            </a:fld>
+            <a:endParaRPr lang="ko-KR" altLang="en-US" dirty="0"/>
+          </a:p>
+        </p:txBody>
+      </p:sp>
+      <p:sp>
+        <p:nvSpPr>
+          <p:cNvPr id="4" name="내용 개체 틀 3">
+            <a:extLst>
+              <a:ext uri="{FF2B5EF4-FFF2-40B4-BE49-F238E27FC236}">
+                <a16:creationId xmlns:a16="http://schemas.microsoft.com/office/drawing/2014/main" id="{02B3E49C-7CF9-49BA-9E46-5AFFF69C8745}"/>
+              </a:ext>
+            </a:extLst>
+          </p:cNvPr>
+          <p:cNvSpPr>
+            <a:spLocks noGrp="1"/>
+          </p:cNvSpPr>
+          <p:nvPr>
+            <p:ph sz="quarter" idx="1"/>
+          </p:nvPr>
+        </p:nvSpPr>
+        <p:spPr>
+          <a:xfrm>
+            <a:off x="261654" y="1028700"/>
+            <a:ext cx="9666801" cy="4346138"/>
+          </a:xfrm>
+        </p:spPr>
+        <p:txBody>
+          <a:bodyPr>
+            <a:normAutofit/>
+          </a:bodyPr>
+          <a:lstStyle/>
+          <a:p>
+            <a:pPr lvl="1"/>
+            <a:endParaRPr lang="en-US" altLang="ko-KR" dirty="0"/>
+          </a:p>
+          <a:p>
+            <a:pPr lvl="1"/>
+            <a:endParaRPr lang="en-US" altLang="ko-KR" dirty="0"/>
+          </a:p>
+          <a:p>
+            <a:pPr lvl="1"/>
+            <a:endParaRPr lang="en-US" altLang="ko-KR" dirty="0"/>
+          </a:p>
+          <a:p>
+            <a:pPr lvl="1"/>
+            <a:endParaRPr lang="en-US" altLang="ko-KR" dirty="0"/>
+          </a:p>
+          <a:p>
+            <a:pPr lvl="1"/>
+            <a:endParaRPr lang="en-US" altLang="ko-KR" dirty="0"/>
+          </a:p>
+          <a:p>
+            <a:pPr marL="176212" lvl="1" indent="0">
+              <a:buNone/>
+            </a:pPr>
+            <a:endParaRPr lang="en-US" altLang="ko-KR" dirty="0"/>
+          </a:p>
+        </p:txBody>
+      </p:sp>
+      <p:sp>
+        <p:nvSpPr>
+          <p:cNvPr id="9" name="TextBox 8">
+            <a:extLst>
+              <a:ext uri="{FF2B5EF4-FFF2-40B4-BE49-F238E27FC236}">
+                <a16:creationId xmlns:a16="http://schemas.microsoft.com/office/drawing/2014/main" id="{F3F875E8-5E94-49E9-BF39-EB35154D14AF}"/>
+              </a:ext>
+            </a:extLst>
+          </p:cNvPr>
+          <p:cNvSpPr txBox="1"/>
+          <p:nvPr/>
+        </p:nvSpPr>
+        <p:spPr>
+          <a:xfrm>
+            <a:off x="4013200" y="4809016"/>
+            <a:ext cx="5292163" cy="246221"/>
+          </a:xfrm>
+          <a:prstGeom prst="rect">
+            <a:avLst/>
+          </a:prstGeom>
+          <a:noFill/>
+        </p:spPr>
+        <p:txBody>
+          <a:bodyPr wrap="square" rtlCol="0">
+            <a:spAutoFit/>
+          </a:bodyPr>
+          <a:lstStyle/>
+          <a:p>
+            <a:pPr marL="171450" indent="-171450" algn="ctr">
+              <a:buFontTx/>
+              <a:buChar char="-"/>
+            </a:pPr>
+            <a:r>
+              <a:rPr lang="en-US" altLang="ko-KR" sz="1000" b="1" dirty="0"/>
+              <a:t>Normalized close </a:t>
+            </a:r>
+            <a:r>
+              <a:rPr lang="en-US" altLang="ko-KR" sz="1000" b="1" dirty="0" err="1"/>
+              <a:t>diffrential</a:t>
+            </a:r>
+            <a:r>
+              <a:rPr lang="en-US" altLang="ko-KR" sz="1000" b="1" dirty="0"/>
+              <a:t> ma15 with n &gt; 0.1 / n &gt; 0.05 –</a:t>
+            </a:r>
+            <a:endParaRPr lang="ko-KR" altLang="en-US" sz="1000" b="1" dirty="0"/>
+          </a:p>
+        </p:txBody>
+      </p:sp>
+      <p:sp>
+        <p:nvSpPr>
+          <p:cNvPr id="10" name="내용 개체 틀 3">
+            <a:extLst>
+              <a:ext uri="{FF2B5EF4-FFF2-40B4-BE49-F238E27FC236}">
+                <a16:creationId xmlns:a16="http://schemas.microsoft.com/office/drawing/2014/main" id="{336D2DD8-5E94-49CC-9E36-3F0BE504D74E}"/>
+              </a:ext>
+            </a:extLst>
+          </p:cNvPr>
+          <p:cNvSpPr txBox="1">
+            <a:spLocks/>
+          </p:cNvSpPr>
+          <p:nvPr/>
+        </p:nvSpPr>
+        <p:spPr>
+          <a:xfrm>
+            <a:off x="358196" y="903766"/>
+            <a:ext cx="9666801" cy="4346138"/>
+          </a:xfrm>
+          <a:prstGeom prst="rect">
+            <a:avLst/>
+          </a:prstGeom>
+        </p:spPr>
+        <p:txBody>
+          <a:bodyPr vert="horz" lIns="0" tIns="0" rIns="0" bIns="0">
+            <a:normAutofit/>
+          </a:bodyPr>
+          <a:lstStyle>
+            <a:lvl1pPr marL="266700" indent="-266700" algn="l" rtl="0" eaLnBrk="1" latinLnBrk="1" hangingPunct="1">
+              <a:spcBef>
+                <a:spcPts val="3000"/>
+              </a:spcBef>
+              <a:buClr>
+                <a:schemeClr val="accent3"/>
+              </a:buClr>
+              <a:buSzPct val="70000"/>
+              <a:buFont typeface="Wingdings" panose="05000000000000000000" pitchFamily="2" charset="2"/>
+              <a:buChar char="v"/>
+              <a:defRPr kumimoji="0" sz="1800" b="1" kern="1200" spc="-70" baseline="0">
+                <a:solidFill>
+                  <a:schemeClr val="tx1"/>
+                </a:solidFill>
+                <a:latin typeface="Times New Roman" panose="02020603050405020304" pitchFamily="18" charset="0"/>
+                <a:ea typeface="맑은 고딕" panose="020B0503020000020004" pitchFamily="50" charset="-127"/>
+                <a:cs typeface="Calibri" panose="020F0502020204030204" pitchFamily="34" charset="0"/>
+              </a:defRPr>
+            </a:lvl1pPr>
+            <a:lvl2pPr marL="450850" indent="-274638" algn="l" rtl="0" eaLnBrk="1" latinLnBrk="1" hangingPunct="1">
+              <a:spcBef>
+                <a:spcPts val="500"/>
+              </a:spcBef>
+              <a:buClr>
+                <a:schemeClr val="accent1"/>
+              </a:buClr>
+              <a:buSzPct val="65000"/>
+              <a:buFont typeface="Wingdings" panose="05000000000000000000" pitchFamily="2" charset="2"/>
+              <a:buChar char="l"/>
+              <a:defRPr kumimoji="0" sz="1600" b="0" kern="1200" baseline="0">
+                <a:solidFill>
+                  <a:schemeClr val="tx2"/>
+                </a:solidFill>
+                <a:latin typeface="Times New Roman" panose="02020603050405020304" pitchFamily="18" charset="0"/>
+                <a:ea typeface="맑은 고딕" panose="020B0503020000020004" pitchFamily="50" charset="-127"/>
+                <a:cs typeface="Calibri" panose="020F0502020204030204" pitchFamily="34" charset="0"/>
+              </a:defRPr>
+            </a:lvl2pPr>
+            <a:lvl3pPr marL="628650" indent="-269875" algn="l" rtl="0" eaLnBrk="1" latinLnBrk="1" hangingPunct="1">
+              <a:spcBef>
+                <a:spcPts val="500"/>
+              </a:spcBef>
+              <a:buClr>
+                <a:schemeClr val="accent5"/>
+              </a:buClr>
+              <a:buSzPct val="65000"/>
+              <a:buFont typeface="Wingdings 3"/>
+              <a:buChar char=""/>
+              <a:defRPr kumimoji="0" sz="1600" b="0" kern="1200" baseline="0">
+                <a:solidFill>
+                  <a:schemeClr val="tx1"/>
+                </a:solidFill>
+                <a:latin typeface="Times New Roman" panose="02020603050405020304" pitchFamily="18" charset="0"/>
+                <a:ea typeface="맑은 고딕" panose="020B0503020000020004" pitchFamily="50" charset="-127"/>
+                <a:cs typeface="Calibri" panose="020F0502020204030204" pitchFamily="34" charset="0"/>
+              </a:defRPr>
+            </a:lvl3pPr>
+            <a:lvl4pPr marL="806450" indent="-268288" algn="l" rtl="0" eaLnBrk="1" latinLnBrk="1" hangingPunct="1">
+              <a:spcBef>
+                <a:spcPts val="500"/>
+              </a:spcBef>
+              <a:buClr>
+                <a:schemeClr val="accent5">
+                  <a:lumMod val="60000"/>
+                  <a:lumOff val="40000"/>
+                </a:schemeClr>
+              </a:buClr>
+              <a:buSzPct val="100000"/>
+              <a:buFont typeface="Wingdings" panose="05000000000000000000" pitchFamily="2" charset="2"/>
+              <a:buChar char="§"/>
+              <a:defRPr kumimoji="0" sz="1600" b="0" kern="1200" baseline="0">
+                <a:solidFill>
+                  <a:schemeClr val="tx1"/>
+                </a:solidFill>
+                <a:latin typeface="Times New Roman" panose="02020603050405020304" pitchFamily="18" charset="0"/>
+                <a:ea typeface="맑은 고딕" panose="020B0503020000020004" pitchFamily="50" charset="-127"/>
+                <a:cs typeface="Calibri" panose="020F0502020204030204" pitchFamily="34" charset="0"/>
+              </a:defRPr>
+            </a:lvl4pPr>
+            <a:lvl5pPr marL="984250" indent="-268288" algn="l" rtl="0" eaLnBrk="1" latinLnBrk="1" hangingPunct="1">
+              <a:spcBef>
+                <a:spcPts val="500"/>
+              </a:spcBef>
+              <a:buClr>
+                <a:schemeClr val="accent2">
+                  <a:lumMod val="50000"/>
+                </a:schemeClr>
+              </a:buClr>
+              <a:buSzPct val="70000"/>
+              <a:buFont typeface="Arial" panose="020B0604020202020204" pitchFamily="34" charset="0"/>
+              <a:buChar char="•"/>
+              <a:defRPr kumimoji="0" sz="1600" b="0" kern="1200" baseline="0">
+                <a:solidFill>
+                  <a:schemeClr val="tx1"/>
+                </a:solidFill>
+                <a:latin typeface="Times New Roman" panose="02020603050405020304" pitchFamily="18" charset="0"/>
+                <a:ea typeface="맑은 고딕" panose="020B0503020000020004" pitchFamily="50" charset="-127"/>
+                <a:cs typeface="Calibri" panose="020F0502020204030204" pitchFamily="34" charset="0"/>
+              </a:defRPr>
+            </a:lvl5pPr>
+            <a:lvl6pPr marL="1168400" indent="-268288" algn="l" rtl="0" eaLnBrk="1" latinLnBrk="1" hangingPunct="1">
+              <a:spcBef>
+                <a:spcPts val="500"/>
+              </a:spcBef>
+              <a:buClr>
+                <a:schemeClr val="accent6"/>
+              </a:buClr>
+              <a:buSzPct val="100000"/>
+              <a:buFont typeface="Times New Roman" panose="02020603050405020304" pitchFamily="18" charset="0"/>
+              <a:buChar char="‣"/>
+              <a:defRPr kumimoji="0" lang="en-US" sz="1600" kern="1200">
+                <a:solidFill>
+                  <a:schemeClr val="tx1"/>
+                </a:solidFill>
+                <a:latin typeface="+mn-lt"/>
+                <a:ea typeface="+mn-ea"/>
+                <a:cs typeface="+mn-cs"/>
+              </a:defRPr>
+            </a:lvl6pPr>
+            <a:lvl7pPr marL="1828580" indent="-182858" algn="l" rtl="0" eaLnBrk="1" latinLnBrk="1" hangingPunct="1">
+              <a:spcBef>
+                <a:spcPts val="300"/>
+              </a:spcBef>
+              <a:buClr>
+                <a:srgbClr val="727CA3">
+                  <a:shade val="75000"/>
+                </a:srgbClr>
+              </a:buClr>
+              <a:buSzPct val="75000"/>
+              <a:buFont typeface="Wingdings 3"/>
+              <a:buChar char=""/>
+              <a:defRPr kumimoji="0" lang="en-US" sz="1400" kern="1200" smtClean="0">
+                <a:solidFill>
+                  <a:schemeClr val="tx1"/>
+                </a:solidFill>
+                <a:latin typeface="+mn-lt"/>
+                <a:ea typeface="+mn-ea"/>
+                <a:cs typeface="+mn-cs"/>
+              </a:defRPr>
+            </a:lvl7pPr>
+            <a:lvl8pPr marL="2011439" indent="-182858" algn="l" rtl="0" eaLnBrk="1" latinLnBrk="1" hangingPunct="1">
+              <a:spcBef>
+                <a:spcPts val="300"/>
+              </a:spcBef>
+              <a:buClr>
+                <a:prstClr val="white">
+                  <a:shade val="50000"/>
+                </a:prstClr>
+              </a:buClr>
+              <a:buSzPct val="75000"/>
+              <a:buFont typeface="Wingdings 3"/>
+              <a:buChar char=""/>
+              <a:defRPr kumimoji="0" lang="en-US" sz="1400" kern="1200" smtClean="0">
+                <a:solidFill>
+                  <a:schemeClr val="tx1"/>
+                </a:solidFill>
+                <a:latin typeface="+mn-lt"/>
+                <a:ea typeface="+mn-ea"/>
+                <a:cs typeface="+mn-cs"/>
+              </a:defRPr>
+            </a:lvl8pPr>
+            <a:lvl9pPr marL="2194297" indent="-182858" algn="l" rtl="0" eaLnBrk="1" latinLnBrk="1" hangingPunct="1">
+              <a:spcBef>
+                <a:spcPts val="300"/>
+              </a:spcBef>
+              <a:buClr>
+                <a:srgbClr val="9FB8CD"/>
+              </a:buClr>
+              <a:buSzPct val="75000"/>
+              <a:buFont typeface="Wingdings 3"/>
+              <a:buChar char=""/>
+              <a:defRPr kumimoji="0" lang="en-US" sz="1200" kern="1200" smtClean="0">
+                <a:solidFill>
+                  <a:schemeClr val="tx1"/>
+                </a:solidFill>
+                <a:latin typeface="+mn-lt"/>
+                <a:ea typeface="+mn-ea"/>
+                <a:cs typeface="+mn-cs"/>
+              </a:defRPr>
+            </a:lvl9pPr>
+          </a:lstStyle>
+          <a:p>
+            <a:r>
+              <a:rPr lang="en-US" altLang="ko-KR" dirty="0"/>
+              <a:t>Cycle </a:t>
+            </a:r>
+            <a:r>
+              <a:rPr lang="ko-KR" altLang="en-US" dirty="0"/>
+              <a:t>정의</a:t>
+            </a:r>
+            <a:r>
+              <a:rPr lang="en-US" altLang="ko-KR" dirty="0"/>
+              <a:t>: differential</a:t>
+            </a:r>
+          </a:p>
+          <a:p>
+            <a:pPr lvl="1"/>
+            <a:r>
+              <a:rPr lang="en-US" altLang="ko-KR" dirty="0"/>
+              <a:t>15</a:t>
+            </a:r>
+            <a:r>
+              <a:rPr lang="ko-KR" altLang="en-US" dirty="0"/>
+              <a:t>일선 그래프</a:t>
+            </a:r>
+            <a:endParaRPr lang="en-US" altLang="ko-KR" dirty="0"/>
+          </a:p>
+          <a:p>
+            <a:pPr lvl="1"/>
+            <a:r>
+              <a:rPr lang="en-US" altLang="ko-KR" dirty="0"/>
+              <a:t>5</a:t>
+            </a:r>
+            <a:r>
+              <a:rPr lang="ko-KR" altLang="en-US" dirty="0"/>
+              <a:t>일 단위로 끊어서 뺄셈을</a:t>
+            </a:r>
+            <a:br>
+              <a:rPr lang="en-US" altLang="ko-KR" dirty="0"/>
+            </a:br>
+            <a:r>
+              <a:rPr lang="ko-KR" altLang="en-US" dirty="0"/>
+              <a:t>진행</a:t>
+            </a:r>
+            <a:endParaRPr lang="en-US" altLang="ko-KR" dirty="0"/>
+          </a:p>
+          <a:p>
+            <a:pPr lvl="1"/>
+            <a:r>
+              <a:rPr lang="ko-KR" altLang="en-US" dirty="0"/>
+              <a:t>현재까지 </a:t>
+            </a:r>
+            <a:r>
+              <a:rPr lang="en-US" altLang="ko-KR" dirty="0"/>
+              <a:t>cycle</a:t>
+            </a:r>
+            <a:r>
+              <a:rPr lang="ko-KR" altLang="en-US" dirty="0"/>
+              <a:t>에 가장 가까운</a:t>
+            </a:r>
+            <a:br>
+              <a:rPr lang="en-US" altLang="ko-KR" dirty="0"/>
+            </a:br>
+            <a:r>
+              <a:rPr lang="en-US" altLang="ko-KR" dirty="0"/>
+              <a:t>parameter</a:t>
+            </a:r>
+          </a:p>
+          <a:p>
+            <a:pPr lvl="1"/>
+            <a:endParaRPr lang="en-US" altLang="ko-KR" dirty="0"/>
+          </a:p>
+          <a:p>
+            <a:pPr lvl="1"/>
+            <a:endParaRPr lang="en-US" altLang="ko-KR" dirty="0"/>
+          </a:p>
+          <a:p>
+            <a:pPr lvl="1"/>
+            <a:endParaRPr lang="en-US" altLang="ko-KR" dirty="0"/>
+          </a:p>
+          <a:p>
+            <a:pPr marL="176212" lvl="1" indent="0">
+              <a:buFont typeface="Wingdings" panose="05000000000000000000" pitchFamily="2" charset="2"/>
+              <a:buNone/>
+            </a:pPr>
+            <a:endParaRPr lang="en-US" altLang="ko-KR" dirty="0"/>
+          </a:p>
+        </p:txBody>
+      </p:sp>
+      <p:pic>
+        <p:nvPicPr>
+          <p:cNvPr id="7" name="그림 6">
+            <a:extLst>
+              <a:ext uri="{FF2B5EF4-FFF2-40B4-BE49-F238E27FC236}">
+                <a16:creationId xmlns:a16="http://schemas.microsoft.com/office/drawing/2014/main" id="{D2459AA2-F891-4B65-8714-D82708FC31C3}"/>
+              </a:ext>
+            </a:extLst>
+          </p:cNvPr>
+          <p:cNvPicPr>
+            <a:picLocks noChangeAspect="1"/>
+          </p:cNvPicPr>
+          <p:nvPr/>
+        </p:nvPicPr>
+        <p:blipFill>
+          <a:blip r:embed="rId3"/>
+          <a:stretch>
+            <a:fillRect/>
+          </a:stretch>
+        </p:blipFill>
+        <p:spPr>
+          <a:xfrm>
+            <a:off x="496993" y="2705100"/>
+            <a:ext cx="2940169" cy="1258731"/>
+          </a:xfrm>
+          <a:prstGeom prst="rect">
+            <a:avLst/>
+          </a:prstGeom>
+        </p:spPr>
+      </p:pic>
+    </p:spTree>
+    <p:extLst>
+      <p:ext uri="{BB962C8B-B14F-4D97-AF65-F5344CB8AC3E}">
+        <p14:creationId xmlns:p14="http://schemas.microsoft.com/office/powerpoint/2010/main" val="1947974026"/>
+      </p:ext>
+    </p:extLst>
+  </p:cSld>
+  <p:clrMapOvr>
+    <a:masterClrMapping/>
+  </p:clrMapOvr>
+</p:sld>
+</file>
+
+<file path=ppt/slides/slide15.xml><?xml version="1.0" encoding="utf-8"?>
+<p:sld xmlns:a="http://schemas.openxmlformats.org/drawingml/2006/main" xmlns:r="http://schemas.openxmlformats.org/officeDocument/2006/relationships" xmlns:p="http://schemas.openxmlformats.org/presentationml/2006/main">
+  <p:cSld>
+    <p:spTree>
+      <p:nvGrpSpPr>
+        <p:cNvPr id="1" name=""/>
+        <p:cNvGrpSpPr/>
+        <p:nvPr/>
+      </p:nvGrpSpPr>
+      <p:grpSpPr>
+        <a:xfrm>
+          <a:off x="0" y="0"/>
+          <a:ext cx="0" cy="0"/>
+          <a:chOff x="0" y="0"/>
+          <a:chExt cx="0" cy="0"/>
+        </a:xfrm>
+      </p:grpSpPr>
+      <p:sp>
+        <p:nvSpPr>
+          <p:cNvPr id="2" name="제목 1">
+            <a:extLst>
+              <a:ext uri="{FF2B5EF4-FFF2-40B4-BE49-F238E27FC236}">
+                <a16:creationId xmlns:a16="http://schemas.microsoft.com/office/drawing/2014/main" id="{8D6F68CF-6FD2-41A5-8205-552ED88B6888}"/>
+              </a:ext>
+            </a:extLst>
+          </p:cNvPr>
+          <p:cNvSpPr>
+            <a:spLocks noGrp="1"/>
+          </p:cNvSpPr>
+          <p:nvPr>
+            <p:ph type="title"/>
+          </p:nvPr>
+        </p:nvSpPr>
+        <p:spPr/>
+        <p:txBody>
+          <a:bodyPr/>
+          <a:lstStyle/>
+          <a:p>
+            <a:r>
+              <a:rPr lang="ko-KR" altLang="en-US" dirty="0"/>
+              <a:t>종목 별 </a:t>
+            </a:r>
+            <a:r>
+              <a:rPr lang="en-US" altLang="ko-KR" dirty="0"/>
+              <a:t>rank </a:t>
+            </a:r>
+            <a:r>
+              <a:rPr lang="ko-KR" altLang="en-US" dirty="0"/>
+              <a:t>및 다음 </a:t>
+            </a:r>
+            <a:r>
+              <a:rPr lang="en-US" altLang="ko-KR" dirty="0"/>
+              <a:t>cycle </a:t>
+            </a:r>
+            <a:r>
+              <a:rPr lang="ko-KR" altLang="en-US" dirty="0"/>
+              <a:t>예측</a:t>
+            </a:r>
+          </a:p>
+        </p:txBody>
+      </p:sp>
+      <p:sp>
+        <p:nvSpPr>
+          <p:cNvPr id="3" name="슬라이드 번호 개체 틀 2">
+            <a:extLst>
+              <a:ext uri="{FF2B5EF4-FFF2-40B4-BE49-F238E27FC236}">
+                <a16:creationId xmlns:a16="http://schemas.microsoft.com/office/drawing/2014/main" id="{993EFEB3-D56C-4388-A869-5BDB662F4C8F}"/>
+              </a:ext>
+            </a:extLst>
+          </p:cNvPr>
+          <p:cNvSpPr>
+            <a:spLocks noGrp="1"/>
+          </p:cNvSpPr>
+          <p:nvPr>
+            <p:ph type="sldNum" sz="quarter" idx="12"/>
+          </p:nvPr>
+        </p:nvSpPr>
+        <p:spPr/>
+        <p:txBody>
+          <a:bodyPr/>
+          <a:lstStyle/>
+          <a:p>
+            <a:fld id="{FE07106B-9139-4E7D-9251-E6A3203F00D4}" type="slidenum">
+              <a:rPr lang="ko-KR" altLang="en-US" smtClean="0"/>
+              <a:pPr/>
+              <a:t>15</a:t>
             </a:fld>
             <a:endParaRPr lang="ko-KR" altLang="en-US" dirty="0"/>
           </a:p>

--- a/현황.pptx
+++ b/현황.pptx
@@ -5,10 +5,10 @@
     <p:sldMasterId id="2147483660" r:id="rId1"/>
   </p:sldMasterIdLst>
   <p:notesMasterIdLst>
-    <p:notesMasterId r:id="rId17"/>
+    <p:notesMasterId r:id="rId20"/>
   </p:notesMasterIdLst>
   <p:handoutMasterIdLst>
-    <p:handoutMasterId r:id="rId18"/>
+    <p:handoutMasterId r:id="rId21"/>
   </p:handoutMasterIdLst>
   <p:sldIdLst>
     <p:sldId id="261" r:id="rId2"/>
@@ -25,7 +25,10 @@
     <p:sldId id="283" r:id="rId13"/>
     <p:sldId id="285" r:id="rId14"/>
     <p:sldId id="284" r:id="rId15"/>
-    <p:sldId id="273" r:id="rId16"/>
+    <p:sldId id="288" r:id="rId16"/>
+    <p:sldId id="286" r:id="rId17"/>
+    <p:sldId id="287" r:id="rId18"/>
+    <p:sldId id="273" r:id="rId19"/>
   </p:sldIdLst>
   <p:sldSz cx="10160000" cy="5715000"/>
   <p:notesSz cx="6735763" cy="9866313"/>
@@ -263,7 +266,7 @@
           <a:p>
             <a:fld id="{63392E0B-5CE5-4FC8-9D1C-1E8A2F57AC48}" type="datetimeFigureOut">
               <a:rPr lang="ko-KR" altLang="en-US" smtClean="0"/>
-              <a:t>2020-09-23</a:t>
+              <a:t>2020-10-28</a:t>
             </a:fld>
             <a:endParaRPr lang="ko-KR" altLang="en-US"/>
           </a:p>
@@ -441,7 +444,7 @@
             <a:fld id="{01A1901C-D79B-4BFB-BBC4-D9BF7A97245F}" type="datetimeFigureOut">
               <a:rPr lang="ko-KR" altLang="en-US" smtClean="0"/>
               <a:pPr/>
-              <a:t>2020-09-23</a:t>
+              <a:t>2020-10-28</a:t>
             </a:fld>
             <a:endParaRPr lang="ko-KR" altLang="en-US"/>
           </a:p>
@@ -1676,7 +1679,7 @@
           <a:p>
             <a:fld id="{C530DBA3-E3E4-40D1-90CC-DD4F14F82D2B}" type="datetime5">
               <a:rPr lang="ko-KR" altLang="en-US" smtClean="0"/>
-              <a:t>2020/9/23</a:t>
+              <a:t>2020/10/28</a:t>
             </a:fld>
             <a:endParaRPr lang="ko-KR" altLang="en-US" dirty="0"/>
           </a:p>
@@ -5035,24 +5038,12 @@
           <a:lstStyle/>
           <a:p>
             <a:r>
+              <a:rPr lang="en-US" altLang="ko-KR" dirty="0"/>
+              <a:t>Cycle</a:t>
+            </a:r>
+            <a:r>
               <a:rPr lang="ko-KR" altLang="en-US" dirty="0"/>
-              <a:t>종목 별 </a:t>
-            </a:r>
-            <a:r>
-              <a:rPr lang="en-US" altLang="ko-KR" dirty="0"/>
-              <a:t>rank </a:t>
-            </a:r>
-            <a:r>
-              <a:rPr lang="ko-KR" altLang="en-US" dirty="0"/>
-              <a:t>및 다음 </a:t>
-            </a:r>
-            <a:r>
-              <a:rPr lang="en-US" altLang="ko-KR" dirty="0"/>
-              <a:t>cycle </a:t>
-            </a:r>
-            <a:r>
-              <a:rPr lang="ko-KR" altLang="en-US" dirty="0"/>
-              <a:t>예측</a:t>
+              <a:t> 정의</a:t>
             </a:r>
           </a:p>
         </p:txBody>
@@ -5082,6 +5073,1829 @@
               <a:rPr lang="ko-KR" altLang="en-US" smtClean="0"/>
               <a:pPr/>
               <a:t>15</a:t>
+            </a:fld>
+            <a:endParaRPr lang="ko-KR" altLang="en-US" dirty="0"/>
+          </a:p>
+        </p:txBody>
+      </p:sp>
+      <p:sp>
+        <p:nvSpPr>
+          <p:cNvPr id="4" name="내용 개체 틀 3">
+            <a:extLst>
+              <a:ext uri="{FF2B5EF4-FFF2-40B4-BE49-F238E27FC236}">
+                <a16:creationId xmlns:a16="http://schemas.microsoft.com/office/drawing/2014/main" id="{02B3E49C-7CF9-49BA-9E46-5AFFF69C8745}"/>
+              </a:ext>
+            </a:extLst>
+          </p:cNvPr>
+          <p:cNvSpPr>
+            <a:spLocks noGrp="1"/>
+          </p:cNvSpPr>
+          <p:nvPr>
+            <p:ph sz="quarter" idx="1"/>
+          </p:nvPr>
+        </p:nvSpPr>
+        <p:spPr>
+          <a:xfrm>
+            <a:off x="261654" y="1028700"/>
+            <a:ext cx="9666801" cy="4346138"/>
+          </a:xfrm>
+        </p:spPr>
+        <p:txBody>
+          <a:bodyPr>
+            <a:normAutofit/>
+          </a:bodyPr>
+          <a:lstStyle/>
+          <a:p>
+            <a:pPr lvl="1"/>
+            <a:endParaRPr lang="en-US" altLang="ko-KR" dirty="0"/>
+          </a:p>
+          <a:p>
+            <a:pPr lvl="1"/>
+            <a:endParaRPr lang="en-US" altLang="ko-KR" dirty="0"/>
+          </a:p>
+          <a:p>
+            <a:pPr lvl="1"/>
+            <a:endParaRPr lang="en-US" altLang="ko-KR" dirty="0"/>
+          </a:p>
+          <a:p>
+            <a:pPr lvl="1"/>
+            <a:endParaRPr lang="en-US" altLang="ko-KR" dirty="0"/>
+          </a:p>
+          <a:p>
+            <a:pPr lvl="1"/>
+            <a:endParaRPr lang="en-US" altLang="ko-KR" dirty="0"/>
+          </a:p>
+          <a:p>
+            <a:pPr marL="176212" lvl="1" indent="0">
+              <a:buNone/>
+            </a:pPr>
+            <a:endParaRPr lang="en-US" altLang="ko-KR" dirty="0"/>
+          </a:p>
+        </p:txBody>
+      </p:sp>
+      <p:sp>
+        <p:nvSpPr>
+          <p:cNvPr id="9" name="TextBox 8">
+            <a:extLst>
+              <a:ext uri="{FF2B5EF4-FFF2-40B4-BE49-F238E27FC236}">
+                <a16:creationId xmlns:a16="http://schemas.microsoft.com/office/drawing/2014/main" id="{F3F875E8-5E94-49E9-BF39-EB35154D14AF}"/>
+              </a:ext>
+            </a:extLst>
+          </p:cNvPr>
+          <p:cNvSpPr txBox="1"/>
+          <p:nvPr/>
+        </p:nvSpPr>
+        <p:spPr>
+          <a:xfrm>
+            <a:off x="4013200" y="4809016"/>
+            <a:ext cx="5292163" cy="246221"/>
+          </a:xfrm>
+          <a:prstGeom prst="rect">
+            <a:avLst/>
+          </a:prstGeom>
+          <a:noFill/>
+        </p:spPr>
+        <p:txBody>
+          <a:bodyPr wrap="square" rtlCol="0">
+            <a:spAutoFit/>
+          </a:bodyPr>
+          <a:lstStyle/>
+          <a:p>
+            <a:pPr marL="171450" indent="-171450" algn="ctr">
+              <a:buFontTx/>
+              <a:buChar char="-"/>
+            </a:pPr>
+            <a:r>
+              <a:rPr lang="en-US" altLang="ko-KR" sz="1000" b="1" dirty="0"/>
+              <a:t>Normalized close differential ma15 with n &gt; 0.1 / n &gt; 0.05 –</a:t>
+            </a:r>
+            <a:endParaRPr lang="ko-KR" altLang="en-US" sz="1000" b="1" dirty="0"/>
+          </a:p>
+        </p:txBody>
+      </p:sp>
+      <p:sp>
+        <p:nvSpPr>
+          <p:cNvPr id="10" name="내용 개체 틀 3">
+            <a:extLst>
+              <a:ext uri="{FF2B5EF4-FFF2-40B4-BE49-F238E27FC236}">
+                <a16:creationId xmlns:a16="http://schemas.microsoft.com/office/drawing/2014/main" id="{336D2DD8-5E94-49CC-9E36-3F0BE504D74E}"/>
+              </a:ext>
+            </a:extLst>
+          </p:cNvPr>
+          <p:cNvSpPr txBox="1">
+            <a:spLocks/>
+          </p:cNvSpPr>
+          <p:nvPr/>
+        </p:nvSpPr>
+        <p:spPr>
+          <a:xfrm>
+            <a:off x="358196" y="903766"/>
+            <a:ext cx="9666801" cy="4346138"/>
+          </a:xfrm>
+          <a:prstGeom prst="rect">
+            <a:avLst/>
+          </a:prstGeom>
+        </p:spPr>
+        <p:txBody>
+          <a:bodyPr vert="horz" lIns="0" tIns="0" rIns="0" bIns="0">
+            <a:normAutofit/>
+          </a:bodyPr>
+          <a:lstStyle>
+            <a:lvl1pPr marL="266700" indent="-266700" algn="l" rtl="0" eaLnBrk="1" latinLnBrk="1" hangingPunct="1">
+              <a:spcBef>
+                <a:spcPts val="3000"/>
+              </a:spcBef>
+              <a:buClr>
+                <a:schemeClr val="accent3"/>
+              </a:buClr>
+              <a:buSzPct val="70000"/>
+              <a:buFont typeface="Wingdings" panose="05000000000000000000" pitchFamily="2" charset="2"/>
+              <a:buChar char="v"/>
+              <a:defRPr kumimoji="0" sz="1800" b="1" kern="1200" spc="-70" baseline="0">
+                <a:solidFill>
+                  <a:schemeClr val="tx1"/>
+                </a:solidFill>
+                <a:latin typeface="Times New Roman" panose="02020603050405020304" pitchFamily="18" charset="0"/>
+                <a:ea typeface="맑은 고딕" panose="020B0503020000020004" pitchFamily="50" charset="-127"/>
+                <a:cs typeface="Calibri" panose="020F0502020204030204" pitchFamily="34" charset="0"/>
+              </a:defRPr>
+            </a:lvl1pPr>
+            <a:lvl2pPr marL="450850" indent="-274638" algn="l" rtl="0" eaLnBrk="1" latinLnBrk="1" hangingPunct="1">
+              <a:spcBef>
+                <a:spcPts val="500"/>
+              </a:spcBef>
+              <a:buClr>
+                <a:schemeClr val="accent1"/>
+              </a:buClr>
+              <a:buSzPct val="65000"/>
+              <a:buFont typeface="Wingdings" panose="05000000000000000000" pitchFamily="2" charset="2"/>
+              <a:buChar char="l"/>
+              <a:defRPr kumimoji="0" sz="1600" b="0" kern="1200" baseline="0">
+                <a:solidFill>
+                  <a:schemeClr val="tx2"/>
+                </a:solidFill>
+                <a:latin typeface="Times New Roman" panose="02020603050405020304" pitchFamily="18" charset="0"/>
+                <a:ea typeface="맑은 고딕" panose="020B0503020000020004" pitchFamily="50" charset="-127"/>
+                <a:cs typeface="Calibri" panose="020F0502020204030204" pitchFamily="34" charset="0"/>
+              </a:defRPr>
+            </a:lvl2pPr>
+            <a:lvl3pPr marL="628650" indent="-269875" algn="l" rtl="0" eaLnBrk="1" latinLnBrk="1" hangingPunct="1">
+              <a:spcBef>
+                <a:spcPts val="500"/>
+              </a:spcBef>
+              <a:buClr>
+                <a:schemeClr val="accent5"/>
+              </a:buClr>
+              <a:buSzPct val="65000"/>
+              <a:buFont typeface="Wingdings 3"/>
+              <a:buChar char=""/>
+              <a:defRPr kumimoji="0" sz="1600" b="0" kern="1200" baseline="0">
+                <a:solidFill>
+                  <a:schemeClr val="tx1"/>
+                </a:solidFill>
+                <a:latin typeface="Times New Roman" panose="02020603050405020304" pitchFamily="18" charset="0"/>
+                <a:ea typeface="맑은 고딕" panose="020B0503020000020004" pitchFamily="50" charset="-127"/>
+                <a:cs typeface="Calibri" panose="020F0502020204030204" pitchFamily="34" charset="0"/>
+              </a:defRPr>
+            </a:lvl3pPr>
+            <a:lvl4pPr marL="806450" indent="-268288" algn="l" rtl="0" eaLnBrk="1" latinLnBrk="1" hangingPunct="1">
+              <a:spcBef>
+                <a:spcPts val="500"/>
+              </a:spcBef>
+              <a:buClr>
+                <a:schemeClr val="accent5">
+                  <a:lumMod val="60000"/>
+                  <a:lumOff val="40000"/>
+                </a:schemeClr>
+              </a:buClr>
+              <a:buSzPct val="100000"/>
+              <a:buFont typeface="Wingdings" panose="05000000000000000000" pitchFamily="2" charset="2"/>
+              <a:buChar char="§"/>
+              <a:defRPr kumimoji="0" sz="1600" b="0" kern="1200" baseline="0">
+                <a:solidFill>
+                  <a:schemeClr val="tx1"/>
+                </a:solidFill>
+                <a:latin typeface="Times New Roman" panose="02020603050405020304" pitchFamily="18" charset="0"/>
+                <a:ea typeface="맑은 고딕" panose="020B0503020000020004" pitchFamily="50" charset="-127"/>
+                <a:cs typeface="Calibri" panose="020F0502020204030204" pitchFamily="34" charset="0"/>
+              </a:defRPr>
+            </a:lvl4pPr>
+            <a:lvl5pPr marL="984250" indent="-268288" algn="l" rtl="0" eaLnBrk="1" latinLnBrk="1" hangingPunct="1">
+              <a:spcBef>
+                <a:spcPts val="500"/>
+              </a:spcBef>
+              <a:buClr>
+                <a:schemeClr val="accent2">
+                  <a:lumMod val="50000"/>
+                </a:schemeClr>
+              </a:buClr>
+              <a:buSzPct val="70000"/>
+              <a:buFont typeface="Arial" panose="020B0604020202020204" pitchFamily="34" charset="0"/>
+              <a:buChar char="•"/>
+              <a:defRPr kumimoji="0" sz="1600" b="0" kern="1200" baseline="0">
+                <a:solidFill>
+                  <a:schemeClr val="tx1"/>
+                </a:solidFill>
+                <a:latin typeface="Times New Roman" panose="02020603050405020304" pitchFamily="18" charset="0"/>
+                <a:ea typeface="맑은 고딕" panose="020B0503020000020004" pitchFamily="50" charset="-127"/>
+                <a:cs typeface="Calibri" panose="020F0502020204030204" pitchFamily="34" charset="0"/>
+              </a:defRPr>
+            </a:lvl5pPr>
+            <a:lvl6pPr marL="1168400" indent="-268288" algn="l" rtl="0" eaLnBrk="1" latinLnBrk="1" hangingPunct="1">
+              <a:spcBef>
+                <a:spcPts val="500"/>
+              </a:spcBef>
+              <a:buClr>
+                <a:schemeClr val="accent6"/>
+              </a:buClr>
+              <a:buSzPct val="100000"/>
+              <a:buFont typeface="Times New Roman" panose="02020603050405020304" pitchFamily="18" charset="0"/>
+              <a:buChar char="‣"/>
+              <a:defRPr kumimoji="0" lang="en-US" sz="1600" kern="1200">
+                <a:solidFill>
+                  <a:schemeClr val="tx1"/>
+                </a:solidFill>
+                <a:latin typeface="+mn-lt"/>
+                <a:ea typeface="+mn-ea"/>
+                <a:cs typeface="+mn-cs"/>
+              </a:defRPr>
+            </a:lvl6pPr>
+            <a:lvl7pPr marL="1828580" indent="-182858" algn="l" rtl="0" eaLnBrk="1" latinLnBrk="1" hangingPunct="1">
+              <a:spcBef>
+                <a:spcPts val="300"/>
+              </a:spcBef>
+              <a:buClr>
+                <a:srgbClr val="727CA3">
+                  <a:shade val="75000"/>
+                </a:srgbClr>
+              </a:buClr>
+              <a:buSzPct val="75000"/>
+              <a:buFont typeface="Wingdings 3"/>
+              <a:buChar char=""/>
+              <a:defRPr kumimoji="0" lang="en-US" sz="1400" kern="1200" smtClean="0">
+                <a:solidFill>
+                  <a:schemeClr val="tx1"/>
+                </a:solidFill>
+                <a:latin typeface="+mn-lt"/>
+                <a:ea typeface="+mn-ea"/>
+                <a:cs typeface="+mn-cs"/>
+              </a:defRPr>
+            </a:lvl7pPr>
+            <a:lvl8pPr marL="2011439" indent="-182858" algn="l" rtl="0" eaLnBrk="1" latinLnBrk="1" hangingPunct="1">
+              <a:spcBef>
+                <a:spcPts val="300"/>
+              </a:spcBef>
+              <a:buClr>
+                <a:prstClr val="white">
+                  <a:shade val="50000"/>
+                </a:prstClr>
+              </a:buClr>
+              <a:buSzPct val="75000"/>
+              <a:buFont typeface="Wingdings 3"/>
+              <a:buChar char=""/>
+              <a:defRPr kumimoji="0" lang="en-US" sz="1400" kern="1200" smtClean="0">
+                <a:solidFill>
+                  <a:schemeClr val="tx1"/>
+                </a:solidFill>
+                <a:latin typeface="+mn-lt"/>
+                <a:ea typeface="+mn-ea"/>
+                <a:cs typeface="+mn-cs"/>
+              </a:defRPr>
+            </a:lvl8pPr>
+            <a:lvl9pPr marL="2194297" indent="-182858" algn="l" rtl="0" eaLnBrk="1" latinLnBrk="1" hangingPunct="1">
+              <a:spcBef>
+                <a:spcPts val="300"/>
+              </a:spcBef>
+              <a:buClr>
+                <a:srgbClr val="9FB8CD"/>
+              </a:buClr>
+              <a:buSzPct val="75000"/>
+              <a:buFont typeface="Wingdings 3"/>
+              <a:buChar char=""/>
+              <a:defRPr kumimoji="0" lang="en-US" sz="1200" kern="1200" smtClean="0">
+                <a:solidFill>
+                  <a:schemeClr val="tx1"/>
+                </a:solidFill>
+                <a:latin typeface="+mn-lt"/>
+                <a:ea typeface="+mn-ea"/>
+                <a:cs typeface="+mn-cs"/>
+              </a:defRPr>
+            </a:lvl9pPr>
+          </a:lstStyle>
+          <a:p>
+            <a:r>
+              <a:rPr lang="en-US" altLang="ko-KR" dirty="0"/>
+              <a:t>Cycle </a:t>
+            </a:r>
+            <a:r>
+              <a:rPr lang="ko-KR" altLang="en-US" dirty="0"/>
+              <a:t>다듬기</a:t>
+            </a:r>
+            <a:r>
+              <a:rPr lang="en-US" altLang="ko-KR" dirty="0"/>
+              <a:t> </a:t>
+            </a:r>
+          </a:p>
+          <a:p>
+            <a:pPr lvl="1"/>
+            <a:endParaRPr lang="en-US" altLang="ko-KR" dirty="0"/>
+          </a:p>
+          <a:p>
+            <a:pPr lvl="1"/>
+            <a:endParaRPr lang="en-US" altLang="ko-KR" dirty="0"/>
+          </a:p>
+          <a:p>
+            <a:pPr lvl="1"/>
+            <a:endParaRPr lang="en-US" altLang="ko-KR" dirty="0"/>
+          </a:p>
+          <a:p>
+            <a:pPr marL="176212" lvl="1" indent="0">
+              <a:buFont typeface="Wingdings" panose="05000000000000000000" pitchFamily="2" charset="2"/>
+              <a:buNone/>
+            </a:pPr>
+            <a:endParaRPr lang="en-US" altLang="ko-KR" dirty="0"/>
+          </a:p>
+        </p:txBody>
+      </p:sp>
+      <p:pic>
+        <p:nvPicPr>
+          <p:cNvPr id="6" name="그림 5">
+            <a:extLst>
+              <a:ext uri="{FF2B5EF4-FFF2-40B4-BE49-F238E27FC236}">
+                <a16:creationId xmlns:a16="http://schemas.microsoft.com/office/drawing/2014/main" id="{1A8CD53D-7303-4C37-A1A6-7E62753F0B5C}"/>
+              </a:ext>
+            </a:extLst>
+          </p:cNvPr>
+          <p:cNvPicPr>
+            <a:picLocks noChangeAspect="1"/>
+          </p:cNvPicPr>
+          <p:nvPr/>
+        </p:nvPicPr>
+        <p:blipFill>
+          <a:blip r:embed="rId2"/>
+          <a:stretch>
+            <a:fillRect/>
+          </a:stretch>
+        </p:blipFill>
+        <p:spPr>
+          <a:xfrm>
+            <a:off x="216465" y="1638300"/>
+            <a:ext cx="3057619" cy="1535920"/>
+          </a:xfrm>
+          <a:prstGeom prst="rect">
+            <a:avLst/>
+          </a:prstGeom>
+        </p:spPr>
+      </p:pic>
+      <p:pic>
+        <p:nvPicPr>
+          <p:cNvPr id="11" name="그림 10">
+            <a:extLst>
+              <a:ext uri="{FF2B5EF4-FFF2-40B4-BE49-F238E27FC236}">
+                <a16:creationId xmlns:a16="http://schemas.microsoft.com/office/drawing/2014/main" id="{F29CA46A-C708-4E6F-BF3E-620624FFA641}"/>
+              </a:ext>
+            </a:extLst>
+          </p:cNvPr>
+          <p:cNvPicPr>
+            <a:picLocks noChangeAspect="1"/>
+          </p:cNvPicPr>
+          <p:nvPr/>
+        </p:nvPicPr>
+        <p:blipFill>
+          <a:blip r:embed="rId3"/>
+          <a:stretch>
+            <a:fillRect/>
+          </a:stretch>
+        </p:blipFill>
+        <p:spPr>
+          <a:xfrm>
+            <a:off x="3610572" y="1110004"/>
+            <a:ext cx="6372475" cy="3347695"/>
+          </a:xfrm>
+          <a:prstGeom prst="rect">
+            <a:avLst/>
+          </a:prstGeom>
+        </p:spPr>
+      </p:pic>
+    </p:spTree>
+    <p:extLst>
+      <p:ext uri="{BB962C8B-B14F-4D97-AF65-F5344CB8AC3E}">
+        <p14:creationId xmlns:p14="http://schemas.microsoft.com/office/powerpoint/2010/main" val="2537390422"/>
+      </p:ext>
+    </p:extLst>
+  </p:cSld>
+  <p:clrMapOvr>
+    <a:masterClrMapping/>
+  </p:clrMapOvr>
+</p:sld>
+</file>
+
+<file path=ppt/slides/slide16.xml><?xml version="1.0" encoding="utf-8"?>
+<p:sld xmlns:a="http://schemas.openxmlformats.org/drawingml/2006/main" xmlns:r="http://schemas.openxmlformats.org/officeDocument/2006/relationships" xmlns:p="http://schemas.openxmlformats.org/presentationml/2006/main">
+  <p:cSld>
+    <p:spTree>
+      <p:nvGrpSpPr>
+        <p:cNvPr id="1" name=""/>
+        <p:cNvGrpSpPr/>
+        <p:nvPr/>
+      </p:nvGrpSpPr>
+      <p:grpSpPr>
+        <a:xfrm>
+          <a:off x="0" y="0"/>
+          <a:ext cx="0" cy="0"/>
+          <a:chOff x="0" y="0"/>
+          <a:chExt cx="0" cy="0"/>
+        </a:xfrm>
+      </p:grpSpPr>
+      <p:sp>
+        <p:nvSpPr>
+          <p:cNvPr id="2" name="제목 1">
+            <a:extLst>
+              <a:ext uri="{FF2B5EF4-FFF2-40B4-BE49-F238E27FC236}">
+                <a16:creationId xmlns:a16="http://schemas.microsoft.com/office/drawing/2014/main" id="{8D6F68CF-6FD2-41A5-8205-552ED88B6888}"/>
+              </a:ext>
+            </a:extLst>
+          </p:cNvPr>
+          <p:cNvSpPr>
+            <a:spLocks noGrp="1"/>
+          </p:cNvSpPr>
+          <p:nvPr>
+            <p:ph type="title"/>
+          </p:nvPr>
+        </p:nvSpPr>
+        <p:spPr/>
+        <p:txBody>
+          <a:bodyPr/>
+          <a:lstStyle/>
+          <a:p>
+            <a:r>
+              <a:rPr lang="en-US" altLang="ko-KR" dirty="0"/>
+              <a:t>Cycle</a:t>
+            </a:r>
+            <a:r>
+              <a:rPr lang="ko-KR" altLang="en-US" dirty="0"/>
+              <a:t> 정의</a:t>
+            </a:r>
+          </a:p>
+        </p:txBody>
+      </p:sp>
+      <p:sp>
+        <p:nvSpPr>
+          <p:cNvPr id="3" name="슬라이드 번호 개체 틀 2">
+            <a:extLst>
+              <a:ext uri="{FF2B5EF4-FFF2-40B4-BE49-F238E27FC236}">
+                <a16:creationId xmlns:a16="http://schemas.microsoft.com/office/drawing/2014/main" id="{993EFEB3-D56C-4388-A869-5BDB662F4C8F}"/>
+              </a:ext>
+            </a:extLst>
+          </p:cNvPr>
+          <p:cNvSpPr>
+            <a:spLocks noGrp="1"/>
+          </p:cNvSpPr>
+          <p:nvPr>
+            <p:ph type="sldNum" sz="quarter" idx="12"/>
+          </p:nvPr>
+        </p:nvSpPr>
+        <p:spPr/>
+        <p:txBody>
+          <a:bodyPr/>
+          <a:lstStyle/>
+          <a:p>
+            <a:fld id="{FE07106B-9139-4E7D-9251-E6A3203F00D4}" type="slidenum">
+              <a:rPr lang="ko-KR" altLang="en-US" smtClean="0"/>
+              <a:pPr/>
+              <a:t>16</a:t>
+            </a:fld>
+            <a:endParaRPr lang="ko-KR" altLang="en-US" dirty="0"/>
+          </a:p>
+        </p:txBody>
+      </p:sp>
+      <p:sp>
+        <p:nvSpPr>
+          <p:cNvPr id="10" name="내용 개체 틀 3">
+            <a:extLst>
+              <a:ext uri="{FF2B5EF4-FFF2-40B4-BE49-F238E27FC236}">
+                <a16:creationId xmlns:a16="http://schemas.microsoft.com/office/drawing/2014/main" id="{336D2DD8-5E94-49CC-9E36-3F0BE504D74E}"/>
+              </a:ext>
+            </a:extLst>
+          </p:cNvPr>
+          <p:cNvSpPr txBox="1">
+            <a:spLocks/>
+          </p:cNvSpPr>
+          <p:nvPr/>
+        </p:nvSpPr>
+        <p:spPr>
+          <a:xfrm>
+            <a:off x="358196" y="903766"/>
+            <a:ext cx="9666801" cy="4346138"/>
+          </a:xfrm>
+          <a:prstGeom prst="rect">
+            <a:avLst/>
+          </a:prstGeom>
+        </p:spPr>
+        <p:txBody>
+          <a:bodyPr vert="horz" lIns="0" tIns="0" rIns="0" bIns="0">
+            <a:normAutofit/>
+          </a:bodyPr>
+          <a:lstStyle>
+            <a:lvl1pPr marL="266700" indent="-266700" algn="l" rtl="0" eaLnBrk="1" latinLnBrk="1" hangingPunct="1">
+              <a:spcBef>
+                <a:spcPts val="3000"/>
+              </a:spcBef>
+              <a:buClr>
+                <a:schemeClr val="accent3"/>
+              </a:buClr>
+              <a:buSzPct val="70000"/>
+              <a:buFont typeface="Wingdings" panose="05000000000000000000" pitchFamily="2" charset="2"/>
+              <a:buChar char="v"/>
+              <a:defRPr kumimoji="0" sz="1800" b="1" kern="1200" spc="-70" baseline="0">
+                <a:solidFill>
+                  <a:schemeClr val="tx1"/>
+                </a:solidFill>
+                <a:latin typeface="Times New Roman" panose="02020603050405020304" pitchFamily="18" charset="0"/>
+                <a:ea typeface="맑은 고딕" panose="020B0503020000020004" pitchFamily="50" charset="-127"/>
+                <a:cs typeface="Calibri" panose="020F0502020204030204" pitchFamily="34" charset="0"/>
+              </a:defRPr>
+            </a:lvl1pPr>
+            <a:lvl2pPr marL="450850" indent="-274638" algn="l" rtl="0" eaLnBrk="1" latinLnBrk="1" hangingPunct="1">
+              <a:spcBef>
+                <a:spcPts val="500"/>
+              </a:spcBef>
+              <a:buClr>
+                <a:schemeClr val="accent1"/>
+              </a:buClr>
+              <a:buSzPct val="65000"/>
+              <a:buFont typeface="Wingdings" panose="05000000000000000000" pitchFamily="2" charset="2"/>
+              <a:buChar char="l"/>
+              <a:defRPr kumimoji="0" sz="1600" b="0" kern="1200" baseline="0">
+                <a:solidFill>
+                  <a:schemeClr val="tx2"/>
+                </a:solidFill>
+                <a:latin typeface="Times New Roman" panose="02020603050405020304" pitchFamily="18" charset="0"/>
+                <a:ea typeface="맑은 고딕" panose="020B0503020000020004" pitchFamily="50" charset="-127"/>
+                <a:cs typeface="Calibri" panose="020F0502020204030204" pitchFamily="34" charset="0"/>
+              </a:defRPr>
+            </a:lvl2pPr>
+            <a:lvl3pPr marL="628650" indent="-269875" algn="l" rtl="0" eaLnBrk="1" latinLnBrk="1" hangingPunct="1">
+              <a:spcBef>
+                <a:spcPts val="500"/>
+              </a:spcBef>
+              <a:buClr>
+                <a:schemeClr val="accent5"/>
+              </a:buClr>
+              <a:buSzPct val="65000"/>
+              <a:buFont typeface="Wingdings 3"/>
+              <a:buChar char=""/>
+              <a:defRPr kumimoji="0" sz="1600" b="0" kern="1200" baseline="0">
+                <a:solidFill>
+                  <a:schemeClr val="tx1"/>
+                </a:solidFill>
+                <a:latin typeface="Times New Roman" panose="02020603050405020304" pitchFamily="18" charset="0"/>
+                <a:ea typeface="맑은 고딕" panose="020B0503020000020004" pitchFamily="50" charset="-127"/>
+                <a:cs typeface="Calibri" panose="020F0502020204030204" pitchFamily="34" charset="0"/>
+              </a:defRPr>
+            </a:lvl3pPr>
+            <a:lvl4pPr marL="806450" indent="-268288" algn="l" rtl="0" eaLnBrk="1" latinLnBrk="1" hangingPunct="1">
+              <a:spcBef>
+                <a:spcPts val="500"/>
+              </a:spcBef>
+              <a:buClr>
+                <a:schemeClr val="accent5">
+                  <a:lumMod val="60000"/>
+                  <a:lumOff val="40000"/>
+                </a:schemeClr>
+              </a:buClr>
+              <a:buSzPct val="100000"/>
+              <a:buFont typeface="Wingdings" panose="05000000000000000000" pitchFamily="2" charset="2"/>
+              <a:buChar char="§"/>
+              <a:defRPr kumimoji="0" sz="1600" b="0" kern="1200" baseline="0">
+                <a:solidFill>
+                  <a:schemeClr val="tx1"/>
+                </a:solidFill>
+                <a:latin typeface="Times New Roman" panose="02020603050405020304" pitchFamily="18" charset="0"/>
+                <a:ea typeface="맑은 고딕" panose="020B0503020000020004" pitchFamily="50" charset="-127"/>
+                <a:cs typeface="Calibri" panose="020F0502020204030204" pitchFamily="34" charset="0"/>
+              </a:defRPr>
+            </a:lvl4pPr>
+            <a:lvl5pPr marL="984250" indent="-268288" algn="l" rtl="0" eaLnBrk="1" latinLnBrk="1" hangingPunct="1">
+              <a:spcBef>
+                <a:spcPts val="500"/>
+              </a:spcBef>
+              <a:buClr>
+                <a:schemeClr val="accent2">
+                  <a:lumMod val="50000"/>
+                </a:schemeClr>
+              </a:buClr>
+              <a:buSzPct val="70000"/>
+              <a:buFont typeface="Arial" panose="020B0604020202020204" pitchFamily="34" charset="0"/>
+              <a:buChar char="•"/>
+              <a:defRPr kumimoji="0" sz="1600" b="0" kern="1200" baseline="0">
+                <a:solidFill>
+                  <a:schemeClr val="tx1"/>
+                </a:solidFill>
+                <a:latin typeface="Times New Roman" panose="02020603050405020304" pitchFamily="18" charset="0"/>
+                <a:ea typeface="맑은 고딕" panose="020B0503020000020004" pitchFamily="50" charset="-127"/>
+                <a:cs typeface="Calibri" panose="020F0502020204030204" pitchFamily="34" charset="0"/>
+              </a:defRPr>
+            </a:lvl5pPr>
+            <a:lvl6pPr marL="1168400" indent="-268288" algn="l" rtl="0" eaLnBrk="1" latinLnBrk="1" hangingPunct="1">
+              <a:spcBef>
+                <a:spcPts val="500"/>
+              </a:spcBef>
+              <a:buClr>
+                <a:schemeClr val="accent6"/>
+              </a:buClr>
+              <a:buSzPct val="100000"/>
+              <a:buFont typeface="Times New Roman" panose="02020603050405020304" pitchFamily="18" charset="0"/>
+              <a:buChar char="‣"/>
+              <a:defRPr kumimoji="0" lang="en-US" sz="1600" kern="1200">
+                <a:solidFill>
+                  <a:schemeClr val="tx1"/>
+                </a:solidFill>
+                <a:latin typeface="+mn-lt"/>
+                <a:ea typeface="+mn-ea"/>
+                <a:cs typeface="+mn-cs"/>
+              </a:defRPr>
+            </a:lvl6pPr>
+            <a:lvl7pPr marL="1828580" indent="-182858" algn="l" rtl="0" eaLnBrk="1" latinLnBrk="1" hangingPunct="1">
+              <a:spcBef>
+                <a:spcPts val="300"/>
+              </a:spcBef>
+              <a:buClr>
+                <a:srgbClr val="727CA3">
+                  <a:shade val="75000"/>
+                </a:srgbClr>
+              </a:buClr>
+              <a:buSzPct val="75000"/>
+              <a:buFont typeface="Wingdings 3"/>
+              <a:buChar char=""/>
+              <a:defRPr kumimoji="0" lang="en-US" sz="1400" kern="1200" smtClean="0">
+                <a:solidFill>
+                  <a:schemeClr val="tx1"/>
+                </a:solidFill>
+                <a:latin typeface="+mn-lt"/>
+                <a:ea typeface="+mn-ea"/>
+                <a:cs typeface="+mn-cs"/>
+              </a:defRPr>
+            </a:lvl7pPr>
+            <a:lvl8pPr marL="2011439" indent="-182858" algn="l" rtl="0" eaLnBrk="1" latinLnBrk="1" hangingPunct="1">
+              <a:spcBef>
+                <a:spcPts val="300"/>
+              </a:spcBef>
+              <a:buClr>
+                <a:prstClr val="white">
+                  <a:shade val="50000"/>
+                </a:prstClr>
+              </a:buClr>
+              <a:buSzPct val="75000"/>
+              <a:buFont typeface="Wingdings 3"/>
+              <a:buChar char=""/>
+              <a:defRPr kumimoji="0" lang="en-US" sz="1400" kern="1200" smtClean="0">
+                <a:solidFill>
+                  <a:schemeClr val="tx1"/>
+                </a:solidFill>
+                <a:latin typeface="+mn-lt"/>
+                <a:ea typeface="+mn-ea"/>
+                <a:cs typeface="+mn-cs"/>
+              </a:defRPr>
+            </a:lvl8pPr>
+            <a:lvl9pPr marL="2194297" indent="-182858" algn="l" rtl="0" eaLnBrk="1" latinLnBrk="1" hangingPunct="1">
+              <a:spcBef>
+                <a:spcPts val="300"/>
+              </a:spcBef>
+              <a:buClr>
+                <a:srgbClr val="9FB8CD"/>
+              </a:buClr>
+              <a:buSzPct val="75000"/>
+              <a:buFont typeface="Wingdings 3"/>
+              <a:buChar char=""/>
+              <a:defRPr kumimoji="0" lang="en-US" sz="1200" kern="1200" smtClean="0">
+                <a:solidFill>
+                  <a:schemeClr val="tx1"/>
+                </a:solidFill>
+                <a:latin typeface="+mn-lt"/>
+                <a:ea typeface="+mn-ea"/>
+                <a:cs typeface="+mn-cs"/>
+              </a:defRPr>
+            </a:lvl9pPr>
+          </a:lstStyle>
+          <a:p>
+            <a:r>
+              <a:rPr lang="ko-KR" altLang="en-US" dirty="0"/>
+              <a:t>다른 종목들의 결과값</a:t>
+            </a:r>
+            <a:endParaRPr lang="en-US" altLang="ko-KR" dirty="0"/>
+          </a:p>
+          <a:p>
+            <a:pPr lvl="1"/>
+            <a:r>
+              <a:rPr lang="en-US" altLang="ko-KR" dirty="0"/>
+              <a:t>COVID-19, </a:t>
+            </a:r>
+            <a:r>
+              <a:rPr lang="ko-KR" altLang="en-US" dirty="0"/>
+              <a:t>정치인</a:t>
+            </a:r>
+            <a:r>
+              <a:rPr lang="en-US" altLang="ko-KR" dirty="0"/>
+              <a:t>(</a:t>
+            </a:r>
+            <a:r>
+              <a:rPr lang="ko-KR" altLang="en-US" dirty="0"/>
+              <a:t>안철수</a:t>
+            </a:r>
+            <a:r>
+              <a:rPr lang="en-US" altLang="ko-KR" dirty="0"/>
+              <a:t>), 5G: </a:t>
+            </a:r>
+            <a:r>
+              <a:rPr lang="en-US" altLang="ko-KR" dirty="0" err="1"/>
+              <a:t>KeyError</a:t>
+            </a:r>
+            <a:r>
+              <a:rPr lang="en-US" altLang="ko-KR" dirty="0"/>
+              <a:t> </a:t>
+            </a:r>
+            <a:r>
+              <a:rPr lang="ko-KR" altLang="en-US" dirty="0"/>
+              <a:t>발생</a:t>
+            </a:r>
+            <a:endParaRPr lang="en-US" altLang="ko-KR" dirty="0"/>
+          </a:p>
+          <a:p>
+            <a:pPr lvl="1"/>
+            <a:r>
+              <a:rPr lang="ko-KR" altLang="en-US" dirty="0"/>
+              <a:t>정치인</a:t>
+            </a:r>
+            <a:r>
+              <a:rPr lang="en-US" altLang="ko-KR" dirty="0"/>
+              <a:t>(</a:t>
+            </a:r>
+            <a:r>
+              <a:rPr lang="ko-KR" altLang="en-US" dirty="0" err="1"/>
+              <a:t>이재명</a:t>
+            </a:r>
+            <a:r>
+              <a:rPr lang="en-US" altLang="ko-KR" dirty="0"/>
+              <a:t>) </a:t>
+            </a:r>
+            <a:r>
+              <a:rPr lang="ko-KR" altLang="en-US" dirty="0"/>
+              <a:t>테마주의 그래프(</a:t>
+            </a:r>
+            <a:r>
+              <a:rPr lang="en-US" altLang="ko-KR" dirty="0"/>
+              <a:t>2016. 1. 1 ~ 2020. 10. 1)</a:t>
+            </a:r>
+          </a:p>
+          <a:p>
+            <a:pPr lvl="1"/>
+            <a:endParaRPr lang="en-US" altLang="ko-KR" dirty="0"/>
+          </a:p>
+          <a:p>
+            <a:pPr lvl="1"/>
+            <a:endParaRPr lang="en-US" altLang="ko-KR" dirty="0"/>
+          </a:p>
+          <a:p>
+            <a:pPr lvl="1"/>
+            <a:endParaRPr lang="en-US" altLang="ko-KR" dirty="0"/>
+          </a:p>
+          <a:p>
+            <a:pPr marL="176212" lvl="1" indent="0">
+              <a:buFont typeface="Wingdings" panose="05000000000000000000" pitchFamily="2" charset="2"/>
+              <a:buNone/>
+            </a:pPr>
+            <a:endParaRPr lang="en-US" altLang="ko-KR" dirty="0"/>
+          </a:p>
+        </p:txBody>
+      </p:sp>
+      <p:pic>
+        <p:nvPicPr>
+          <p:cNvPr id="12" name="그림 11">
+            <a:extLst>
+              <a:ext uri="{FF2B5EF4-FFF2-40B4-BE49-F238E27FC236}">
+                <a16:creationId xmlns:a16="http://schemas.microsoft.com/office/drawing/2014/main" id="{604B9F9D-DBBE-4954-9BC7-E0C24CE7E17E}"/>
+              </a:ext>
+            </a:extLst>
+          </p:cNvPr>
+          <p:cNvPicPr>
+            <a:picLocks noChangeAspect="1"/>
+          </p:cNvPicPr>
+          <p:nvPr/>
+        </p:nvPicPr>
+        <p:blipFill>
+          <a:blip r:embed="rId2">
+            <a:extLst>
+              <a:ext uri="{28A0092B-C50C-407E-A947-70E740481C1C}">
+                <a14:useLocalDpi xmlns:a14="http://schemas.microsoft.com/office/drawing/2010/main" val="0"/>
+              </a:ext>
+            </a:extLst>
+          </a:blip>
+          <a:stretch>
+            <a:fillRect/>
+          </a:stretch>
+        </p:blipFill>
+        <p:spPr>
+          <a:xfrm>
+            <a:off x="225888" y="1866900"/>
+            <a:ext cx="6530511" cy="3336683"/>
+          </a:xfrm>
+          <a:prstGeom prst="rect">
+            <a:avLst/>
+          </a:prstGeom>
+        </p:spPr>
+      </p:pic>
+      <p:sp>
+        <p:nvSpPr>
+          <p:cNvPr id="13" name="내용 개체 틀 3">
+            <a:extLst>
+              <a:ext uri="{FF2B5EF4-FFF2-40B4-BE49-F238E27FC236}">
+                <a16:creationId xmlns:a16="http://schemas.microsoft.com/office/drawing/2014/main" id="{006EC26A-B672-4583-9509-15555A2869C8}"/>
+              </a:ext>
+            </a:extLst>
+          </p:cNvPr>
+          <p:cNvSpPr txBox="1">
+            <a:spLocks/>
+          </p:cNvSpPr>
+          <p:nvPr/>
+        </p:nvSpPr>
+        <p:spPr>
+          <a:xfrm>
+            <a:off x="6299200" y="2247900"/>
+            <a:ext cx="3878197" cy="3154404"/>
+          </a:xfrm>
+          <a:prstGeom prst="rect">
+            <a:avLst/>
+          </a:prstGeom>
+        </p:spPr>
+        <p:txBody>
+          <a:bodyPr vert="horz" lIns="0" tIns="0" rIns="0" bIns="0">
+            <a:normAutofit/>
+          </a:bodyPr>
+          <a:lstStyle>
+            <a:lvl1pPr marL="266700" indent="-266700" algn="l" rtl="0" eaLnBrk="1" latinLnBrk="1" hangingPunct="1">
+              <a:spcBef>
+                <a:spcPts val="3000"/>
+              </a:spcBef>
+              <a:buClr>
+                <a:schemeClr val="accent3"/>
+              </a:buClr>
+              <a:buSzPct val="70000"/>
+              <a:buFont typeface="Wingdings" panose="05000000000000000000" pitchFamily="2" charset="2"/>
+              <a:buChar char="v"/>
+              <a:defRPr kumimoji="0" sz="1800" b="1" kern="1200" spc="-70" baseline="0">
+                <a:solidFill>
+                  <a:schemeClr val="tx1"/>
+                </a:solidFill>
+                <a:latin typeface="Times New Roman" panose="02020603050405020304" pitchFamily="18" charset="0"/>
+                <a:ea typeface="맑은 고딕" panose="020B0503020000020004" pitchFamily="50" charset="-127"/>
+                <a:cs typeface="Calibri" panose="020F0502020204030204" pitchFamily="34" charset="0"/>
+              </a:defRPr>
+            </a:lvl1pPr>
+            <a:lvl2pPr marL="450850" indent="-274638" algn="l" rtl="0" eaLnBrk="1" latinLnBrk="1" hangingPunct="1">
+              <a:spcBef>
+                <a:spcPts val="500"/>
+              </a:spcBef>
+              <a:buClr>
+                <a:schemeClr val="accent1"/>
+              </a:buClr>
+              <a:buSzPct val="65000"/>
+              <a:buFont typeface="Wingdings" panose="05000000000000000000" pitchFamily="2" charset="2"/>
+              <a:buChar char="l"/>
+              <a:defRPr kumimoji="0" sz="1600" b="0" kern="1200" baseline="0">
+                <a:solidFill>
+                  <a:schemeClr val="tx2"/>
+                </a:solidFill>
+                <a:latin typeface="Times New Roman" panose="02020603050405020304" pitchFamily="18" charset="0"/>
+                <a:ea typeface="맑은 고딕" panose="020B0503020000020004" pitchFamily="50" charset="-127"/>
+                <a:cs typeface="Calibri" panose="020F0502020204030204" pitchFamily="34" charset="0"/>
+              </a:defRPr>
+            </a:lvl2pPr>
+            <a:lvl3pPr marL="628650" indent="-269875" algn="l" rtl="0" eaLnBrk="1" latinLnBrk="1" hangingPunct="1">
+              <a:spcBef>
+                <a:spcPts val="500"/>
+              </a:spcBef>
+              <a:buClr>
+                <a:schemeClr val="accent5"/>
+              </a:buClr>
+              <a:buSzPct val="65000"/>
+              <a:buFont typeface="Wingdings 3"/>
+              <a:buChar char=""/>
+              <a:defRPr kumimoji="0" sz="1600" b="0" kern="1200" baseline="0">
+                <a:solidFill>
+                  <a:schemeClr val="tx1"/>
+                </a:solidFill>
+                <a:latin typeface="Times New Roman" panose="02020603050405020304" pitchFamily="18" charset="0"/>
+                <a:ea typeface="맑은 고딕" panose="020B0503020000020004" pitchFamily="50" charset="-127"/>
+                <a:cs typeface="Calibri" panose="020F0502020204030204" pitchFamily="34" charset="0"/>
+              </a:defRPr>
+            </a:lvl3pPr>
+            <a:lvl4pPr marL="806450" indent="-268288" algn="l" rtl="0" eaLnBrk="1" latinLnBrk="1" hangingPunct="1">
+              <a:spcBef>
+                <a:spcPts val="500"/>
+              </a:spcBef>
+              <a:buClr>
+                <a:schemeClr val="accent5">
+                  <a:lumMod val="60000"/>
+                  <a:lumOff val="40000"/>
+                </a:schemeClr>
+              </a:buClr>
+              <a:buSzPct val="100000"/>
+              <a:buFont typeface="Wingdings" panose="05000000000000000000" pitchFamily="2" charset="2"/>
+              <a:buChar char="§"/>
+              <a:defRPr kumimoji="0" sz="1600" b="0" kern="1200" baseline="0">
+                <a:solidFill>
+                  <a:schemeClr val="tx1"/>
+                </a:solidFill>
+                <a:latin typeface="Times New Roman" panose="02020603050405020304" pitchFamily="18" charset="0"/>
+                <a:ea typeface="맑은 고딕" panose="020B0503020000020004" pitchFamily="50" charset="-127"/>
+                <a:cs typeface="Calibri" panose="020F0502020204030204" pitchFamily="34" charset="0"/>
+              </a:defRPr>
+            </a:lvl4pPr>
+            <a:lvl5pPr marL="984250" indent="-268288" algn="l" rtl="0" eaLnBrk="1" latinLnBrk="1" hangingPunct="1">
+              <a:spcBef>
+                <a:spcPts val="500"/>
+              </a:spcBef>
+              <a:buClr>
+                <a:schemeClr val="accent2">
+                  <a:lumMod val="50000"/>
+                </a:schemeClr>
+              </a:buClr>
+              <a:buSzPct val="70000"/>
+              <a:buFont typeface="Arial" panose="020B0604020202020204" pitchFamily="34" charset="0"/>
+              <a:buChar char="•"/>
+              <a:defRPr kumimoji="0" sz="1600" b="0" kern="1200" baseline="0">
+                <a:solidFill>
+                  <a:schemeClr val="tx1"/>
+                </a:solidFill>
+                <a:latin typeface="Times New Roman" panose="02020603050405020304" pitchFamily="18" charset="0"/>
+                <a:ea typeface="맑은 고딕" panose="020B0503020000020004" pitchFamily="50" charset="-127"/>
+                <a:cs typeface="Calibri" panose="020F0502020204030204" pitchFamily="34" charset="0"/>
+              </a:defRPr>
+            </a:lvl5pPr>
+            <a:lvl6pPr marL="1168400" indent="-268288" algn="l" rtl="0" eaLnBrk="1" latinLnBrk="1" hangingPunct="1">
+              <a:spcBef>
+                <a:spcPts val="500"/>
+              </a:spcBef>
+              <a:buClr>
+                <a:schemeClr val="accent6"/>
+              </a:buClr>
+              <a:buSzPct val="100000"/>
+              <a:buFont typeface="Times New Roman" panose="02020603050405020304" pitchFamily="18" charset="0"/>
+              <a:buChar char="‣"/>
+              <a:defRPr kumimoji="0" lang="en-US" sz="1600" kern="1200">
+                <a:solidFill>
+                  <a:schemeClr val="tx1"/>
+                </a:solidFill>
+                <a:latin typeface="+mn-lt"/>
+                <a:ea typeface="+mn-ea"/>
+                <a:cs typeface="+mn-cs"/>
+              </a:defRPr>
+            </a:lvl6pPr>
+            <a:lvl7pPr marL="1828580" indent="-182858" algn="l" rtl="0" eaLnBrk="1" latinLnBrk="1" hangingPunct="1">
+              <a:spcBef>
+                <a:spcPts val="300"/>
+              </a:spcBef>
+              <a:buClr>
+                <a:srgbClr val="727CA3">
+                  <a:shade val="75000"/>
+                </a:srgbClr>
+              </a:buClr>
+              <a:buSzPct val="75000"/>
+              <a:buFont typeface="Wingdings 3"/>
+              <a:buChar char=""/>
+              <a:defRPr kumimoji="0" lang="en-US" sz="1400" kern="1200" smtClean="0">
+                <a:solidFill>
+                  <a:schemeClr val="tx1"/>
+                </a:solidFill>
+                <a:latin typeface="+mn-lt"/>
+                <a:ea typeface="+mn-ea"/>
+                <a:cs typeface="+mn-cs"/>
+              </a:defRPr>
+            </a:lvl7pPr>
+            <a:lvl8pPr marL="2011439" indent="-182858" algn="l" rtl="0" eaLnBrk="1" latinLnBrk="1" hangingPunct="1">
+              <a:spcBef>
+                <a:spcPts val="300"/>
+              </a:spcBef>
+              <a:buClr>
+                <a:prstClr val="white">
+                  <a:shade val="50000"/>
+                </a:prstClr>
+              </a:buClr>
+              <a:buSzPct val="75000"/>
+              <a:buFont typeface="Wingdings 3"/>
+              <a:buChar char=""/>
+              <a:defRPr kumimoji="0" lang="en-US" sz="1400" kern="1200" smtClean="0">
+                <a:solidFill>
+                  <a:schemeClr val="tx1"/>
+                </a:solidFill>
+                <a:latin typeface="+mn-lt"/>
+                <a:ea typeface="+mn-ea"/>
+                <a:cs typeface="+mn-cs"/>
+              </a:defRPr>
+            </a:lvl8pPr>
+            <a:lvl9pPr marL="2194297" indent="-182858" algn="l" rtl="0" eaLnBrk="1" latinLnBrk="1" hangingPunct="1">
+              <a:spcBef>
+                <a:spcPts val="300"/>
+              </a:spcBef>
+              <a:buClr>
+                <a:srgbClr val="9FB8CD"/>
+              </a:buClr>
+              <a:buSzPct val="75000"/>
+              <a:buFont typeface="Wingdings 3"/>
+              <a:buChar char=""/>
+              <a:defRPr kumimoji="0" lang="en-US" sz="1200" kern="1200" smtClean="0">
+                <a:solidFill>
+                  <a:schemeClr val="tx1"/>
+                </a:solidFill>
+                <a:latin typeface="+mn-lt"/>
+                <a:ea typeface="+mn-ea"/>
+                <a:cs typeface="+mn-cs"/>
+              </a:defRPr>
+            </a:lvl9pPr>
+          </a:lstStyle>
+          <a:p>
+            <a:pPr lvl="1"/>
+            <a:r>
+              <a:rPr lang="en-US" altLang="ko-KR" dirty="0"/>
+              <a:t>15</a:t>
+            </a:r>
+            <a:r>
+              <a:rPr lang="ko-KR" altLang="en-US" dirty="0"/>
+              <a:t>일선</a:t>
+            </a:r>
+            <a:endParaRPr lang="en-US" altLang="ko-KR" dirty="0"/>
+          </a:p>
+          <a:p>
+            <a:pPr lvl="1"/>
+            <a:r>
+              <a:rPr lang="en-US" altLang="ko-KR" dirty="0"/>
+              <a:t>Parameter</a:t>
+            </a:r>
+            <a:r>
+              <a:rPr lang="ko-KR" altLang="en-US" dirty="0"/>
+              <a:t>는 이전과 동일</a:t>
+            </a:r>
+            <a:endParaRPr lang="en-US" altLang="ko-KR" dirty="0"/>
+          </a:p>
+          <a:p>
+            <a:pPr lvl="1"/>
+            <a:endParaRPr lang="en-US" altLang="ko-KR" dirty="0"/>
+          </a:p>
+          <a:p>
+            <a:pPr lvl="1"/>
+            <a:endParaRPr lang="en-US" altLang="ko-KR" dirty="0"/>
+          </a:p>
+          <a:p>
+            <a:pPr lvl="1"/>
+            <a:endParaRPr lang="en-US" altLang="ko-KR" dirty="0"/>
+          </a:p>
+          <a:p>
+            <a:pPr marL="176212" lvl="1" indent="0">
+              <a:buFont typeface="Wingdings" panose="05000000000000000000" pitchFamily="2" charset="2"/>
+              <a:buNone/>
+            </a:pPr>
+            <a:endParaRPr lang="en-US" altLang="ko-KR" dirty="0"/>
+          </a:p>
+        </p:txBody>
+      </p:sp>
+    </p:spTree>
+    <p:extLst>
+      <p:ext uri="{BB962C8B-B14F-4D97-AF65-F5344CB8AC3E}">
+        <p14:creationId xmlns:p14="http://schemas.microsoft.com/office/powerpoint/2010/main" val="1049445689"/>
+      </p:ext>
+    </p:extLst>
+  </p:cSld>
+  <p:clrMapOvr>
+    <a:masterClrMapping/>
+  </p:clrMapOvr>
+</p:sld>
+</file>
+
+<file path=ppt/slides/slide17.xml><?xml version="1.0" encoding="utf-8"?>
+<p:sld xmlns:a="http://schemas.openxmlformats.org/drawingml/2006/main" xmlns:r="http://schemas.openxmlformats.org/officeDocument/2006/relationships" xmlns:p="http://schemas.openxmlformats.org/presentationml/2006/main">
+  <p:cSld>
+    <p:spTree>
+      <p:nvGrpSpPr>
+        <p:cNvPr id="1" name=""/>
+        <p:cNvGrpSpPr/>
+        <p:nvPr/>
+      </p:nvGrpSpPr>
+      <p:grpSpPr>
+        <a:xfrm>
+          <a:off x="0" y="0"/>
+          <a:ext cx="0" cy="0"/>
+          <a:chOff x="0" y="0"/>
+          <a:chExt cx="0" cy="0"/>
+        </a:xfrm>
+      </p:grpSpPr>
+      <p:sp>
+        <p:nvSpPr>
+          <p:cNvPr id="2" name="제목 1">
+            <a:extLst>
+              <a:ext uri="{FF2B5EF4-FFF2-40B4-BE49-F238E27FC236}">
+                <a16:creationId xmlns:a16="http://schemas.microsoft.com/office/drawing/2014/main" id="{8D6F68CF-6FD2-41A5-8205-552ED88B6888}"/>
+              </a:ext>
+            </a:extLst>
+          </p:cNvPr>
+          <p:cNvSpPr>
+            <a:spLocks noGrp="1"/>
+          </p:cNvSpPr>
+          <p:nvPr>
+            <p:ph type="title"/>
+          </p:nvPr>
+        </p:nvSpPr>
+        <p:spPr/>
+        <p:txBody>
+          <a:bodyPr/>
+          <a:lstStyle/>
+          <a:p>
+            <a:r>
+              <a:rPr lang="en-US" altLang="ko-KR" dirty="0"/>
+              <a:t>Cycle</a:t>
+            </a:r>
+            <a:r>
+              <a:rPr lang="ko-KR" altLang="en-US" dirty="0"/>
+              <a:t> 정의</a:t>
+            </a:r>
+          </a:p>
+        </p:txBody>
+      </p:sp>
+      <p:sp>
+        <p:nvSpPr>
+          <p:cNvPr id="3" name="슬라이드 번호 개체 틀 2">
+            <a:extLst>
+              <a:ext uri="{FF2B5EF4-FFF2-40B4-BE49-F238E27FC236}">
+                <a16:creationId xmlns:a16="http://schemas.microsoft.com/office/drawing/2014/main" id="{993EFEB3-D56C-4388-A869-5BDB662F4C8F}"/>
+              </a:ext>
+            </a:extLst>
+          </p:cNvPr>
+          <p:cNvSpPr>
+            <a:spLocks noGrp="1"/>
+          </p:cNvSpPr>
+          <p:nvPr>
+            <p:ph type="sldNum" sz="quarter" idx="12"/>
+          </p:nvPr>
+        </p:nvSpPr>
+        <p:spPr/>
+        <p:txBody>
+          <a:bodyPr/>
+          <a:lstStyle/>
+          <a:p>
+            <a:fld id="{FE07106B-9139-4E7D-9251-E6A3203F00D4}" type="slidenum">
+              <a:rPr lang="ko-KR" altLang="en-US" smtClean="0"/>
+              <a:pPr/>
+              <a:t>17</a:t>
+            </a:fld>
+            <a:endParaRPr lang="ko-KR" altLang="en-US" dirty="0"/>
+          </a:p>
+        </p:txBody>
+      </p:sp>
+      <p:sp>
+        <p:nvSpPr>
+          <p:cNvPr id="10" name="내용 개체 틀 3">
+            <a:extLst>
+              <a:ext uri="{FF2B5EF4-FFF2-40B4-BE49-F238E27FC236}">
+                <a16:creationId xmlns:a16="http://schemas.microsoft.com/office/drawing/2014/main" id="{336D2DD8-5E94-49CC-9E36-3F0BE504D74E}"/>
+              </a:ext>
+            </a:extLst>
+          </p:cNvPr>
+          <p:cNvSpPr txBox="1">
+            <a:spLocks/>
+          </p:cNvSpPr>
+          <p:nvPr/>
+        </p:nvSpPr>
+        <p:spPr>
+          <a:xfrm>
+            <a:off x="358196" y="903766"/>
+            <a:ext cx="9666801" cy="4346138"/>
+          </a:xfrm>
+          <a:prstGeom prst="rect">
+            <a:avLst/>
+          </a:prstGeom>
+        </p:spPr>
+        <p:txBody>
+          <a:bodyPr vert="horz" lIns="0" tIns="0" rIns="0" bIns="0">
+            <a:normAutofit/>
+          </a:bodyPr>
+          <a:lstStyle>
+            <a:lvl1pPr marL="266700" indent="-266700" algn="l" rtl="0" eaLnBrk="1" latinLnBrk="1" hangingPunct="1">
+              <a:spcBef>
+                <a:spcPts val="3000"/>
+              </a:spcBef>
+              <a:buClr>
+                <a:schemeClr val="accent3"/>
+              </a:buClr>
+              <a:buSzPct val="70000"/>
+              <a:buFont typeface="Wingdings" panose="05000000000000000000" pitchFamily="2" charset="2"/>
+              <a:buChar char="v"/>
+              <a:defRPr kumimoji="0" sz="1800" b="1" kern="1200" spc="-70" baseline="0">
+                <a:solidFill>
+                  <a:schemeClr val="tx1"/>
+                </a:solidFill>
+                <a:latin typeface="Times New Roman" panose="02020603050405020304" pitchFamily="18" charset="0"/>
+                <a:ea typeface="맑은 고딕" panose="020B0503020000020004" pitchFamily="50" charset="-127"/>
+                <a:cs typeface="Calibri" panose="020F0502020204030204" pitchFamily="34" charset="0"/>
+              </a:defRPr>
+            </a:lvl1pPr>
+            <a:lvl2pPr marL="450850" indent="-274638" algn="l" rtl="0" eaLnBrk="1" latinLnBrk="1" hangingPunct="1">
+              <a:spcBef>
+                <a:spcPts val="500"/>
+              </a:spcBef>
+              <a:buClr>
+                <a:schemeClr val="accent1"/>
+              </a:buClr>
+              <a:buSzPct val="65000"/>
+              <a:buFont typeface="Wingdings" panose="05000000000000000000" pitchFamily="2" charset="2"/>
+              <a:buChar char="l"/>
+              <a:defRPr kumimoji="0" sz="1600" b="0" kern="1200" baseline="0">
+                <a:solidFill>
+                  <a:schemeClr val="tx2"/>
+                </a:solidFill>
+                <a:latin typeface="Times New Roman" panose="02020603050405020304" pitchFamily="18" charset="0"/>
+                <a:ea typeface="맑은 고딕" panose="020B0503020000020004" pitchFamily="50" charset="-127"/>
+                <a:cs typeface="Calibri" panose="020F0502020204030204" pitchFamily="34" charset="0"/>
+              </a:defRPr>
+            </a:lvl2pPr>
+            <a:lvl3pPr marL="628650" indent="-269875" algn="l" rtl="0" eaLnBrk="1" latinLnBrk="1" hangingPunct="1">
+              <a:spcBef>
+                <a:spcPts val="500"/>
+              </a:spcBef>
+              <a:buClr>
+                <a:schemeClr val="accent5"/>
+              </a:buClr>
+              <a:buSzPct val="65000"/>
+              <a:buFont typeface="Wingdings 3"/>
+              <a:buChar char=""/>
+              <a:defRPr kumimoji="0" sz="1600" b="0" kern="1200" baseline="0">
+                <a:solidFill>
+                  <a:schemeClr val="tx1"/>
+                </a:solidFill>
+                <a:latin typeface="Times New Roman" panose="02020603050405020304" pitchFamily="18" charset="0"/>
+                <a:ea typeface="맑은 고딕" panose="020B0503020000020004" pitchFamily="50" charset="-127"/>
+                <a:cs typeface="Calibri" panose="020F0502020204030204" pitchFamily="34" charset="0"/>
+              </a:defRPr>
+            </a:lvl3pPr>
+            <a:lvl4pPr marL="806450" indent="-268288" algn="l" rtl="0" eaLnBrk="1" latinLnBrk="1" hangingPunct="1">
+              <a:spcBef>
+                <a:spcPts val="500"/>
+              </a:spcBef>
+              <a:buClr>
+                <a:schemeClr val="accent5">
+                  <a:lumMod val="60000"/>
+                  <a:lumOff val="40000"/>
+                </a:schemeClr>
+              </a:buClr>
+              <a:buSzPct val="100000"/>
+              <a:buFont typeface="Wingdings" panose="05000000000000000000" pitchFamily="2" charset="2"/>
+              <a:buChar char="§"/>
+              <a:defRPr kumimoji="0" sz="1600" b="0" kern="1200" baseline="0">
+                <a:solidFill>
+                  <a:schemeClr val="tx1"/>
+                </a:solidFill>
+                <a:latin typeface="Times New Roman" panose="02020603050405020304" pitchFamily="18" charset="0"/>
+                <a:ea typeface="맑은 고딕" panose="020B0503020000020004" pitchFamily="50" charset="-127"/>
+                <a:cs typeface="Calibri" panose="020F0502020204030204" pitchFamily="34" charset="0"/>
+              </a:defRPr>
+            </a:lvl4pPr>
+            <a:lvl5pPr marL="984250" indent="-268288" algn="l" rtl="0" eaLnBrk="1" latinLnBrk="1" hangingPunct="1">
+              <a:spcBef>
+                <a:spcPts val="500"/>
+              </a:spcBef>
+              <a:buClr>
+                <a:schemeClr val="accent2">
+                  <a:lumMod val="50000"/>
+                </a:schemeClr>
+              </a:buClr>
+              <a:buSzPct val="70000"/>
+              <a:buFont typeface="Arial" panose="020B0604020202020204" pitchFamily="34" charset="0"/>
+              <a:buChar char="•"/>
+              <a:defRPr kumimoji="0" sz="1600" b="0" kern="1200" baseline="0">
+                <a:solidFill>
+                  <a:schemeClr val="tx1"/>
+                </a:solidFill>
+                <a:latin typeface="Times New Roman" panose="02020603050405020304" pitchFamily="18" charset="0"/>
+                <a:ea typeface="맑은 고딕" panose="020B0503020000020004" pitchFamily="50" charset="-127"/>
+                <a:cs typeface="Calibri" panose="020F0502020204030204" pitchFamily="34" charset="0"/>
+              </a:defRPr>
+            </a:lvl5pPr>
+            <a:lvl6pPr marL="1168400" indent="-268288" algn="l" rtl="0" eaLnBrk="1" latinLnBrk="1" hangingPunct="1">
+              <a:spcBef>
+                <a:spcPts val="500"/>
+              </a:spcBef>
+              <a:buClr>
+                <a:schemeClr val="accent6"/>
+              </a:buClr>
+              <a:buSzPct val="100000"/>
+              <a:buFont typeface="Times New Roman" panose="02020603050405020304" pitchFamily="18" charset="0"/>
+              <a:buChar char="‣"/>
+              <a:defRPr kumimoji="0" lang="en-US" sz="1600" kern="1200">
+                <a:solidFill>
+                  <a:schemeClr val="tx1"/>
+                </a:solidFill>
+                <a:latin typeface="+mn-lt"/>
+                <a:ea typeface="+mn-ea"/>
+                <a:cs typeface="+mn-cs"/>
+              </a:defRPr>
+            </a:lvl6pPr>
+            <a:lvl7pPr marL="1828580" indent="-182858" algn="l" rtl="0" eaLnBrk="1" latinLnBrk="1" hangingPunct="1">
+              <a:spcBef>
+                <a:spcPts val="300"/>
+              </a:spcBef>
+              <a:buClr>
+                <a:srgbClr val="727CA3">
+                  <a:shade val="75000"/>
+                </a:srgbClr>
+              </a:buClr>
+              <a:buSzPct val="75000"/>
+              <a:buFont typeface="Wingdings 3"/>
+              <a:buChar char=""/>
+              <a:defRPr kumimoji="0" lang="en-US" sz="1400" kern="1200" smtClean="0">
+                <a:solidFill>
+                  <a:schemeClr val="tx1"/>
+                </a:solidFill>
+                <a:latin typeface="+mn-lt"/>
+                <a:ea typeface="+mn-ea"/>
+                <a:cs typeface="+mn-cs"/>
+              </a:defRPr>
+            </a:lvl7pPr>
+            <a:lvl8pPr marL="2011439" indent="-182858" algn="l" rtl="0" eaLnBrk="1" latinLnBrk="1" hangingPunct="1">
+              <a:spcBef>
+                <a:spcPts val="300"/>
+              </a:spcBef>
+              <a:buClr>
+                <a:prstClr val="white">
+                  <a:shade val="50000"/>
+                </a:prstClr>
+              </a:buClr>
+              <a:buSzPct val="75000"/>
+              <a:buFont typeface="Wingdings 3"/>
+              <a:buChar char=""/>
+              <a:defRPr kumimoji="0" lang="en-US" sz="1400" kern="1200" smtClean="0">
+                <a:solidFill>
+                  <a:schemeClr val="tx1"/>
+                </a:solidFill>
+                <a:latin typeface="+mn-lt"/>
+                <a:ea typeface="+mn-ea"/>
+                <a:cs typeface="+mn-cs"/>
+              </a:defRPr>
+            </a:lvl8pPr>
+            <a:lvl9pPr marL="2194297" indent="-182858" algn="l" rtl="0" eaLnBrk="1" latinLnBrk="1" hangingPunct="1">
+              <a:spcBef>
+                <a:spcPts val="300"/>
+              </a:spcBef>
+              <a:buClr>
+                <a:srgbClr val="9FB8CD"/>
+              </a:buClr>
+              <a:buSzPct val="75000"/>
+              <a:buFont typeface="Wingdings 3"/>
+              <a:buChar char=""/>
+              <a:defRPr kumimoji="0" lang="en-US" sz="1200" kern="1200" smtClean="0">
+                <a:solidFill>
+                  <a:schemeClr val="tx1"/>
+                </a:solidFill>
+                <a:latin typeface="+mn-lt"/>
+                <a:ea typeface="+mn-ea"/>
+                <a:cs typeface="+mn-cs"/>
+              </a:defRPr>
+            </a:lvl9pPr>
+          </a:lstStyle>
+          <a:p>
+            <a:r>
+              <a:rPr lang="ko-KR" altLang="en-US" dirty="0"/>
+              <a:t>다른 종목들의 결과값</a:t>
+            </a:r>
+            <a:endParaRPr lang="en-US" altLang="ko-KR" dirty="0"/>
+          </a:p>
+          <a:p>
+            <a:pPr lvl="1"/>
+            <a:r>
+              <a:rPr lang="ko-KR" altLang="en-US" dirty="0" err="1"/>
+              <a:t>수소차</a:t>
+            </a:r>
+            <a:r>
+              <a:rPr lang="en-US" altLang="ko-KR" dirty="0"/>
+              <a:t> </a:t>
+            </a:r>
+            <a:r>
+              <a:rPr lang="ko-KR" altLang="en-US" dirty="0"/>
+              <a:t>테마주의 그래프(</a:t>
+            </a:r>
+            <a:r>
+              <a:rPr lang="en-US" altLang="ko-KR" dirty="0"/>
+              <a:t>2016. 1. 1 ~ 2020. 10. 1)</a:t>
+            </a:r>
+          </a:p>
+          <a:p>
+            <a:pPr lvl="1"/>
+            <a:endParaRPr lang="en-US" altLang="ko-KR" dirty="0"/>
+          </a:p>
+          <a:p>
+            <a:pPr lvl="1"/>
+            <a:endParaRPr lang="en-US" altLang="ko-KR" dirty="0"/>
+          </a:p>
+          <a:p>
+            <a:pPr lvl="1"/>
+            <a:endParaRPr lang="en-US" altLang="ko-KR" dirty="0"/>
+          </a:p>
+          <a:p>
+            <a:pPr marL="176212" lvl="1" indent="0">
+              <a:buFont typeface="Wingdings" panose="05000000000000000000" pitchFamily="2" charset="2"/>
+              <a:buNone/>
+            </a:pPr>
+            <a:endParaRPr lang="en-US" altLang="ko-KR" dirty="0"/>
+          </a:p>
+        </p:txBody>
+      </p:sp>
+      <p:sp>
+        <p:nvSpPr>
+          <p:cNvPr id="13" name="내용 개체 틀 3">
+            <a:extLst>
+              <a:ext uri="{FF2B5EF4-FFF2-40B4-BE49-F238E27FC236}">
+                <a16:creationId xmlns:a16="http://schemas.microsoft.com/office/drawing/2014/main" id="{006EC26A-B672-4583-9509-15555A2869C8}"/>
+              </a:ext>
+            </a:extLst>
+          </p:cNvPr>
+          <p:cNvSpPr txBox="1">
+            <a:spLocks/>
+          </p:cNvSpPr>
+          <p:nvPr/>
+        </p:nvSpPr>
+        <p:spPr>
+          <a:xfrm>
+            <a:off x="6026216" y="2171700"/>
+            <a:ext cx="3878197" cy="3154404"/>
+          </a:xfrm>
+          <a:prstGeom prst="rect">
+            <a:avLst/>
+          </a:prstGeom>
+        </p:spPr>
+        <p:txBody>
+          <a:bodyPr vert="horz" lIns="0" tIns="0" rIns="0" bIns="0">
+            <a:normAutofit/>
+          </a:bodyPr>
+          <a:lstStyle>
+            <a:lvl1pPr marL="266700" indent="-266700" algn="l" rtl="0" eaLnBrk="1" latinLnBrk="1" hangingPunct="1">
+              <a:spcBef>
+                <a:spcPts val="3000"/>
+              </a:spcBef>
+              <a:buClr>
+                <a:schemeClr val="accent3"/>
+              </a:buClr>
+              <a:buSzPct val="70000"/>
+              <a:buFont typeface="Wingdings" panose="05000000000000000000" pitchFamily="2" charset="2"/>
+              <a:buChar char="v"/>
+              <a:defRPr kumimoji="0" sz="1800" b="1" kern="1200" spc="-70" baseline="0">
+                <a:solidFill>
+                  <a:schemeClr val="tx1"/>
+                </a:solidFill>
+                <a:latin typeface="Times New Roman" panose="02020603050405020304" pitchFamily="18" charset="0"/>
+                <a:ea typeface="맑은 고딕" panose="020B0503020000020004" pitchFamily="50" charset="-127"/>
+                <a:cs typeface="Calibri" panose="020F0502020204030204" pitchFamily="34" charset="0"/>
+              </a:defRPr>
+            </a:lvl1pPr>
+            <a:lvl2pPr marL="450850" indent="-274638" algn="l" rtl="0" eaLnBrk="1" latinLnBrk="1" hangingPunct="1">
+              <a:spcBef>
+                <a:spcPts val="500"/>
+              </a:spcBef>
+              <a:buClr>
+                <a:schemeClr val="accent1"/>
+              </a:buClr>
+              <a:buSzPct val="65000"/>
+              <a:buFont typeface="Wingdings" panose="05000000000000000000" pitchFamily="2" charset="2"/>
+              <a:buChar char="l"/>
+              <a:defRPr kumimoji="0" sz="1600" b="0" kern="1200" baseline="0">
+                <a:solidFill>
+                  <a:schemeClr val="tx2"/>
+                </a:solidFill>
+                <a:latin typeface="Times New Roman" panose="02020603050405020304" pitchFamily="18" charset="0"/>
+                <a:ea typeface="맑은 고딕" panose="020B0503020000020004" pitchFamily="50" charset="-127"/>
+                <a:cs typeface="Calibri" panose="020F0502020204030204" pitchFamily="34" charset="0"/>
+              </a:defRPr>
+            </a:lvl2pPr>
+            <a:lvl3pPr marL="628650" indent="-269875" algn="l" rtl="0" eaLnBrk="1" latinLnBrk="1" hangingPunct="1">
+              <a:spcBef>
+                <a:spcPts val="500"/>
+              </a:spcBef>
+              <a:buClr>
+                <a:schemeClr val="accent5"/>
+              </a:buClr>
+              <a:buSzPct val="65000"/>
+              <a:buFont typeface="Wingdings 3"/>
+              <a:buChar char=""/>
+              <a:defRPr kumimoji="0" sz="1600" b="0" kern="1200" baseline="0">
+                <a:solidFill>
+                  <a:schemeClr val="tx1"/>
+                </a:solidFill>
+                <a:latin typeface="Times New Roman" panose="02020603050405020304" pitchFamily="18" charset="0"/>
+                <a:ea typeface="맑은 고딕" panose="020B0503020000020004" pitchFamily="50" charset="-127"/>
+                <a:cs typeface="Calibri" panose="020F0502020204030204" pitchFamily="34" charset="0"/>
+              </a:defRPr>
+            </a:lvl3pPr>
+            <a:lvl4pPr marL="806450" indent="-268288" algn="l" rtl="0" eaLnBrk="1" latinLnBrk="1" hangingPunct="1">
+              <a:spcBef>
+                <a:spcPts val="500"/>
+              </a:spcBef>
+              <a:buClr>
+                <a:schemeClr val="accent5">
+                  <a:lumMod val="60000"/>
+                  <a:lumOff val="40000"/>
+                </a:schemeClr>
+              </a:buClr>
+              <a:buSzPct val="100000"/>
+              <a:buFont typeface="Wingdings" panose="05000000000000000000" pitchFamily="2" charset="2"/>
+              <a:buChar char="§"/>
+              <a:defRPr kumimoji="0" sz="1600" b="0" kern="1200" baseline="0">
+                <a:solidFill>
+                  <a:schemeClr val="tx1"/>
+                </a:solidFill>
+                <a:latin typeface="Times New Roman" panose="02020603050405020304" pitchFamily="18" charset="0"/>
+                <a:ea typeface="맑은 고딕" panose="020B0503020000020004" pitchFamily="50" charset="-127"/>
+                <a:cs typeface="Calibri" panose="020F0502020204030204" pitchFamily="34" charset="0"/>
+              </a:defRPr>
+            </a:lvl4pPr>
+            <a:lvl5pPr marL="984250" indent="-268288" algn="l" rtl="0" eaLnBrk="1" latinLnBrk="1" hangingPunct="1">
+              <a:spcBef>
+                <a:spcPts val="500"/>
+              </a:spcBef>
+              <a:buClr>
+                <a:schemeClr val="accent2">
+                  <a:lumMod val="50000"/>
+                </a:schemeClr>
+              </a:buClr>
+              <a:buSzPct val="70000"/>
+              <a:buFont typeface="Arial" panose="020B0604020202020204" pitchFamily="34" charset="0"/>
+              <a:buChar char="•"/>
+              <a:defRPr kumimoji="0" sz="1600" b="0" kern="1200" baseline="0">
+                <a:solidFill>
+                  <a:schemeClr val="tx1"/>
+                </a:solidFill>
+                <a:latin typeface="Times New Roman" panose="02020603050405020304" pitchFamily="18" charset="0"/>
+                <a:ea typeface="맑은 고딕" panose="020B0503020000020004" pitchFamily="50" charset="-127"/>
+                <a:cs typeface="Calibri" panose="020F0502020204030204" pitchFamily="34" charset="0"/>
+              </a:defRPr>
+            </a:lvl5pPr>
+            <a:lvl6pPr marL="1168400" indent="-268288" algn="l" rtl="0" eaLnBrk="1" latinLnBrk="1" hangingPunct="1">
+              <a:spcBef>
+                <a:spcPts val="500"/>
+              </a:spcBef>
+              <a:buClr>
+                <a:schemeClr val="accent6"/>
+              </a:buClr>
+              <a:buSzPct val="100000"/>
+              <a:buFont typeface="Times New Roman" panose="02020603050405020304" pitchFamily="18" charset="0"/>
+              <a:buChar char="‣"/>
+              <a:defRPr kumimoji="0" lang="en-US" sz="1600" kern="1200">
+                <a:solidFill>
+                  <a:schemeClr val="tx1"/>
+                </a:solidFill>
+                <a:latin typeface="+mn-lt"/>
+                <a:ea typeface="+mn-ea"/>
+                <a:cs typeface="+mn-cs"/>
+              </a:defRPr>
+            </a:lvl6pPr>
+            <a:lvl7pPr marL="1828580" indent="-182858" algn="l" rtl="0" eaLnBrk="1" latinLnBrk="1" hangingPunct="1">
+              <a:spcBef>
+                <a:spcPts val="300"/>
+              </a:spcBef>
+              <a:buClr>
+                <a:srgbClr val="727CA3">
+                  <a:shade val="75000"/>
+                </a:srgbClr>
+              </a:buClr>
+              <a:buSzPct val="75000"/>
+              <a:buFont typeface="Wingdings 3"/>
+              <a:buChar char=""/>
+              <a:defRPr kumimoji="0" lang="en-US" sz="1400" kern="1200" smtClean="0">
+                <a:solidFill>
+                  <a:schemeClr val="tx1"/>
+                </a:solidFill>
+                <a:latin typeface="+mn-lt"/>
+                <a:ea typeface="+mn-ea"/>
+                <a:cs typeface="+mn-cs"/>
+              </a:defRPr>
+            </a:lvl7pPr>
+            <a:lvl8pPr marL="2011439" indent="-182858" algn="l" rtl="0" eaLnBrk="1" latinLnBrk="1" hangingPunct="1">
+              <a:spcBef>
+                <a:spcPts val="300"/>
+              </a:spcBef>
+              <a:buClr>
+                <a:prstClr val="white">
+                  <a:shade val="50000"/>
+                </a:prstClr>
+              </a:buClr>
+              <a:buSzPct val="75000"/>
+              <a:buFont typeface="Wingdings 3"/>
+              <a:buChar char=""/>
+              <a:defRPr kumimoji="0" lang="en-US" sz="1400" kern="1200" smtClean="0">
+                <a:solidFill>
+                  <a:schemeClr val="tx1"/>
+                </a:solidFill>
+                <a:latin typeface="+mn-lt"/>
+                <a:ea typeface="+mn-ea"/>
+                <a:cs typeface="+mn-cs"/>
+              </a:defRPr>
+            </a:lvl8pPr>
+            <a:lvl9pPr marL="2194297" indent="-182858" algn="l" rtl="0" eaLnBrk="1" latinLnBrk="1" hangingPunct="1">
+              <a:spcBef>
+                <a:spcPts val="300"/>
+              </a:spcBef>
+              <a:buClr>
+                <a:srgbClr val="9FB8CD"/>
+              </a:buClr>
+              <a:buSzPct val="75000"/>
+              <a:buFont typeface="Wingdings 3"/>
+              <a:buChar char=""/>
+              <a:defRPr kumimoji="0" lang="en-US" sz="1200" kern="1200" smtClean="0">
+                <a:solidFill>
+                  <a:schemeClr val="tx1"/>
+                </a:solidFill>
+                <a:latin typeface="+mn-lt"/>
+                <a:ea typeface="+mn-ea"/>
+                <a:cs typeface="+mn-cs"/>
+              </a:defRPr>
+            </a:lvl9pPr>
+          </a:lstStyle>
+          <a:p>
+            <a:pPr lvl="1"/>
+            <a:r>
+              <a:rPr lang="en-US" altLang="ko-KR" dirty="0"/>
+              <a:t>15</a:t>
+            </a:r>
+            <a:r>
+              <a:rPr lang="ko-KR" altLang="en-US" dirty="0"/>
+              <a:t>일선</a:t>
+            </a:r>
+            <a:endParaRPr lang="en-US" altLang="ko-KR" dirty="0"/>
+          </a:p>
+          <a:p>
+            <a:pPr lvl="1"/>
+            <a:r>
+              <a:rPr lang="en-US" altLang="ko-KR" dirty="0"/>
+              <a:t>Parameter</a:t>
+            </a:r>
+            <a:r>
+              <a:rPr lang="ko-KR" altLang="en-US" dirty="0"/>
+              <a:t>는 이전과 동일</a:t>
+            </a:r>
+            <a:endParaRPr lang="en-US" altLang="ko-KR" dirty="0"/>
+          </a:p>
+          <a:p>
+            <a:pPr lvl="1"/>
+            <a:endParaRPr lang="en-US" altLang="ko-KR" dirty="0"/>
+          </a:p>
+          <a:p>
+            <a:pPr lvl="1"/>
+            <a:endParaRPr lang="en-US" altLang="ko-KR" dirty="0"/>
+          </a:p>
+          <a:p>
+            <a:pPr lvl="1"/>
+            <a:endParaRPr lang="en-US" altLang="ko-KR" dirty="0"/>
+          </a:p>
+          <a:p>
+            <a:pPr marL="176212" lvl="1" indent="0">
+              <a:buFont typeface="Wingdings" panose="05000000000000000000" pitchFamily="2" charset="2"/>
+              <a:buNone/>
+            </a:pPr>
+            <a:endParaRPr lang="en-US" altLang="ko-KR" dirty="0"/>
+          </a:p>
+        </p:txBody>
+      </p:sp>
+      <p:pic>
+        <p:nvPicPr>
+          <p:cNvPr id="5" name="그림 4">
+            <a:extLst>
+              <a:ext uri="{FF2B5EF4-FFF2-40B4-BE49-F238E27FC236}">
+                <a16:creationId xmlns:a16="http://schemas.microsoft.com/office/drawing/2014/main" id="{C9FA7382-F03F-4046-9CEB-2A1F5919BEE6}"/>
+              </a:ext>
+            </a:extLst>
+          </p:cNvPr>
+          <p:cNvPicPr>
+            <a:picLocks noChangeAspect="1"/>
+          </p:cNvPicPr>
+          <p:nvPr/>
+        </p:nvPicPr>
+        <p:blipFill>
+          <a:blip r:embed="rId2">
+            <a:extLst>
+              <a:ext uri="{28A0092B-C50C-407E-A947-70E740481C1C}">
+                <a14:useLocalDpi xmlns:a14="http://schemas.microsoft.com/office/drawing/2010/main" val="0"/>
+              </a:ext>
+            </a:extLst>
+          </a:blip>
+          <a:stretch>
+            <a:fillRect/>
+          </a:stretch>
+        </p:blipFill>
+        <p:spPr>
+          <a:xfrm>
+            <a:off x="22838" y="1790700"/>
+            <a:ext cx="6123962" cy="3128962"/>
+          </a:xfrm>
+          <a:prstGeom prst="rect">
+            <a:avLst/>
+          </a:prstGeom>
+        </p:spPr>
+      </p:pic>
+    </p:spTree>
+    <p:extLst>
+      <p:ext uri="{BB962C8B-B14F-4D97-AF65-F5344CB8AC3E}">
+        <p14:creationId xmlns:p14="http://schemas.microsoft.com/office/powerpoint/2010/main" val="392594293"/>
+      </p:ext>
+    </p:extLst>
+  </p:cSld>
+  <p:clrMapOvr>
+    <a:masterClrMapping/>
+  </p:clrMapOvr>
+</p:sld>
+</file>
+
+<file path=ppt/slides/slide18.xml><?xml version="1.0" encoding="utf-8"?>
+<p:sld xmlns:a="http://schemas.openxmlformats.org/drawingml/2006/main" xmlns:r="http://schemas.openxmlformats.org/officeDocument/2006/relationships" xmlns:p="http://schemas.openxmlformats.org/presentationml/2006/main">
+  <p:cSld>
+    <p:spTree>
+      <p:nvGrpSpPr>
+        <p:cNvPr id="1" name=""/>
+        <p:cNvGrpSpPr/>
+        <p:nvPr/>
+      </p:nvGrpSpPr>
+      <p:grpSpPr>
+        <a:xfrm>
+          <a:off x="0" y="0"/>
+          <a:ext cx="0" cy="0"/>
+          <a:chOff x="0" y="0"/>
+          <a:chExt cx="0" cy="0"/>
+        </a:xfrm>
+      </p:grpSpPr>
+      <p:sp>
+        <p:nvSpPr>
+          <p:cNvPr id="2" name="제목 1">
+            <a:extLst>
+              <a:ext uri="{FF2B5EF4-FFF2-40B4-BE49-F238E27FC236}">
+                <a16:creationId xmlns:a16="http://schemas.microsoft.com/office/drawing/2014/main" id="{8D6F68CF-6FD2-41A5-8205-552ED88B6888}"/>
+              </a:ext>
+            </a:extLst>
+          </p:cNvPr>
+          <p:cNvSpPr>
+            <a:spLocks noGrp="1"/>
+          </p:cNvSpPr>
+          <p:nvPr>
+            <p:ph type="title"/>
+          </p:nvPr>
+        </p:nvSpPr>
+        <p:spPr/>
+        <p:txBody>
+          <a:bodyPr/>
+          <a:lstStyle/>
+          <a:p>
+            <a:r>
+              <a:rPr lang="ko-KR" altLang="en-US" dirty="0"/>
+              <a:t>종목 별 </a:t>
+            </a:r>
+            <a:r>
+              <a:rPr lang="en-US" altLang="ko-KR" dirty="0"/>
+              <a:t>rank </a:t>
+            </a:r>
+            <a:r>
+              <a:rPr lang="ko-KR" altLang="en-US" dirty="0"/>
+              <a:t>및 다음 </a:t>
+            </a:r>
+            <a:r>
+              <a:rPr lang="en-US" altLang="ko-KR" dirty="0"/>
+              <a:t>cycle </a:t>
+            </a:r>
+            <a:r>
+              <a:rPr lang="ko-KR" altLang="en-US" dirty="0"/>
+              <a:t>예측</a:t>
+            </a:r>
+          </a:p>
+        </p:txBody>
+      </p:sp>
+      <p:sp>
+        <p:nvSpPr>
+          <p:cNvPr id="3" name="슬라이드 번호 개체 틀 2">
+            <a:extLst>
+              <a:ext uri="{FF2B5EF4-FFF2-40B4-BE49-F238E27FC236}">
+                <a16:creationId xmlns:a16="http://schemas.microsoft.com/office/drawing/2014/main" id="{993EFEB3-D56C-4388-A869-5BDB662F4C8F}"/>
+              </a:ext>
+            </a:extLst>
+          </p:cNvPr>
+          <p:cNvSpPr>
+            <a:spLocks noGrp="1"/>
+          </p:cNvSpPr>
+          <p:nvPr>
+            <p:ph type="sldNum" sz="quarter" idx="12"/>
+          </p:nvPr>
+        </p:nvSpPr>
+        <p:spPr/>
+        <p:txBody>
+          <a:bodyPr/>
+          <a:lstStyle/>
+          <a:p>
+            <a:fld id="{FE07106B-9139-4E7D-9251-E6A3203F00D4}" type="slidenum">
+              <a:rPr lang="ko-KR" altLang="en-US" smtClean="0"/>
+              <a:pPr/>
+              <a:t>18</a:t>
             </a:fld>
             <a:endParaRPr lang="ko-KR" altLang="en-US" dirty="0"/>
           </a:p>

--- a/현황.pptx
+++ b/현황.pptx
@@ -5,10 +5,10 @@
     <p:sldMasterId id="2147483660" r:id="rId1"/>
   </p:sldMasterIdLst>
   <p:notesMasterIdLst>
-    <p:notesMasterId r:id="rId20"/>
+    <p:notesMasterId r:id="rId21"/>
   </p:notesMasterIdLst>
   <p:handoutMasterIdLst>
-    <p:handoutMasterId r:id="rId21"/>
+    <p:handoutMasterId r:id="rId22"/>
   </p:handoutMasterIdLst>
   <p:sldIdLst>
     <p:sldId id="261" r:id="rId2"/>
@@ -28,7 +28,8 @@
     <p:sldId id="288" r:id="rId16"/>
     <p:sldId id="286" r:id="rId17"/>
     <p:sldId id="287" r:id="rId18"/>
-    <p:sldId id="273" r:id="rId19"/>
+    <p:sldId id="289" r:id="rId19"/>
+    <p:sldId id="273" r:id="rId20"/>
   </p:sldIdLst>
   <p:sldSz cx="10160000" cy="5715000"/>
   <p:notesSz cx="6735763" cy="9866313"/>
@@ -266,7 +267,7 @@
           <a:p>
             <a:fld id="{63392E0B-5CE5-4FC8-9D1C-1E8A2F57AC48}" type="datetimeFigureOut">
               <a:rPr lang="ko-KR" altLang="en-US" smtClean="0"/>
-              <a:t>2020-10-28</a:t>
+              <a:t>2020-11-06</a:t>
             </a:fld>
             <a:endParaRPr lang="ko-KR" altLang="en-US"/>
           </a:p>
@@ -444,7 +445,7 @@
             <a:fld id="{01A1901C-D79B-4BFB-BBC4-D9BF7A97245F}" type="datetimeFigureOut">
               <a:rPr lang="ko-KR" altLang="en-US" smtClean="0"/>
               <a:pPr/>
-              <a:t>2020-10-28</a:t>
+              <a:t>2020-11-06</a:t>
             </a:fld>
             <a:endParaRPr lang="ko-KR" altLang="en-US"/>
           </a:p>
@@ -1679,7 +1680,7 @@
           <a:p>
             <a:fld id="{C530DBA3-E3E4-40D1-90CC-DD4F14F82D2B}" type="datetime5">
               <a:rPr lang="ko-KR" altLang="en-US" smtClean="0"/>
-              <a:t>2020/10/28</a:t>
+              <a:t>2020/11/6</a:t>
             </a:fld>
             <a:endParaRPr lang="ko-KR" altLang="en-US" dirty="0"/>
           </a:p>
@@ -6849,24 +6850,12 @@
           <a:lstStyle/>
           <a:p>
             <a:r>
+              <a:rPr lang="en-US" altLang="ko-KR" dirty="0"/>
+              <a:t>Cycle</a:t>
+            </a:r>
+            <a:r>
               <a:rPr lang="ko-KR" altLang="en-US" dirty="0"/>
-              <a:t>종목 별 </a:t>
-            </a:r>
-            <a:r>
-              <a:rPr lang="en-US" altLang="ko-KR" dirty="0"/>
-              <a:t>rank </a:t>
-            </a:r>
-            <a:r>
-              <a:rPr lang="ko-KR" altLang="en-US" dirty="0"/>
-              <a:t>및 다음 </a:t>
-            </a:r>
-            <a:r>
-              <a:rPr lang="en-US" altLang="ko-KR" dirty="0"/>
-              <a:t>cycle </a:t>
-            </a:r>
-            <a:r>
-              <a:rPr lang="ko-KR" altLang="en-US" dirty="0"/>
-              <a:t>예측</a:t>
+              <a:t> 정의</a:t>
             </a:r>
           </a:p>
         </p:txBody>
@@ -6896,6 +6885,639 @@
               <a:rPr lang="ko-KR" altLang="en-US" smtClean="0"/>
               <a:pPr/>
               <a:t>18</a:t>
+            </a:fld>
+            <a:endParaRPr lang="ko-KR" altLang="en-US" dirty="0"/>
+          </a:p>
+        </p:txBody>
+      </p:sp>
+      <p:sp>
+        <p:nvSpPr>
+          <p:cNvPr id="10" name="내용 개체 틀 3">
+            <a:extLst>
+              <a:ext uri="{FF2B5EF4-FFF2-40B4-BE49-F238E27FC236}">
+                <a16:creationId xmlns:a16="http://schemas.microsoft.com/office/drawing/2014/main" id="{336D2DD8-5E94-49CC-9E36-3F0BE504D74E}"/>
+              </a:ext>
+            </a:extLst>
+          </p:cNvPr>
+          <p:cNvSpPr txBox="1">
+            <a:spLocks/>
+          </p:cNvSpPr>
+          <p:nvPr/>
+        </p:nvSpPr>
+        <p:spPr>
+          <a:xfrm>
+            <a:off x="358196" y="903766"/>
+            <a:ext cx="9666801" cy="4346138"/>
+          </a:xfrm>
+          <a:prstGeom prst="rect">
+            <a:avLst/>
+          </a:prstGeom>
+        </p:spPr>
+        <p:txBody>
+          <a:bodyPr vert="horz" lIns="0" tIns="0" rIns="0" bIns="0">
+            <a:normAutofit/>
+          </a:bodyPr>
+          <a:lstStyle>
+            <a:lvl1pPr marL="266700" indent="-266700" algn="l" rtl="0" eaLnBrk="1" latinLnBrk="1" hangingPunct="1">
+              <a:spcBef>
+                <a:spcPts val="3000"/>
+              </a:spcBef>
+              <a:buClr>
+                <a:schemeClr val="accent3"/>
+              </a:buClr>
+              <a:buSzPct val="70000"/>
+              <a:buFont typeface="Wingdings" panose="05000000000000000000" pitchFamily="2" charset="2"/>
+              <a:buChar char="v"/>
+              <a:defRPr kumimoji="0" sz="1800" b="1" kern="1200" spc="-70" baseline="0">
+                <a:solidFill>
+                  <a:schemeClr val="tx1"/>
+                </a:solidFill>
+                <a:latin typeface="Times New Roman" panose="02020603050405020304" pitchFamily="18" charset="0"/>
+                <a:ea typeface="맑은 고딕" panose="020B0503020000020004" pitchFamily="50" charset="-127"/>
+                <a:cs typeface="Calibri" panose="020F0502020204030204" pitchFamily="34" charset="0"/>
+              </a:defRPr>
+            </a:lvl1pPr>
+            <a:lvl2pPr marL="450850" indent="-274638" algn="l" rtl="0" eaLnBrk="1" latinLnBrk="1" hangingPunct="1">
+              <a:spcBef>
+                <a:spcPts val="500"/>
+              </a:spcBef>
+              <a:buClr>
+                <a:schemeClr val="accent1"/>
+              </a:buClr>
+              <a:buSzPct val="65000"/>
+              <a:buFont typeface="Wingdings" panose="05000000000000000000" pitchFamily="2" charset="2"/>
+              <a:buChar char="l"/>
+              <a:defRPr kumimoji="0" sz="1600" b="0" kern="1200" baseline="0">
+                <a:solidFill>
+                  <a:schemeClr val="tx2"/>
+                </a:solidFill>
+                <a:latin typeface="Times New Roman" panose="02020603050405020304" pitchFamily="18" charset="0"/>
+                <a:ea typeface="맑은 고딕" panose="020B0503020000020004" pitchFamily="50" charset="-127"/>
+                <a:cs typeface="Calibri" panose="020F0502020204030204" pitchFamily="34" charset="0"/>
+              </a:defRPr>
+            </a:lvl2pPr>
+            <a:lvl3pPr marL="628650" indent="-269875" algn="l" rtl="0" eaLnBrk="1" latinLnBrk="1" hangingPunct="1">
+              <a:spcBef>
+                <a:spcPts val="500"/>
+              </a:spcBef>
+              <a:buClr>
+                <a:schemeClr val="accent5"/>
+              </a:buClr>
+              <a:buSzPct val="65000"/>
+              <a:buFont typeface="Wingdings 3"/>
+              <a:buChar char=""/>
+              <a:defRPr kumimoji="0" sz="1600" b="0" kern="1200" baseline="0">
+                <a:solidFill>
+                  <a:schemeClr val="tx1"/>
+                </a:solidFill>
+                <a:latin typeface="Times New Roman" panose="02020603050405020304" pitchFamily="18" charset="0"/>
+                <a:ea typeface="맑은 고딕" panose="020B0503020000020004" pitchFamily="50" charset="-127"/>
+                <a:cs typeface="Calibri" panose="020F0502020204030204" pitchFamily="34" charset="0"/>
+              </a:defRPr>
+            </a:lvl3pPr>
+            <a:lvl4pPr marL="806450" indent="-268288" algn="l" rtl="0" eaLnBrk="1" latinLnBrk="1" hangingPunct="1">
+              <a:spcBef>
+                <a:spcPts val="500"/>
+              </a:spcBef>
+              <a:buClr>
+                <a:schemeClr val="accent5">
+                  <a:lumMod val="60000"/>
+                  <a:lumOff val="40000"/>
+                </a:schemeClr>
+              </a:buClr>
+              <a:buSzPct val="100000"/>
+              <a:buFont typeface="Wingdings" panose="05000000000000000000" pitchFamily="2" charset="2"/>
+              <a:buChar char="§"/>
+              <a:defRPr kumimoji="0" sz="1600" b="0" kern="1200" baseline="0">
+                <a:solidFill>
+                  <a:schemeClr val="tx1"/>
+                </a:solidFill>
+                <a:latin typeface="Times New Roman" panose="02020603050405020304" pitchFamily="18" charset="0"/>
+                <a:ea typeface="맑은 고딕" panose="020B0503020000020004" pitchFamily="50" charset="-127"/>
+                <a:cs typeface="Calibri" panose="020F0502020204030204" pitchFamily="34" charset="0"/>
+              </a:defRPr>
+            </a:lvl4pPr>
+            <a:lvl5pPr marL="984250" indent="-268288" algn="l" rtl="0" eaLnBrk="1" latinLnBrk="1" hangingPunct="1">
+              <a:spcBef>
+                <a:spcPts val="500"/>
+              </a:spcBef>
+              <a:buClr>
+                <a:schemeClr val="accent2">
+                  <a:lumMod val="50000"/>
+                </a:schemeClr>
+              </a:buClr>
+              <a:buSzPct val="70000"/>
+              <a:buFont typeface="Arial" panose="020B0604020202020204" pitchFamily="34" charset="0"/>
+              <a:buChar char="•"/>
+              <a:defRPr kumimoji="0" sz="1600" b="0" kern="1200" baseline="0">
+                <a:solidFill>
+                  <a:schemeClr val="tx1"/>
+                </a:solidFill>
+                <a:latin typeface="Times New Roman" panose="02020603050405020304" pitchFamily="18" charset="0"/>
+                <a:ea typeface="맑은 고딕" panose="020B0503020000020004" pitchFamily="50" charset="-127"/>
+                <a:cs typeface="Calibri" panose="020F0502020204030204" pitchFamily="34" charset="0"/>
+              </a:defRPr>
+            </a:lvl5pPr>
+            <a:lvl6pPr marL="1168400" indent="-268288" algn="l" rtl="0" eaLnBrk="1" latinLnBrk="1" hangingPunct="1">
+              <a:spcBef>
+                <a:spcPts val="500"/>
+              </a:spcBef>
+              <a:buClr>
+                <a:schemeClr val="accent6"/>
+              </a:buClr>
+              <a:buSzPct val="100000"/>
+              <a:buFont typeface="Times New Roman" panose="02020603050405020304" pitchFamily="18" charset="0"/>
+              <a:buChar char="‣"/>
+              <a:defRPr kumimoji="0" lang="en-US" sz="1600" kern="1200">
+                <a:solidFill>
+                  <a:schemeClr val="tx1"/>
+                </a:solidFill>
+                <a:latin typeface="+mn-lt"/>
+                <a:ea typeface="+mn-ea"/>
+                <a:cs typeface="+mn-cs"/>
+              </a:defRPr>
+            </a:lvl6pPr>
+            <a:lvl7pPr marL="1828580" indent="-182858" algn="l" rtl="0" eaLnBrk="1" latinLnBrk="1" hangingPunct="1">
+              <a:spcBef>
+                <a:spcPts val="300"/>
+              </a:spcBef>
+              <a:buClr>
+                <a:srgbClr val="727CA3">
+                  <a:shade val="75000"/>
+                </a:srgbClr>
+              </a:buClr>
+              <a:buSzPct val="75000"/>
+              <a:buFont typeface="Wingdings 3"/>
+              <a:buChar char=""/>
+              <a:defRPr kumimoji="0" lang="en-US" sz="1400" kern="1200" smtClean="0">
+                <a:solidFill>
+                  <a:schemeClr val="tx1"/>
+                </a:solidFill>
+                <a:latin typeface="+mn-lt"/>
+                <a:ea typeface="+mn-ea"/>
+                <a:cs typeface="+mn-cs"/>
+              </a:defRPr>
+            </a:lvl7pPr>
+            <a:lvl8pPr marL="2011439" indent="-182858" algn="l" rtl="0" eaLnBrk="1" latinLnBrk="1" hangingPunct="1">
+              <a:spcBef>
+                <a:spcPts val="300"/>
+              </a:spcBef>
+              <a:buClr>
+                <a:prstClr val="white">
+                  <a:shade val="50000"/>
+                </a:prstClr>
+              </a:buClr>
+              <a:buSzPct val="75000"/>
+              <a:buFont typeface="Wingdings 3"/>
+              <a:buChar char=""/>
+              <a:defRPr kumimoji="0" lang="en-US" sz="1400" kern="1200" smtClean="0">
+                <a:solidFill>
+                  <a:schemeClr val="tx1"/>
+                </a:solidFill>
+                <a:latin typeface="+mn-lt"/>
+                <a:ea typeface="+mn-ea"/>
+                <a:cs typeface="+mn-cs"/>
+              </a:defRPr>
+            </a:lvl8pPr>
+            <a:lvl9pPr marL="2194297" indent="-182858" algn="l" rtl="0" eaLnBrk="1" latinLnBrk="1" hangingPunct="1">
+              <a:spcBef>
+                <a:spcPts val="300"/>
+              </a:spcBef>
+              <a:buClr>
+                <a:srgbClr val="9FB8CD"/>
+              </a:buClr>
+              <a:buSzPct val="75000"/>
+              <a:buFont typeface="Wingdings 3"/>
+              <a:buChar char=""/>
+              <a:defRPr kumimoji="0" lang="en-US" sz="1200" kern="1200" smtClean="0">
+                <a:solidFill>
+                  <a:schemeClr val="tx1"/>
+                </a:solidFill>
+                <a:latin typeface="+mn-lt"/>
+                <a:ea typeface="+mn-ea"/>
+                <a:cs typeface="+mn-cs"/>
+              </a:defRPr>
+            </a:lvl9pPr>
+          </a:lstStyle>
+          <a:p>
+            <a:r>
+              <a:rPr lang="ko-KR" altLang="en-US" dirty="0"/>
+              <a:t>파라미터 조정</a:t>
+            </a:r>
+            <a:endParaRPr lang="en-US" altLang="ko-KR" dirty="0"/>
+          </a:p>
+          <a:p>
+            <a:pPr lvl="1"/>
+            <a:endParaRPr lang="en-US" altLang="ko-KR" dirty="0"/>
+          </a:p>
+          <a:p>
+            <a:pPr lvl="1"/>
+            <a:endParaRPr lang="en-US" altLang="ko-KR" dirty="0"/>
+          </a:p>
+          <a:p>
+            <a:pPr lvl="1"/>
+            <a:endParaRPr lang="en-US" altLang="ko-KR" dirty="0"/>
+          </a:p>
+          <a:p>
+            <a:pPr marL="176212" lvl="1" indent="0">
+              <a:buFont typeface="Wingdings" panose="05000000000000000000" pitchFamily="2" charset="2"/>
+              <a:buNone/>
+            </a:pPr>
+            <a:endParaRPr lang="en-US" altLang="ko-KR" dirty="0"/>
+          </a:p>
+        </p:txBody>
+      </p:sp>
+      <p:sp>
+        <p:nvSpPr>
+          <p:cNvPr id="13" name="내용 개체 틀 3">
+            <a:extLst>
+              <a:ext uri="{FF2B5EF4-FFF2-40B4-BE49-F238E27FC236}">
+                <a16:creationId xmlns:a16="http://schemas.microsoft.com/office/drawing/2014/main" id="{006EC26A-B672-4583-9509-15555A2869C8}"/>
+              </a:ext>
+            </a:extLst>
+          </p:cNvPr>
+          <p:cNvSpPr txBox="1">
+            <a:spLocks/>
+          </p:cNvSpPr>
+          <p:nvPr/>
+        </p:nvSpPr>
+        <p:spPr>
+          <a:xfrm>
+            <a:off x="6986329" y="1649210"/>
+            <a:ext cx="2789514" cy="3154404"/>
+          </a:xfrm>
+          <a:prstGeom prst="rect">
+            <a:avLst/>
+          </a:prstGeom>
+        </p:spPr>
+        <p:txBody>
+          <a:bodyPr vert="horz" lIns="0" tIns="0" rIns="0" bIns="0">
+            <a:normAutofit/>
+          </a:bodyPr>
+          <a:lstStyle>
+            <a:lvl1pPr marL="266700" indent="-266700" algn="l" rtl="0" eaLnBrk="1" latinLnBrk="1" hangingPunct="1">
+              <a:spcBef>
+                <a:spcPts val="3000"/>
+              </a:spcBef>
+              <a:buClr>
+                <a:schemeClr val="accent3"/>
+              </a:buClr>
+              <a:buSzPct val="70000"/>
+              <a:buFont typeface="Wingdings" panose="05000000000000000000" pitchFamily="2" charset="2"/>
+              <a:buChar char="v"/>
+              <a:defRPr kumimoji="0" sz="1800" b="1" kern="1200" spc="-70" baseline="0">
+                <a:solidFill>
+                  <a:schemeClr val="tx1"/>
+                </a:solidFill>
+                <a:latin typeface="Times New Roman" panose="02020603050405020304" pitchFamily="18" charset="0"/>
+                <a:ea typeface="맑은 고딕" panose="020B0503020000020004" pitchFamily="50" charset="-127"/>
+                <a:cs typeface="Calibri" panose="020F0502020204030204" pitchFamily="34" charset="0"/>
+              </a:defRPr>
+            </a:lvl1pPr>
+            <a:lvl2pPr marL="450850" indent="-274638" algn="l" rtl="0" eaLnBrk="1" latinLnBrk="1" hangingPunct="1">
+              <a:spcBef>
+                <a:spcPts val="500"/>
+              </a:spcBef>
+              <a:buClr>
+                <a:schemeClr val="accent1"/>
+              </a:buClr>
+              <a:buSzPct val="65000"/>
+              <a:buFont typeface="Wingdings" panose="05000000000000000000" pitchFamily="2" charset="2"/>
+              <a:buChar char="l"/>
+              <a:defRPr kumimoji="0" sz="1600" b="0" kern="1200" baseline="0">
+                <a:solidFill>
+                  <a:schemeClr val="tx2"/>
+                </a:solidFill>
+                <a:latin typeface="Times New Roman" panose="02020603050405020304" pitchFamily="18" charset="0"/>
+                <a:ea typeface="맑은 고딕" panose="020B0503020000020004" pitchFamily="50" charset="-127"/>
+                <a:cs typeface="Calibri" panose="020F0502020204030204" pitchFamily="34" charset="0"/>
+              </a:defRPr>
+            </a:lvl2pPr>
+            <a:lvl3pPr marL="628650" indent="-269875" algn="l" rtl="0" eaLnBrk="1" latinLnBrk="1" hangingPunct="1">
+              <a:spcBef>
+                <a:spcPts val="500"/>
+              </a:spcBef>
+              <a:buClr>
+                <a:schemeClr val="accent5"/>
+              </a:buClr>
+              <a:buSzPct val="65000"/>
+              <a:buFont typeface="Wingdings 3"/>
+              <a:buChar char=""/>
+              <a:defRPr kumimoji="0" sz="1600" b="0" kern="1200" baseline="0">
+                <a:solidFill>
+                  <a:schemeClr val="tx1"/>
+                </a:solidFill>
+                <a:latin typeface="Times New Roman" panose="02020603050405020304" pitchFamily="18" charset="0"/>
+                <a:ea typeface="맑은 고딕" panose="020B0503020000020004" pitchFamily="50" charset="-127"/>
+                <a:cs typeface="Calibri" panose="020F0502020204030204" pitchFamily="34" charset="0"/>
+              </a:defRPr>
+            </a:lvl3pPr>
+            <a:lvl4pPr marL="806450" indent="-268288" algn="l" rtl="0" eaLnBrk="1" latinLnBrk="1" hangingPunct="1">
+              <a:spcBef>
+                <a:spcPts val="500"/>
+              </a:spcBef>
+              <a:buClr>
+                <a:schemeClr val="accent5">
+                  <a:lumMod val="60000"/>
+                  <a:lumOff val="40000"/>
+                </a:schemeClr>
+              </a:buClr>
+              <a:buSzPct val="100000"/>
+              <a:buFont typeface="Wingdings" panose="05000000000000000000" pitchFamily="2" charset="2"/>
+              <a:buChar char="§"/>
+              <a:defRPr kumimoji="0" sz="1600" b="0" kern="1200" baseline="0">
+                <a:solidFill>
+                  <a:schemeClr val="tx1"/>
+                </a:solidFill>
+                <a:latin typeface="Times New Roman" panose="02020603050405020304" pitchFamily="18" charset="0"/>
+                <a:ea typeface="맑은 고딕" panose="020B0503020000020004" pitchFamily="50" charset="-127"/>
+                <a:cs typeface="Calibri" panose="020F0502020204030204" pitchFamily="34" charset="0"/>
+              </a:defRPr>
+            </a:lvl4pPr>
+            <a:lvl5pPr marL="984250" indent="-268288" algn="l" rtl="0" eaLnBrk="1" latinLnBrk="1" hangingPunct="1">
+              <a:spcBef>
+                <a:spcPts val="500"/>
+              </a:spcBef>
+              <a:buClr>
+                <a:schemeClr val="accent2">
+                  <a:lumMod val="50000"/>
+                </a:schemeClr>
+              </a:buClr>
+              <a:buSzPct val="70000"/>
+              <a:buFont typeface="Arial" panose="020B0604020202020204" pitchFamily="34" charset="0"/>
+              <a:buChar char="•"/>
+              <a:defRPr kumimoji="0" sz="1600" b="0" kern="1200" baseline="0">
+                <a:solidFill>
+                  <a:schemeClr val="tx1"/>
+                </a:solidFill>
+                <a:latin typeface="Times New Roman" panose="02020603050405020304" pitchFamily="18" charset="0"/>
+                <a:ea typeface="맑은 고딕" panose="020B0503020000020004" pitchFamily="50" charset="-127"/>
+                <a:cs typeface="Calibri" panose="020F0502020204030204" pitchFamily="34" charset="0"/>
+              </a:defRPr>
+            </a:lvl5pPr>
+            <a:lvl6pPr marL="1168400" indent="-268288" algn="l" rtl="0" eaLnBrk="1" latinLnBrk="1" hangingPunct="1">
+              <a:spcBef>
+                <a:spcPts val="500"/>
+              </a:spcBef>
+              <a:buClr>
+                <a:schemeClr val="accent6"/>
+              </a:buClr>
+              <a:buSzPct val="100000"/>
+              <a:buFont typeface="Times New Roman" panose="02020603050405020304" pitchFamily="18" charset="0"/>
+              <a:buChar char="‣"/>
+              <a:defRPr kumimoji="0" lang="en-US" sz="1600" kern="1200">
+                <a:solidFill>
+                  <a:schemeClr val="tx1"/>
+                </a:solidFill>
+                <a:latin typeface="+mn-lt"/>
+                <a:ea typeface="+mn-ea"/>
+                <a:cs typeface="+mn-cs"/>
+              </a:defRPr>
+            </a:lvl6pPr>
+            <a:lvl7pPr marL="1828580" indent="-182858" algn="l" rtl="0" eaLnBrk="1" latinLnBrk="1" hangingPunct="1">
+              <a:spcBef>
+                <a:spcPts val="300"/>
+              </a:spcBef>
+              <a:buClr>
+                <a:srgbClr val="727CA3">
+                  <a:shade val="75000"/>
+                </a:srgbClr>
+              </a:buClr>
+              <a:buSzPct val="75000"/>
+              <a:buFont typeface="Wingdings 3"/>
+              <a:buChar char=""/>
+              <a:defRPr kumimoji="0" lang="en-US" sz="1400" kern="1200" smtClean="0">
+                <a:solidFill>
+                  <a:schemeClr val="tx1"/>
+                </a:solidFill>
+                <a:latin typeface="+mn-lt"/>
+                <a:ea typeface="+mn-ea"/>
+                <a:cs typeface="+mn-cs"/>
+              </a:defRPr>
+            </a:lvl7pPr>
+            <a:lvl8pPr marL="2011439" indent="-182858" algn="l" rtl="0" eaLnBrk="1" latinLnBrk="1" hangingPunct="1">
+              <a:spcBef>
+                <a:spcPts val="300"/>
+              </a:spcBef>
+              <a:buClr>
+                <a:prstClr val="white">
+                  <a:shade val="50000"/>
+                </a:prstClr>
+              </a:buClr>
+              <a:buSzPct val="75000"/>
+              <a:buFont typeface="Wingdings 3"/>
+              <a:buChar char=""/>
+              <a:defRPr kumimoji="0" lang="en-US" sz="1400" kern="1200" smtClean="0">
+                <a:solidFill>
+                  <a:schemeClr val="tx1"/>
+                </a:solidFill>
+                <a:latin typeface="+mn-lt"/>
+                <a:ea typeface="+mn-ea"/>
+                <a:cs typeface="+mn-cs"/>
+              </a:defRPr>
+            </a:lvl8pPr>
+            <a:lvl9pPr marL="2194297" indent="-182858" algn="l" rtl="0" eaLnBrk="1" latinLnBrk="1" hangingPunct="1">
+              <a:spcBef>
+                <a:spcPts val="300"/>
+              </a:spcBef>
+              <a:buClr>
+                <a:srgbClr val="9FB8CD"/>
+              </a:buClr>
+              <a:buSzPct val="75000"/>
+              <a:buFont typeface="Wingdings 3"/>
+              <a:buChar char=""/>
+              <a:defRPr kumimoji="0" lang="en-US" sz="1200" kern="1200" smtClean="0">
+                <a:solidFill>
+                  <a:schemeClr val="tx1"/>
+                </a:solidFill>
+                <a:latin typeface="+mn-lt"/>
+                <a:ea typeface="+mn-ea"/>
+                <a:cs typeface="+mn-cs"/>
+              </a:defRPr>
+            </a:lvl9pPr>
+          </a:lstStyle>
+          <a:p>
+            <a:pPr lvl="1"/>
+            <a:r>
+              <a:rPr lang="ko-KR" altLang="en-US" dirty="0"/>
+              <a:t>남북경협</a:t>
+            </a:r>
+            <a:endParaRPr lang="en-US" altLang="ko-KR" dirty="0"/>
+          </a:p>
+          <a:p>
+            <a:pPr lvl="1"/>
+            <a:r>
+              <a:rPr lang="en-US" altLang="ko-KR" dirty="0"/>
+              <a:t>20</a:t>
+            </a:r>
+            <a:r>
+              <a:rPr lang="ko-KR" altLang="en-US" dirty="0"/>
+              <a:t>일선</a:t>
+            </a:r>
+            <a:endParaRPr lang="en-US" altLang="ko-KR" dirty="0"/>
+          </a:p>
+          <a:p>
+            <a:pPr lvl="1"/>
+            <a:r>
+              <a:rPr lang="en-US" altLang="ko-KR" dirty="0"/>
+              <a:t>10</a:t>
+            </a:r>
+            <a:r>
+              <a:rPr lang="ko-KR" altLang="en-US" dirty="0" err="1"/>
+              <a:t>일단위</a:t>
+            </a:r>
+            <a:r>
+              <a:rPr lang="ko-KR" altLang="en-US" dirty="0"/>
+              <a:t> 미분</a:t>
+            </a:r>
+            <a:endParaRPr lang="en-US" altLang="ko-KR" dirty="0"/>
+          </a:p>
+          <a:p>
+            <a:pPr lvl="1"/>
+            <a:endParaRPr lang="en-US" altLang="ko-KR" dirty="0"/>
+          </a:p>
+          <a:p>
+            <a:pPr lvl="1"/>
+            <a:endParaRPr lang="en-US" altLang="ko-KR" dirty="0"/>
+          </a:p>
+          <a:p>
+            <a:pPr marL="176212" lvl="1" indent="0">
+              <a:buFont typeface="Wingdings" panose="05000000000000000000" pitchFamily="2" charset="2"/>
+              <a:buNone/>
+            </a:pPr>
+            <a:endParaRPr lang="en-US" altLang="ko-KR" dirty="0"/>
+          </a:p>
+        </p:txBody>
+      </p:sp>
+      <p:pic>
+        <p:nvPicPr>
+          <p:cNvPr id="4" name="그림 3">
+            <a:extLst>
+              <a:ext uri="{FF2B5EF4-FFF2-40B4-BE49-F238E27FC236}">
+                <a16:creationId xmlns:a16="http://schemas.microsoft.com/office/drawing/2014/main" id="{04A60BD0-9298-413B-8923-5989699B71F3}"/>
+              </a:ext>
+            </a:extLst>
+          </p:cNvPr>
+          <p:cNvPicPr>
+            <a:picLocks noChangeAspect="1"/>
+          </p:cNvPicPr>
+          <p:nvPr/>
+        </p:nvPicPr>
+        <p:blipFill>
+          <a:blip r:embed="rId2"/>
+          <a:stretch>
+            <a:fillRect/>
+          </a:stretch>
+        </p:blipFill>
+        <p:spPr>
+          <a:xfrm>
+            <a:off x="53934" y="1412648"/>
+            <a:ext cx="6936344" cy="3578451"/>
+          </a:xfrm>
+          <a:prstGeom prst="rect">
+            <a:avLst/>
+          </a:prstGeom>
+        </p:spPr>
+      </p:pic>
+    </p:spTree>
+    <p:extLst>
+      <p:ext uri="{BB962C8B-B14F-4D97-AF65-F5344CB8AC3E}">
+        <p14:creationId xmlns:p14="http://schemas.microsoft.com/office/powerpoint/2010/main" val="3591340603"/>
+      </p:ext>
+    </p:extLst>
+  </p:cSld>
+  <p:clrMapOvr>
+    <a:masterClrMapping/>
+  </p:clrMapOvr>
+</p:sld>
+</file>
+
+<file path=ppt/slides/slide19.xml><?xml version="1.0" encoding="utf-8"?>
+<p:sld xmlns:a="http://schemas.openxmlformats.org/drawingml/2006/main" xmlns:r="http://schemas.openxmlformats.org/officeDocument/2006/relationships" xmlns:p="http://schemas.openxmlformats.org/presentationml/2006/main">
+  <p:cSld>
+    <p:spTree>
+      <p:nvGrpSpPr>
+        <p:cNvPr id="1" name=""/>
+        <p:cNvGrpSpPr/>
+        <p:nvPr/>
+      </p:nvGrpSpPr>
+      <p:grpSpPr>
+        <a:xfrm>
+          <a:off x="0" y="0"/>
+          <a:ext cx="0" cy="0"/>
+          <a:chOff x="0" y="0"/>
+          <a:chExt cx="0" cy="0"/>
+        </a:xfrm>
+      </p:grpSpPr>
+      <p:sp>
+        <p:nvSpPr>
+          <p:cNvPr id="2" name="제목 1">
+            <a:extLst>
+              <a:ext uri="{FF2B5EF4-FFF2-40B4-BE49-F238E27FC236}">
+                <a16:creationId xmlns:a16="http://schemas.microsoft.com/office/drawing/2014/main" id="{8D6F68CF-6FD2-41A5-8205-552ED88B6888}"/>
+              </a:ext>
+            </a:extLst>
+          </p:cNvPr>
+          <p:cNvSpPr>
+            <a:spLocks noGrp="1"/>
+          </p:cNvSpPr>
+          <p:nvPr>
+            <p:ph type="title"/>
+          </p:nvPr>
+        </p:nvSpPr>
+        <p:spPr/>
+        <p:txBody>
+          <a:bodyPr/>
+          <a:lstStyle/>
+          <a:p>
+            <a:r>
+              <a:rPr lang="ko-KR" altLang="en-US" dirty="0"/>
+              <a:t>종목 별 </a:t>
+            </a:r>
+            <a:r>
+              <a:rPr lang="en-US" altLang="ko-KR" dirty="0"/>
+              <a:t>rank </a:t>
+            </a:r>
+            <a:r>
+              <a:rPr lang="ko-KR" altLang="en-US" dirty="0"/>
+              <a:t>및 다음 </a:t>
+            </a:r>
+            <a:r>
+              <a:rPr lang="en-US" altLang="ko-KR" dirty="0"/>
+              <a:t>cycle </a:t>
+            </a:r>
+            <a:r>
+              <a:rPr lang="ko-KR" altLang="en-US" dirty="0"/>
+              <a:t>예측</a:t>
+            </a:r>
+          </a:p>
+        </p:txBody>
+      </p:sp>
+      <p:sp>
+        <p:nvSpPr>
+          <p:cNvPr id="3" name="슬라이드 번호 개체 틀 2">
+            <a:extLst>
+              <a:ext uri="{FF2B5EF4-FFF2-40B4-BE49-F238E27FC236}">
+                <a16:creationId xmlns:a16="http://schemas.microsoft.com/office/drawing/2014/main" id="{993EFEB3-D56C-4388-A869-5BDB662F4C8F}"/>
+              </a:ext>
+            </a:extLst>
+          </p:cNvPr>
+          <p:cNvSpPr>
+            <a:spLocks noGrp="1"/>
+          </p:cNvSpPr>
+          <p:nvPr>
+            <p:ph type="sldNum" sz="quarter" idx="12"/>
+          </p:nvPr>
+        </p:nvSpPr>
+        <p:spPr/>
+        <p:txBody>
+          <a:bodyPr/>
+          <a:lstStyle/>
+          <a:p>
+            <a:fld id="{FE07106B-9139-4E7D-9251-E6A3203F00D4}" type="slidenum">
+              <a:rPr lang="ko-KR" altLang="en-US" smtClean="0"/>
+              <a:pPr/>
+              <a:t>19</a:t>
             </a:fld>
             <a:endParaRPr lang="ko-KR" altLang="en-US" dirty="0"/>
           </a:p>
